--- a/src/tests/data_replace/chart_replace.pptx
+++ b/src/tests/data_replace/chart_replace.pptx
@@ -6,7 +6,13 @@
   </p:sldMasterIdLst>
   <p:sldIdLst>
     <p:sldId id="256" r:id="rId2"/>
-    <p:sldId id="257" r:id="rId3"/>
+    <p:sldId id="259" r:id="rId3"/>
+    <p:sldId id="260" r:id="rId4"/>
+    <p:sldId id="261" r:id="rId5"/>
+    <p:sldId id="262" r:id="rId6"/>
+    <p:sldId id="263" r:id="rId7"/>
+    <p:sldId id="258" r:id="rId8"/>
+    <p:sldId id="257" r:id="rId9"/>
   </p:sldIdLst>
   <p:sldSz cx="12192000" cy="6858000"/>
   <p:notesSz cx="6858000" cy="9144000"/>
@@ -438,7 +444,4220 @@
 </c:chartSpace>
 </file>
 
+<file path=ppt/charts/chart10.xml><?xml version="1.0" encoding="utf-8"?>
+<c:chartSpace xmlns:c="http://schemas.openxmlformats.org/drawingml/2006/chart" xmlns:a="http://schemas.openxmlformats.org/drawingml/2006/main" xmlns:r="http://schemas.openxmlformats.org/officeDocument/2006/relationships" xmlns:c16r2="http://schemas.microsoft.com/office/drawing/2015/06/chart">
+  <c:date1904 val="0"/>
+  <c:lang val="ko-KR"/>
+  <c:roundedCorners val="0"/>
+  <mc:AlternateContent xmlns:mc="http://schemas.openxmlformats.org/markup-compatibility/2006">
+    <mc:Choice xmlns:c14="http://schemas.microsoft.com/office/drawing/2007/8/2/chart" Requires="c14">
+      <c14:style val="102"/>
+    </mc:Choice>
+    <mc:Fallback>
+      <c:style val="2"/>
+    </mc:Fallback>
+  </mc:AlternateContent>
+  <c:chart>
+    <c:title>
+      <c:overlay val="0"/>
+      <c:spPr>
+        <a:noFill/>
+        <a:ln>
+          <a:noFill/>
+        </a:ln>
+        <a:effectLst/>
+      </c:spPr>
+      <c:txPr>
+        <a:bodyPr rot="0" spcFirstLastPara="1" vertOverflow="ellipsis" vert="horz" wrap="square" anchor="ctr" anchorCtr="1"/>
+        <a:lstStyle/>
+        <a:p>
+          <a:pPr>
+            <a:defRPr sz="1862" b="0" i="0" u="none" strike="noStrike" kern="1200" spc="0" baseline="0">
+              <a:solidFill>
+                <a:schemeClr val="tx1">
+                  <a:lumMod val="65000"/>
+                  <a:lumOff val="35000"/>
+                </a:schemeClr>
+              </a:solidFill>
+              <a:latin typeface="+mn-lt"/>
+              <a:ea typeface="+mn-ea"/>
+              <a:cs typeface="+mn-cs"/>
+            </a:defRPr>
+          </a:pPr>
+          <a:endParaRPr lang="ko-KR"/>
+        </a:p>
+      </c:txPr>
+    </c:title>
+    <c:autoTitleDeleted val="0"/>
+    <c:plotArea>
+      <c:layout/>
+      <c:scatterChart>
+        <c:scatterStyle val="lineMarker"/>
+        <c:varyColors val="0"/>
+        <c:ser>
+          <c:idx val="0"/>
+          <c:order val="0"/>
+          <c:tx>
+            <c:strRef>
+              <c:f>Sheet1!$B$1</c:f>
+              <c:strCache>
+                <c:ptCount val="1"/>
+                <c:pt idx="0">
+                  <c:v>Y 값</c:v>
+                </c:pt>
+              </c:strCache>
+            </c:strRef>
+          </c:tx>
+          <c:spPr>
+            <a:ln w="25400" cap="rnd">
+              <a:noFill/>
+              <a:round/>
+            </a:ln>
+            <a:effectLst/>
+          </c:spPr>
+          <c:marker>
+            <c:symbol val="circle"/>
+            <c:size val="5"/>
+            <c:spPr>
+              <a:solidFill>
+                <a:schemeClr val="accent1"/>
+              </a:solidFill>
+              <a:ln w="9525">
+                <a:solidFill>
+                  <a:schemeClr val="accent1"/>
+                </a:solidFill>
+              </a:ln>
+              <a:effectLst/>
+            </c:spPr>
+          </c:marker>
+          <c:xVal>
+            <c:numRef>
+              <c:f>Sheet1!$A$2:$A$4</c:f>
+              <c:numCache>
+                <c:formatCode>General</c:formatCode>
+                <c:ptCount val="3"/>
+                <c:pt idx="0">
+                  <c:v>0.7</c:v>
+                </c:pt>
+                <c:pt idx="1">
+                  <c:v>1.8</c:v>
+                </c:pt>
+                <c:pt idx="2">
+                  <c:v>2.6</c:v>
+                </c:pt>
+              </c:numCache>
+            </c:numRef>
+          </c:xVal>
+          <c:yVal>
+            <c:numRef>
+              <c:f>Sheet1!$B$2:$B$4</c:f>
+              <c:numCache>
+                <c:formatCode>General</c:formatCode>
+                <c:ptCount val="3"/>
+                <c:pt idx="0">
+                  <c:v>2.7</c:v>
+                </c:pt>
+                <c:pt idx="1">
+                  <c:v>3.2</c:v>
+                </c:pt>
+                <c:pt idx="2">
+                  <c:v>0.8</c:v>
+                </c:pt>
+              </c:numCache>
+            </c:numRef>
+          </c:yVal>
+          <c:smooth val="0"/>
+          <c:extLst>
+            <c:ext xmlns:c16="http://schemas.microsoft.com/office/drawing/2014/chart" uri="{C3380CC4-5D6E-409C-BE32-E72D297353CC}">
+              <c16:uniqueId val="{00000000-BABE-6445-B171-8BAB189F48BA}"/>
+            </c:ext>
+          </c:extLst>
+        </c:ser>
+        <c:dLbls>
+          <c:showLegendKey val="0"/>
+          <c:showVal val="0"/>
+          <c:showCatName val="0"/>
+          <c:showSerName val="0"/>
+          <c:showPercent val="0"/>
+          <c:showBubbleSize val="0"/>
+        </c:dLbls>
+        <c:axId val="861097344"/>
+        <c:axId val="861246896"/>
+      </c:scatterChart>
+      <c:valAx>
+        <c:axId val="861097344"/>
+        <c:scaling>
+          <c:orientation val="minMax"/>
+        </c:scaling>
+        <c:delete val="0"/>
+        <c:axPos val="b"/>
+        <c:majorGridlines>
+          <c:spPr>
+            <a:ln w="9525" cap="flat" cmpd="sng" algn="ctr">
+              <a:solidFill>
+                <a:schemeClr val="tx1">
+                  <a:lumMod val="15000"/>
+                  <a:lumOff val="85000"/>
+                </a:schemeClr>
+              </a:solidFill>
+              <a:round/>
+            </a:ln>
+            <a:effectLst/>
+          </c:spPr>
+        </c:majorGridlines>
+        <c:numFmt formatCode="General" sourceLinked="1"/>
+        <c:majorTickMark val="none"/>
+        <c:minorTickMark val="none"/>
+        <c:tickLblPos val="nextTo"/>
+        <c:spPr>
+          <a:noFill/>
+          <a:ln w="9525" cap="flat" cmpd="sng" algn="ctr">
+            <a:solidFill>
+              <a:schemeClr val="tx1">
+                <a:lumMod val="25000"/>
+                <a:lumOff val="75000"/>
+              </a:schemeClr>
+            </a:solidFill>
+            <a:round/>
+          </a:ln>
+          <a:effectLst/>
+        </c:spPr>
+        <c:txPr>
+          <a:bodyPr rot="-60000000" spcFirstLastPara="1" vertOverflow="ellipsis" vert="horz" wrap="square" anchor="ctr" anchorCtr="1"/>
+          <a:lstStyle/>
+          <a:p>
+            <a:pPr>
+              <a:defRPr sz="1197" b="0" i="0" u="none" strike="noStrike" kern="1200" baseline="0">
+                <a:solidFill>
+                  <a:schemeClr val="tx1">
+                    <a:lumMod val="65000"/>
+                    <a:lumOff val="35000"/>
+                  </a:schemeClr>
+                </a:solidFill>
+                <a:latin typeface="+mn-lt"/>
+                <a:ea typeface="+mn-ea"/>
+                <a:cs typeface="+mn-cs"/>
+              </a:defRPr>
+            </a:pPr>
+            <a:endParaRPr lang="ko-KR"/>
+          </a:p>
+        </c:txPr>
+        <c:crossAx val="861246896"/>
+        <c:crosses val="autoZero"/>
+        <c:crossBetween val="midCat"/>
+      </c:valAx>
+      <c:valAx>
+        <c:axId val="861246896"/>
+        <c:scaling>
+          <c:orientation val="minMax"/>
+        </c:scaling>
+        <c:delete val="0"/>
+        <c:axPos val="l"/>
+        <c:majorGridlines>
+          <c:spPr>
+            <a:ln w="9525" cap="flat" cmpd="sng" algn="ctr">
+              <a:solidFill>
+                <a:schemeClr val="tx1">
+                  <a:lumMod val="15000"/>
+                  <a:lumOff val="85000"/>
+                </a:schemeClr>
+              </a:solidFill>
+              <a:round/>
+            </a:ln>
+            <a:effectLst/>
+          </c:spPr>
+        </c:majorGridlines>
+        <c:numFmt formatCode="General" sourceLinked="1"/>
+        <c:majorTickMark val="none"/>
+        <c:minorTickMark val="none"/>
+        <c:tickLblPos val="nextTo"/>
+        <c:spPr>
+          <a:noFill/>
+          <a:ln w="9525" cap="flat" cmpd="sng" algn="ctr">
+            <a:solidFill>
+              <a:schemeClr val="tx1">
+                <a:lumMod val="25000"/>
+                <a:lumOff val="75000"/>
+              </a:schemeClr>
+            </a:solidFill>
+            <a:round/>
+          </a:ln>
+          <a:effectLst/>
+        </c:spPr>
+        <c:txPr>
+          <a:bodyPr rot="-60000000" spcFirstLastPara="1" vertOverflow="ellipsis" vert="horz" wrap="square" anchor="ctr" anchorCtr="1"/>
+          <a:lstStyle/>
+          <a:p>
+            <a:pPr>
+              <a:defRPr sz="1197" b="0" i="0" u="none" strike="noStrike" kern="1200" baseline="0">
+                <a:solidFill>
+                  <a:schemeClr val="tx1">
+                    <a:lumMod val="65000"/>
+                    <a:lumOff val="35000"/>
+                  </a:schemeClr>
+                </a:solidFill>
+                <a:latin typeface="+mn-lt"/>
+                <a:ea typeface="+mn-ea"/>
+                <a:cs typeface="+mn-cs"/>
+              </a:defRPr>
+            </a:pPr>
+            <a:endParaRPr lang="ko-KR"/>
+          </a:p>
+        </c:txPr>
+        <c:crossAx val="861097344"/>
+        <c:crosses val="autoZero"/>
+        <c:crossBetween val="midCat"/>
+      </c:valAx>
+      <c:spPr>
+        <a:noFill/>
+        <a:ln>
+          <a:noFill/>
+        </a:ln>
+        <a:effectLst/>
+      </c:spPr>
+    </c:plotArea>
+    <c:legend>
+      <c:legendPos val="r"/>
+      <c:overlay val="0"/>
+      <c:spPr>
+        <a:noFill/>
+        <a:ln>
+          <a:noFill/>
+        </a:ln>
+        <a:effectLst/>
+      </c:spPr>
+      <c:txPr>
+        <a:bodyPr rot="0" spcFirstLastPara="1" vertOverflow="ellipsis" vert="horz" wrap="square" anchor="ctr" anchorCtr="1"/>
+        <a:lstStyle/>
+        <a:p>
+          <a:pPr>
+            <a:defRPr sz="1197" b="0" i="0" u="none" strike="noStrike" kern="1200" baseline="0">
+              <a:solidFill>
+                <a:schemeClr val="tx1">
+                  <a:lumMod val="65000"/>
+                  <a:lumOff val="35000"/>
+                </a:schemeClr>
+              </a:solidFill>
+              <a:latin typeface="+mn-lt"/>
+              <a:ea typeface="+mn-ea"/>
+              <a:cs typeface="+mn-cs"/>
+            </a:defRPr>
+          </a:pPr>
+          <a:endParaRPr lang="ko-KR"/>
+        </a:p>
+      </c:txPr>
+    </c:legend>
+    <c:plotVisOnly val="1"/>
+    <c:dispBlanksAs val="gap"/>
+    <c:extLst>
+      <c:ext xmlns:c16r3="http://schemas.microsoft.com/office/drawing/2017/03/chart" uri="{56B9EC1D-385E-4148-901F-78D8002777C0}">
+        <c16r3:dataDisplayOptions16>
+          <c16r3:dispNaAsBlank val="1"/>
+        </c16r3:dataDisplayOptions16>
+      </c:ext>
+    </c:extLst>
+    <c:showDLblsOverMax val="0"/>
+  </c:chart>
+  <c:spPr>
+    <a:noFill/>
+    <a:ln>
+      <a:noFill/>
+    </a:ln>
+    <a:effectLst/>
+  </c:spPr>
+  <c:txPr>
+    <a:bodyPr/>
+    <a:lstStyle/>
+    <a:p>
+      <a:pPr>
+        <a:defRPr/>
+      </a:pPr>
+      <a:endParaRPr lang="ko-KR"/>
+    </a:p>
+  </c:txPr>
+  <c:externalData r:id="rId3">
+    <c:autoUpdate val="0"/>
+  </c:externalData>
+</c:chartSpace>
+</file>
+
+<file path=ppt/charts/chart11.xml><?xml version="1.0" encoding="utf-8"?>
+<c:chartSpace xmlns:c="http://schemas.openxmlformats.org/drawingml/2006/chart" xmlns:a="http://schemas.openxmlformats.org/drawingml/2006/main" xmlns:r="http://schemas.openxmlformats.org/officeDocument/2006/relationships" xmlns:c16r2="http://schemas.microsoft.com/office/drawing/2015/06/chart">
+  <c:date1904 val="0"/>
+  <c:lang val="ko-KR"/>
+  <c:roundedCorners val="0"/>
+  <mc:AlternateContent xmlns:mc="http://schemas.openxmlformats.org/markup-compatibility/2006">
+    <mc:Choice xmlns:c14="http://schemas.microsoft.com/office/drawing/2007/8/2/chart" Requires="c14">
+      <c14:style val="102"/>
+    </mc:Choice>
+    <mc:Fallback>
+      <c:style val="2"/>
+    </mc:Fallback>
+  </mc:AlternateContent>
+  <c:chart>
+    <c:title>
+      <c:overlay val="0"/>
+      <c:spPr>
+        <a:noFill/>
+        <a:ln>
+          <a:noFill/>
+        </a:ln>
+        <a:effectLst/>
+      </c:spPr>
+      <c:txPr>
+        <a:bodyPr rot="0" spcFirstLastPara="1" vertOverflow="ellipsis" vert="horz" wrap="square" anchor="ctr" anchorCtr="1"/>
+        <a:lstStyle/>
+        <a:p>
+          <a:pPr>
+            <a:defRPr sz="1862" b="0" i="0" u="none" strike="noStrike" kern="1200" spc="0" baseline="0">
+              <a:solidFill>
+                <a:schemeClr val="tx1">
+                  <a:lumMod val="65000"/>
+                  <a:lumOff val="35000"/>
+                </a:schemeClr>
+              </a:solidFill>
+              <a:latin typeface="+mn-lt"/>
+              <a:ea typeface="+mn-ea"/>
+              <a:cs typeface="+mn-cs"/>
+            </a:defRPr>
+          </a:pPr>
+          <a:endParaRPr lang="ko-KR"/>
+        </a:p>
+      </c:txPr>
+    </c:title>
+    <c:autoTitleDeleted val="0"/>
+    <c:plotArea>
+      <c:layout/>
+      <c:bubbleChart>
+        <c:varyColors val="1"/>
+        <c:ser>
+          <c:idx val="0"/>
+          <c:order val="0"/>
+          <c:tx>
+            <c:strRef>
+              <c:f>Sheet1!$B$1</c:f>
+              <c:strCache>
+                <c:ptCount val="1"/>
+                <c:pt idx="0">
+                  <c:v>Y 값</c:v>
+                </c:pt>
+              </c:strCache>
+            </c:strRef>
+          </c:tx>
+          <c:invertIfNegative val="0"/>
+          <c:dPt>
+            <c:idx val="0"/>
+            <c:invertIfNegative val="0"/>
+            <c:bubble3D val="0"/>
+            <c:spPr>
+              <a:solidFill>
+                <a:schemeClr val="accent1">
+                  <a:alpha val="75000"/>
+                </a:schemeClr>
+              </a:solidFill>
+              <a:ln>
+                <a:noFill/>
+              </a:ln>
+              <a:effectLst/>
+            </c:spPr>
+            <c:extLst>
+              <c:ext xmlns:c16="http://schemas.microsoft.com/office/drawing/2014/chart" uri="{C3380CC4-5D6E-409C-BE32-E72D297353CC}">
+                <c16:uniqueId val="{00000001-E590-BD48-BFC6-C8DB18EE902E}"/>
+              </c:ext>
+            </c:extLst>
+          </c:dPt>
+          <c:dPt>
+            <c:idx val="1"/>
+            <c:invertIfNegative val="0"/>
+            <c:bubble3D val="0"/>
+            <c:spPr>
+              <a:solidFill>
+                <a:schemeClr val="accent2">
+                  <a:alpha val="75000"/>
+                </a:schemeClr>
+              </a:solidFill>
+              <a:ln>
+                <a:noFill/>
+              </a:ln>
+              <a:effectLst/>
+            </c:spPr>
+            <c:extLst>
+              <c:ext xmlns:c16="http://schemas.microsoft.com/office/drawing/2014/chart" uri="{C3380CC4-5D6E-409C-BE32-E72D297353CC}">
+                <c16:uniqueId val="{00000003-E590-BD48-BFC6-C8DB18EE902E}"/>
+              </c:ext>
+            </c:extLst>
+          </c:dPt>
+          <c:dPt>
+            <c:idx val="2"/>
+            <c:invertIfNegative val="0"/>
+            <c:bubble3D val="0"/>
+            <c:spPr>
+              <a:solidFill>
+                <a:schemeClr val="accent3">
+                  <a:alpha val="75000"/>
+                </a:schemeClr>
+              </a:solidFill>
+              <a:ln>
+                <a:noFill/>
+              </a:ln>
+              <a:effectLst/>
+            </c:spPr>
+            <c:extLst>
+              <c:ext xmlns:c16="http://schemas.microsoft.com/office/drawing/2014/chart" uri="{C3380CC4-5D6E-409C-BE32-E72D297353CC}">
+                <c16:uniqueId val="{00000001-E6BB-F749-A7BC-B35389EF16BE}"/>
+              </c:ext>
+            </c:extLst>
+          </c:dPt>
+          <c:xVal>
+            <c:numRef>
+              <c:f>Sheet1!$A$2:$A$4</c:f>
+              <c:numCache>
+                <c:formatCode>General</c:formatCode>
+                <c:ptCount val="3"/>
+                <c:pt idx="0">
+                  <c:v>0.7</c:v>
+                </c:pt>
+                <c:pt idx="1">
+                  <c:v>1.8</c:v>
+                </c:pt>
+                <c:pt idx="2">
+                  <c:v>2.6</c:v>
+                </c:pt>
+              </c:numCache>
+            </c:numRef>
+          </c:xVal>
+          <c:yVal>
+            <c:numRef>
+              <c:f>Sheet1!$B$2:$B$4</c:f>
+              <c:numCache>
+                <c:formatCode>General</c:formatCode>
+                <c:ptCount val="3"/>
+                <c:pt idx="0">
+                  <c:v>2.7</c:v>
+                </c:pt>
+                <c:pt idx="1">
+                  <c:v>3.2</c:v>
+                </c:pt>
+                <c:pt idx="2">
+                  <c:v>0.8</c:v>
+                </c:pt>
+              </c:numCache>
+            </c:numRef>
+          </c:yVal>
+          <c:bubbleSize>
+            <c:numRef>
+              <c:f>Sheet1!$C$2:$C$4</c:f>
+              <c:numCache>
+                <c:formatCode>General</c:formatCode>
+                <c:ptCount val="3"/>
+                <c:pt idx="0">
+                  <c:v>10</c:v>
+                </c:pt>
+                <c:pt idx="1">
+                  <c:v>4</c:v>
+                </c:pt>
+                <c:pt idx="2">
+                  <c:v>8</c:v>
+                </c:pt>
+              </c:numCache>
+            </c:numRef>
+          </c:bubbleSize>
+          <c:bubble3D val="0"/>
+          <c:extLst>
+            <c:ext xmlns:c16="http://schemas.microsoft.com/office/drawing/2014/chart" uri="{C3380CC4-5D6E-409C-BE32-E72D297353CC}">
+              <c16:uniqueId val="{00000000-E6BB-F749-A7BC-B35389EF16BE}"/>
+            </c:ext>
+          </c:extLst>
+        </c:ser>
+        <c:dLbls>
+          <c:showLegendKey val="0"/>
+          <c:showVal val="0"/>
+          <c:showCatName val="0"/>
+          <c:showSerName val="0"/>
+          <c:showPercent val="0"/>
+          <c:showBubbleSize val="0"/>
+        </c:dLbls>
+        <c:bubbleScale val="100"/>
+        <c:showNegBubbles val="0"/>
+        <c:axId val="861287344"/>
+        <c:axId val="861880864"/>
+      </c:bubbleChart>
+      <c:valAx>
+        <c:axId val="861287344"/>
+        <c:scaling>
+          <c:orientation val="minMax"/>
+        </c:scaling>
+        <c:delete val="0"/>
+        <c:axPos val="b"/>
+        <c:majorGridlines>
+          <c:spPr>
+            <a:ln w="9525" cap="flat" cmpd="sng" algn="ctr">
+              <a:solidFill>
+                <a:schemeClr val="tx1">
+                  <a:lumMod val="15000"/>
+                  <a:lumOff val="85000"/>
+                </a:schemeClr>
+              </a:solidFill>
+              <a:round/>
+            </a:ln>
+            <a:effectLst/>
+          </c:spPr>
+        </c:majorGridlines>
+        <c:numFmt formatCode="General" sourceLinked="1"/>
+        <c:majorTickMark val="none"/>
+        <c:minorTickMark val="none"/>
+        <c:tickLblPos val="nextTo"/>
+        <c:spPr>
+          <a:noFill/>
+          <a:ln w="9525" cap="flat" cmpd="sng" algn="ctr">
+            <a:solidFill>
+              <a:schemeClr val="tx1">
+                <a:lumMod val="25000"/>
+                <a:lumOff val="75000"/>
+              </a:schemeClr>
+            </a:solidFill>
+            <a:round/>
+          </a:ln>
+          <a:effectLst/>
+        </c:spPr>
+        <c:txPr>
+          <a:bodyPr rot="-60000000" spcFirstLastPara="1" vertOverflow="ellipsis" vert="horz" wrap="square" anchor="ctr" anchorCtr="1"/>
+          <a:lstStyle/>
+          <a:p>
+            <a:pPr>
+              <a:defRPr sz="1197" b="0" i="0" u="none" strike="noStrike" kern="1200" baseline="0">
+                <a:solidFill>
+                  <a:schemeClr val="tx1">
+                    <a:lumMod val="65000"/>
+                    <a:lumOff val="35000"/>
+                  </a:schemeClr>
+                </a:solidFill>
+                <a:latin typeface="+mn-lt"/>
+                <a:ea typeface="+mn-ea"/>
+                <a:cs typeface="+mn-cs"/>
+              </a:defRPr>
+            </a:pPr>
+            <a:endParaRPr lang="ko-KR"/>
+          </a:p>
+        </c:txPr>
+        <c:crossAx val="861880864"/>
+        <c:crosses val="autoZero"/>
+        <c:crossBetween val="midCat"/>
+      </c:valAx>
+      <c:valAx>
+        <c:axId val="861880864"/>
+        <c:scaling>
+          <c:orientation val="minMax"/>
+        </c:scaling>
+        <c:delete val="0"/>
+        <c:axPos val="l"/>
+        <c:majorGridlines>
+          <c:spPr>
+            <a:ln w="9525" cap="flat" cmpd="sng" algn="ctr">
+              <a:solidFill>
+                <a:schemeClr val="tx1">
+                  <a:lumMod val="15000"/>
+                  <a:lumOff val="85000"/>
+                </a:schemeClr>
+              </a:solidFill>
+              <a:round/>
+            </a:ln>
+            <a:effectLst/>
+          </c:spPr>
+        </c:majorGridlines>
+        <c:numFmt formatCode="General" sourceLinked="1"/>
+        <c:majorTickMark val="none"/>
+        <c:minorTickMark val="none"/>
+        <c:tickLblPos val="nextTo"/>
+        <c:spPr>
+          <a:noFill/>
+          <a:ln w="9525" cap="flat" cmpd="sng" algn="ctr">
+            <a:solidFill>
+              <a:schemeClr val="tx1">
+                <a:lumMod val="25000"/>
+                <a:lumOff val="75000"/>
+              </a:schemeClr>
+            </a:solidFill>
+            <a:round/>
+          </a:ln>
+          <a:effectLst/>
+        </c:spPr>
+        <c:txPr>
+          <a:bodyPr rot="-60000000" spcFirstLastPara="1" vertOverflow="ellipsis" vert="horz" wrap="square" anchor="ctr" anchorCtr="1"/>
+          <a:lstStyle/>
+          <a:p>
+            <a:pPr>
+              <a:defRPr sz="1197" b="0" i="0" u="none" strike="noStrike" kern="1200" baseline="0">
+                <a:solidFill>
+                  <a:schemeClr val="tx1">
+                    <a:lumMod val="65000"/>
+                    <a:lumOff val="35000"/>
+                  </a:schemeClr>
+                </a:solidFill>
+                <a:latin typeface="+mn-lt"/>
+                <a:ea typeface="+mn-ea"/>
+                <a:cs typeface="+mn-cs"/>
+              </a:defRPr>
+            </a:pPr>
+            <a:endParaRPr lang="ko-KR"/>
+          </a:p>
+        </c:txPr>
+        <c:crossAx val="861287344"/>
+        <c:crosses val="autoZero"/>
+        <c:crossBetween val="midCat"/>
+      </c:valAx>
+      <c:spPr>
+        <a:noFill/>
+        <a:ln>
+          <a:noFill/>
+        </a:ln>
+        <a:effectLst/>
+      </c:spPr>
+    </c:plotArea>
+    <c:legend>
+      <c:legendPos val="b"/>
+      <c:overlay val="0"/>
+      <c:spPr>
+        <a:noFill/>
+        <a:ln>
+          <a:noFill/>
+        </a:ln>
+        <a:effectLst/>
+      </c:spPr>
+      <c:txPr>
+        <a:bodyPr rot="0" spcFirstLastPara="1" vertOverflow="ellipsis" vert="horz" wrap="square" anchor="ctr" anchorCtr="1"/>
+        <a:lstStyle/>
+        <a:p>
+          <a:pPr>
+            <a:defRPr sz="1197" b="0" i="0" u="none" strike="noStrike" kern="1200" baseline="0">
+              <a:solidFill>
+                <a:schemeClr val="tx1">
+                  <a:lumMod val="65000"/>
+                  <a:lumOff val="35000"/>
+                </a:schemeClr>
+              </a:solidFill>
+              <a:latin typeface="+mn-lt"/>
+              <a:ea typeface="+mn-ea"/>
+              <a:cs typeface="+mn-cs"/>
+            </a:defRPr>
+          </a:pPr>
+          <a:endParaRPr lang="ko-KR"/>
+        </a:p>
+      </c:txPr>
+    </c:legend>
+    <c:plotVisOnly val="1"/>
+    <c:dispBlanksAs val="gap"/>
+    <c:extLst>
+      <c:ext xmlns:c16r3="http://schemas.microsoft.com/office/drawing/2017/03/chart" uri="{56B9EC1D-385E-4148-901F-78D8002777C0}">
+        <c16r3:dataDisplayOptions16>
+          <c16r3:dispNaAsBlank val="1"/>
+        </c16r3:dataDisplayOptions16>
+      </c:ext>
+    </c:extLst>
+    <c:showDLblsOverMax val="0"/>
+  </c:chart>
+  <c:spPr>
+    <a:noFill/>
+    <a:ln>
+      <a:noFill/>
+    </a:ln>
+    <a:effectLst/>
+  </c:spPr>
+  <c:txPr>
+    <a:bodyPr/>
+    <a:lstStyle/>
+    <a:p>
+      <a:pPr>
+        <a:defRPr/>
+      </a:pPr>
+      <a:endParaRPr lang="ko-KR"/>
+    </a:p>
+  </c:txPr>
+  <c:externalData r:id="rId3">
+    <c:autoUpdate val="0"/>
+  </c:externalData>
+</c:chartSpace>
+</file>
+
+<file path=ppt/charts/chart2.xml><?xml version="1.0" encoding="utf-8"?>
+<c:chartSpace xmlns:c="http://schemas.openxmlformats.org/drawingml/2006/chart" xmlns:a="http://schemas.openxmlformats.org/drawingml/2006/main" xmlns:r="http://schemas.openxmlformats.org/officeDocument/2006/relationships" xmlns:c16r2="http://schemas.microsoft.com/office/drawing/2015/06/chart">
+  <c:date1904 val="0"/>
+  <c:lang val="ko-KR"/>
+  <c:roundedCorners val="0"/>
+  <mc:AlternateContent xmlns:mc="http://schemas.openxmlformats.org/markup-compatibility/2006">
+    <mc:Choice xmlns:c14="http://schemas.microsoft.com/office/drawing/2007/8/2/chart" Requires="c14">
+      <c14:style val="102"/>
+    </mc:Choice>
+    <mc:Fallback>
+      <c:style val="2"/>
+    </mc:Fallback>
+  </mc:AlternateContent>
+  <c:chart>
+    <c:autoTitleDeleted val="1"/>
+    <c:plotArea>
+      <c:layout/>
+      <c:barChart>
+        <c:barDir val="col"/>
+        <c:grouping val="stacked"/>
+        <c:varyColors val="0"/>
+        <c:ser>
+          <c:idx val="0"/>
+          <c:order val="0"/>
+          <c:tx>
+            <c:strRef>
+              <c:f>Sheet1!$B$1</c:f>
+              <c:strCache>
+                <c:ptCount val="1"/>
+                <c:pt idx="0">
+                  <c:v>계열 1</c:v>
+                </c:pt>
+              </c:strCache>
+            </c:strRef>
+          </c:tx>
+          <c:spPr>
+            <a:solidFill>
+              <a:schemeClr val="accent1"/>
+            </a:solidFill>
+            <a:ln>
+              <a:noFill/>
+            </a:ln>
+            <a:effectLst/>
+          </c:spPr>
+          <c:invertIfNegative val="0"/>
+          <c:cat>
+            <c:strRef>
+              <c:f>Sheet1!$A$2:$A$5</c:f>
+              <c:strCache>
+                <c:ptCount val="4"/>
+                <c:pt idx="0">
+                  <c:v>항목 1</c:v>
+                </c:pt>
+                <c:pt idx="1">
+                  <c:v>항목 2</c:v>
+                </c:pt>
+                <c:pt idx="2">
+                  <c:v>항목 3</c:v>
+                </c:pt>
+                <c:pt idx="3">
+                  <c:v>항목 4</c:v>
+                </c:pt>
+              </c:strCache>
+            </c:strRef>
+          </c:cat>
+          <c:val>
+            <c:numRef>
+              <c:f>Sheet1!$B$2:$B$5</c:f>
+              <c:numCache>
+                <c:formatCode>General</c:formatCode>
+                <c:ptCount val="4"/>
+                <c:pt idx="0">
+                  <c:v>4.3</c:v>
+                </c:pt>
+                <c:pt idx="1">
+                  <c:v>2.5</c:v>
+                </c:pt>
+                <c:pt idx="2">
+                  <c:v>3.5</c:v>
+                </c:pt>
+                <c:pt idx="3">
+                  <c:v>4.5</c:v>
+                </c:pt>
+              </c:numCache>
+            </c:numRef>
+          </c:val>
+          <c:extLst>
+            <c:ext xmlns:c16="http://schemas.microsoft.com/office/drawing/2014/chart" uri="{C3380CC4-5D6E-409C-BE32-E72D297353CC}">
+              <c16:uniqueId val="{00000000-F2E4-6B4D-9FBB-0D8B39908565}"/>
+            </c:ext>
+          </c:extLst>
+        </c:ser>
+        <c:ser>
+          <c:idx val="1"/>
+          <c:order val="1"/>
+          <c:tx>
+            <c:strRef>
+              <c:f>Sheet1!$C$1</c:f>
+              <c:strCache>
+                <c:ptCount val="1"/>
+                <c:pt idx="0">
+                  <c:v>계열 2</c:v>
+                </c:pt>
+              </c:strCache>
+            </c:strRef>
+          </c:tx>
+          <c:spPr>
+            <a:solidFill>
+              <a:schemeClr val="accent2"/>
+            </a:solidFill>
+            <a:ln>
+              <a:noFill/>
+            </a:ln>
+            <a:effectLst/>
+          </c:spPr>
+          <c:invertIfNegative val="0"/>
+          <c:cat>
+            <c:strRef>
+              <c:f>Sheet1!$A$2:$A$5</c:f>
+              <c:strCache>
+                <c:ptCount val="4"/>
+                <c:pt idx="0">
+                  <c:v>항목 1</c:v>
+                </c:pt>
+                <c:pt idx="1">
+                  <c:v>항목 2</c:v>
+                </c:pt>
+                <c:pt idx="2">
+                  <c:v>항목 3</c:v>
+                </c:pt>
+                <c:pt idx="3">
+                  <c:v>항목 4</c:v>
+                </c:pt>
+              </c:strCache>
+            </c:strRef>
+          </c:cat>
+          <c:val>
+            <c:numRef>
+              <c:f>Sheet1!$C$2:$C$5</c:f>
+              <c:numCache>
+                <c:formatCode>General</c:formatCode>
+                <c:ptCount val="4"/>
+                <c:pt idx="0">
+                  <c:v>2.4</c:v>
+                </c:pt>
+                <c:pt idx="1">
+                  <c:v>4.4000000000000004</c:v>
+                </c:pt>
+                <c:pt idx="2">
+                  <c:v>1.8</c:v>
+                </c:pt>
+                <c:pt idx="3">
+                  <c:v>2.8</c:v>
+                </c:pt>
+              </c:numCache>
+            </c:numRef>
+          </c:val>
+          <c:extLst>
+            <c:ext xmlns:c16="http://schemas.microsoft.com/office/drawing/2014/chart" uri="{C3380CC4-5D6E-409C-BE32-E72D297353CC}">
+              <c16:uniqueId val="{00000001-F2E4-6B4D-9FBB-0D8B39908565}"/>
+            </c:ext>
+          </c:extLst>
+        </c:ser>
+        <c:ser>
+          <c:idx val="2"/>
+          <c:order val="2"/>
+          <c:tx>
+            <c:strRef>
+              <c:f>Sheet1!$D$1</c:f>
+              <c:strCache>
+                <c:ptCount val="1"/>
+                <c:pt idx="0">
+                  <c:v>계열 3</c:v>
+                </c:pt>
+              </c:strCache>
+            </c:strRef>
+          </c:tx>
+          <c:spPr>
+            <a:solidFill>
+              <a:schemeClr val="accent3"/>
+            </a:solidFill>
+            <a:ln>
+              <a:noFill/>
+            </a:ln>
+            <a:effectLst/>
+          </c:spPr>
+          <c:invertIfNegative val="0"/>
+          <c:cat>
+            <c:strRef>
+              <c:f>Sheet1!$A$2:$A$5</c:f>
+              <c:strCache>
+                <c:ptCount val="4"/>
+                <c:pt idx="0">
+                  <c:v>항목 1</c:v>
+                </c:pt>
+                <c:pt idx="1">
+                  <c:v>항목 2</c:v>
+                </c:pt>
+                <c:pt idx="2">
+                  <c:v>항목 3</c:v>
+                </c:pt>
+                <c:pt idx="3">
+                  <c:v>항목 4</c:v>
+                </c:pt>
+              </c:strCache>
+            </c:strRef>
+          </c:cat>
+          <c:val>
+            <c:numRef>
+              <c:f>Sheet1!$D$2:$D$5</c:f>
+              <c:numCache>
+                <c:formatCode>General</c:formatCode>
+                <c:ptCount val="4"/>
+                <c:pt idx="0">
+                  <c:v>2</c:v>
+                </c:pt>
+                <c:pt idx="1">
+                  <c:v>2</c:v>
+                </c:pt>
+                <c:pt idx="2">
+                  <c:v>3</c:v>
+                </c:pt>
+                <c:pt idx="3">
+                  <c:v>5</c:v>
+                </c:pt>
+              </c:numCache>
+            </c:numRef>
+          </c:val>
+          <c:extLst>
+            <c:ext xmlns:c16="http://schemas.microsoft.com/office/drawing/2014/chart" uri="{C3380CC4-5D6E-409C-BE32-E72D297353CC}">
+              <c16:uniqueId val="{00000002-F2E4-6B4D-9FBB-0D8B39908565}"/>
+            </c:ext>
+          </c:extLst>
+        </c:ser>
+        <c:dLbls>
+          <c:showLegendKey val="0"/>
+          <c:showVal val="0"/>
+          <c:showCatName val="0"/>
+          <c:showSerName val="0"/>
+          <c:showPercent val="0"/>
+          <c:showBubbleSize val="0"/>
+        </c:dLbls>
+        <c:gapWidth val="150"/>
+        <c:overlap val="100"/>
+        <c:axId val="854630656"/>
+        <c:axId val="855244224"/>
+      </c:barChart>
+      <c:catAx>
+        <c:axId val="854630656"/>
+        <c:scaling>
+          <c:orientation val="minMax"/>
+        </c:scaling>
+        <c:delete val="0"/>
+        <c:axPos val="b"/>
+        <c:numFmt formatCode="General" sourceLinked="1"/>
+        <c:majorTickMark val="none"/>
+        <c:minorTickMark val="none"/>
+        <c:tickLblPos val="nextTo"/>
+        <c:spPr>
+          <a:noFill/>
+          <a:ln w="9525" cap="flat" cmpd="sng" algn="ctr">
+            <a:solidFill>
+              <a:schemeClr val="tx1">
+                <a:lumMod val="15000"/>
+                <a:lumOff val="85000"/>
+              </a:schemeClr>
+            </a:solidFill>
+            <a:round/>
+          </a:ln>
+          <a:effectLst/>
+        </c:spPr>
+        <c:txPr>
+          <a:bodyPr rot="-60000000" spcFirstLastPara="1" vertOverflow="ellipsis" vert="horz" wrap="square" anchor="ctr" anchorCtr="1"/>
+          <a:lstStyle/>
+          <a:p>
+            <a:pPr>
+              <a:defRPr sz="1197" b="0" i="0" u="none" strike="noStrike" kern="1200" baseline="0">
+                <a:solidFill>
+                  <a:schemeClr val="tx1">
+                    <a:lumMod val="65000"/>
+                    <a:lumOff val="35000"/>
+                  </a:schemeClr>
+                </a:solidFill>
+                <a:latin typeface="+mn-lt"/>
+                <a:ea typeface="+mn-ea"/>
+                <a:cs typeface="+mn-cs"/>
+              </a:defRPr>
+            </a:pPr>
+            <a:endParaRPr lang="ko-KR"/>
+          </a:p>
+        </c:txPr>
+        <c:crossAx val="855244224"/>
+        <c:crosses val="autoZero"/>
+        <c:auto val="1"/>
+        <c:lblAlgn val="ctr"/>
+        <c:lblOffset val="100"/>
+        <c:noMultiLvlLbl val="0"/>
+      </c:catAx>
+      <c:valAx>
+        <c:axId val="855244224"/>
+        <c:scaling>
+          <c:orientation val="minMax"/>
+        </c:scaling>
+        <c:delete val="0"/>
+        <c:axPos val="l"/>
+        <c:majorGridlines>
+          <c:spPr>
+            <a:ln w="9525" cap="flat" cmpd="sng" algn="ctr">
+              <a:solidFill>
+                <a:schemeClr val="tx1">
+                  <a:lumMod val="15000"/>
+                  <a:lumOff val="85000"/>
+                </a:schemeClr>
+              </a:solidFill>
+              <a:round/>
+            </a:ln>
+            <a:effectLst/>
+          </c:spPr>
+        </c:majorGridlines>
+        <c:numFmt formatCode="General" sourceLinked="1"/>
+        <c:majorTickMark val="none"/>
+        <c:minorTickMark val="none"/>
+        <c:tickLblPos val="nextTo"/>
+        <c:spPr>
+          <a:noFill/>
+          <a:ln>
+            <a:noFill/>
+          </a:ln>
+          <a:effectLst/>
+        </c:spPr>
+        <c:txPr>
+          <a:bodyPr rot="-60000000" spcFirstLastPara="1" vertOverflow="ellipsis" vert="horz" wrap="square" anchor="ctr" anchorCtr="1"/>
+          <a:lstStyle/>
+          <a:p>
+            <a:pPr>
+              <a:defRPr sz="1197" b="0" i="0" u="none" strike="noStrike" kern="1200" baseline="0">
+                <a:solidFill>
+                  <a:schemeClr val="tx1">
+                    <a:lumMod val="65000"/>
+                    <a:lumOff val="35000"/>
+                  </a:schemeClr>
+                </a:solidFill>
+                <a:latin typeface="+mn-lt"/>
+                <a:ea typeface="+mn-ea"/>
+                <a:cs typeface="+mn-cs"/>
+              </a:defRPr>
+            </a:pPr>
+            <a:endParaRPr lang="ko-KR"/>
+          </a:p>
+        </c:txPr>
+        <c:crossAx val="854630656"/>
+        <c:crosses val="autoZero"/>
+        <c:crossBetween val="between"/>
+      </c:valAx>
+      <c:spPr>
+        <a:noFill/>
+        <a:ln>
+          <a:noFill/>
+        </a:ln>
+        <a:effectLst/>
+      </c:spPr>
+    </c:plotArea>
+    <c:legend>
+      <c:legendPos val="b"/>
+      <c:overlay val="0"/>
+      <c:spPr>
+        <a:noFill/>
+        <a:ln>
+          <a:noFill/>
+        </a:ln>
+        <a:effectLst/>
+      </c:spPr>
+      <c:txPr>
+        <a:bodyPr rot="0" spcFirstLastPara="1" vertOverflow="ellipsis" vert="horz" wrap="square" anchor="ctr" anchorCtr="1"/>
+        <a:lstStyle/>
+        <a:p>
+          <a:pPr>
+            <a:defRPr sz="1197" b="0" i="0" u="none" strike="noStrike" kern="1200" baseline="0">
+              <a:solidFill>
+                <a:schemeClr val="tx1">
+                  <a:lumMod val="65000"/>
+                  <a:lumOff val="35000"/>
+                </a:schemeClr>
+              </a:solidFill>
+              <a:latin typeface="+mn-lt"/>
+              <a:ea typeface="+mn-ea"/>
+              <a:cs typeface="+mn-cs"/>
+            </a:defRPr>
+          </a:pPr>
+          <a:endParaRPr lang="ko-KR"/>
+        </a:p>
+      </c:txPr>
+    </c:legend>
+    <c:plotVisOnly val="1"/>
+    <c:dispBlanksAs val="gap"/>
+    <c:extLst>
+      <c:ext xmlns:c16r3="http://schemas.microsoft.com/office/drawing/2017/03/chart" uri="{56B9EC1D-385E-4148-901F-78D8002777C0}">
+        <c16r3:dataDisplayOptions16>
+          <c16r3:dispNaAsBlank val="1"/>
+        </c16r3:dataDisplayOptions16>
+      </c:ext>
+    </c:extLst>
+    <c:showDLblsOverMax val="0"/>
+  </c:chart>
+  <c:spPr>
+    <a:noFill/>
+    <a:ln>
+      <a:noFill/>
+    </a:ln>
+    <a:effectLst/>
+  </c:spPr>
+  <c:txPr>
+    <a:bodyPr/>
+    <a:lstStyle/>
+    <a:p>
+      <a:pPr>
+        <a:defRPr/>
+      </a:pPr>
+      <a:endParaRPr lang="ko-KR"/>
+    </a:p>
+  </c:txPr>
+  <c:externalData r:id="rId3">
+    <c:autoUpdate val="0"/>
+  </c:externalData>
+</c:chartSpace>
+</file>
+
+<file path=ppt/charts/chart3.xml><?xml version="1.0" encoding="utf-8"?>
+<c:chartSpace xmlns:c="http://schemas.openxmlformats.org/drawingml/2006/chart" xmlns:a="http://schemas.openxmlformats.org/drawingml/2006/main" xmlns:r="http://schemas.openxmlformats.org/officeDocument/2006/relationships" xmlns:c16r2="http://schemas.microsoft.com/office/drawing/2015/06/chart">
+  <c:date1904 val="0"/>
+  <c:lang val="ko-KR"/>
+  <c:roundedCorners val="0"/>
+  <mc:AlternateContent xmlns:mc="http://schemas.openxmlformats.org/markup-compatibility/2006">
+    <mc:Choice xmlns:c14="http://schemas.microsoft.com/office/drawing/2007/8/2/chart" Requires="c14">
+      <c14:style val="102"/>
+    </mc:Choice>
+    <mc:Fallback>
+      <c:style val="2"/>
+    </mc:Fallback>
+  </mc:AlternateContent>
+  <c:chart>
+    <c:autoTitleDeleted val="1"/>
+    <c:plotArea>
+      <c:layout/>
+      <c:barChart>
+        <c:barDir val="col"/>
+        <c:grouping val="percentStacked"/>
+        <c:varyColors val="0"/>
+        <c:ser>
+          <c:idx val="0"/>
+          <c:order val="0"/>
+          <c:tx>
+            <c:strRef>
+              <c:f>Sheet1!$B$1</c:f>
+              <c:strCache>
+                <c:ptCount val="1"/>
+                <c:pt idx="0">
+                  <c:v>계열 1</c:v>
+                </c:pt>
+              </c:strCache>
+            </c:strRef>
+          </c:tx>
+          <c:spPr>
+            <a:solidFill>
+              <a:schemeClr val="accent1"/>
+            </a:solidFill>
+            <a:ln>
+              <a:noFill/>
+            </a:ln>
+            <a:effectLst/>
+          </c:spPr>
+          <c:invertIfNegative val="0"/>
+          <c:cat>
+            <c:strRef>
+              <c:f>Sheet1!$A$2:$A$5</c:f>
+              <c:strCache>
+                <c:ptCount val="4"/>
+                <c:pt idx="0">
+                  <c:v>항목 1</c:v>
+                </c:pt>
+                <c:pt idx="1">
+                  <c:v>항목 2</c:v>
+                </c:pt>
+                <c:pt idx="2">
+                  <c:v>항목 3</c:v>
+                </c:pt>
+                <c:pt idx="3">
+                  <c:v>항목 4</c:v>
+                </c:pt>
+              </c:strCache>
+            </c:strRef>
+          </c:cat>
+          <c:val>
+            <c:numRef>
+              <c:f>Sheet1!$B$2:$B$5</c:f>
+              <c:numCache>
+                <c:formatCode>General</c:formatCode>
+                <c:ptCount val="4"/>
+                <c:pt idx="0">
+                  <c:v>4.3</c:v>
+                </c:pt>
+                <c:pt idx="1">
+                  <c:v>2.5</c:v>
+                </c:pt>
+                <c:pt idx="2">
+                  <c:v>3.5</c:v>
+                </c:pt>
+                <c:pt idx="3">
+                  <c:v>4.5</c:v>
+                </c:pt>
+              </c:numCache>
+            </c:numRef>
+          </c:val>
+          <c:extLst>
+            <c:ext xmlns:c16="http://schemas.microsoft.com/office/drawing/2014/chart" uri="{C3380CC4-5D6E-409C-BE32-E72D297353CC}">
+              <c16:uniqueId val="{00000000-AD3C-FE41-9C8C-E37727471FD1}"/>
+            </c:ext>
+          </c:extLst>
+        </c:ser>
+        <c:ser>
+          <c:idx val="1"/>
+          <c:order val="1"/>
+          <c:tx>
+            <c:strRef>
+              <c:f>Sheet1!$C$1</c:f>
+              <c:strCache>
+                <c:ptCount val="1"/>
+                <c:pt idx="0">
+                  <c:v>계열 2</c:v>
+                </c:pt>
+              </c:strCache>
+            </c:strRef>
+          </c:tx>
+          <c:spPr>
+            <a:solidFill>
+              <a:schemeClr val="accent2"/>
+            </a:solidFill>
+            <a:ln>
+              <a:noFill/>
+            </a:ln>
+            <a:effectLst/>
+          </c:spPr>
+          <c:invertIfNegative val="0"/>
+          <c:cat>
+            <c:strRef>
+              <c:f>Sheet1!$A$2:$A$5</c:f>
+              <c:strCache>
+                <c:ptCount val="4"/>
+                <c:pt idx="0">
+                  <c:v>항목 1</c:v>
+                </c:pt>
+                <c:pt idx="1">
+                  <c:v>항목 2</c:v>
+                </c:pt>
+                <c:pt idx="2">
+                  <c:v>항목 3</c:v>
+                </c:pt>
+                <c:pt idx="3">
+                  <c:v>항목 4</c:v>
+                </c:pt>
+              </c:strCache>
+            </c:strRef>
+          </c:cat>
+          <c:val>
+            <c:numRef>
+              <c:f>Sheet1!$C$2:$C$5</c:f>
+              <c:numCache>
+                <c:formatCode>General</c:formatCode>
+                <c:ptCount val="4"/>
+                <c:pt idx="0">
+                  <c:v>2.4</c:v>
+                </c:pt>
+                <c:pt idx="1">
+                  <c:v>4.4000000000000004</c:v>
+                </c:pt>
+                <c:pt idx="2">
+                  <c:v>1.8</c:v>
+                </c:pt>
+                <c:pt idx="3">
+                  <c:v>2.8</c:v>
+                </c:pt>
+              </c:numCache>
+            </c:numRef>
+          </c:val>
+          <c:extLst>
+            <c:ext xmlns:c16="http://schemas.microsoft.com/office/drawing/2014/chart" uri="{C3380CC4-5D6E-409C-BE32-E72D297353CC}">
+              <c16:uniqueId val="{00000001-AD3C-FE41-9C8C-E37727471FD1}"/>
+            </c:ext>
+          </c:extLst>
+        </c:ser>
+        <c:ser>
+          <c:idx val="2"/>
+          <c:order val="2"/>
+          <c:tx>
+            <c:strRef>
+              <c:f>Sheet1!$D$1</c:f>
+              <c:strCache>
+                <c:ptCount val="1"/>
+                <c:pt idx="0">
+                  <c:v>계열 3</c:v>
+                </c:pt>
+              </c:strCache>
+            </c:strRef>
+          </c:tx>
+          <c:spPr>
+            <a:solidFill>
+              <a:schemeClr val="accent3"/>
+            </a:solidFill>
+            <a:ln>
+              <a:noFill/>
+            </a:ln>
+            <a:effectLst/>
+          </c:spPr>
+          <c:invertIfNegative val="0"/>
+          <c:cat>
+            <c:strRef>
+              <c:f>Sheet1!$A$2:$A$5</c:f>
+              <c:strCache>
+                <c:ptCount val="4"/>
+                <c:pt idx="0">
+                  <c:v>항목 1</c:v>
+                </c:pt>
+                <c:pt idx="1">
+                  <c:v>항목 2</c:v>
+                </c:pt>
+                <c:pt idx="2">
+                  <c:v>항목 3</c:v>
+                </c:pt>
+                <c:pt idx="3">
+                  <c:v>항목 4</c:v>
+                </c:pt>
+              </c:strCache>
+            </c:strRef>
+          </c:cat>
+          <c:val>
+            <c:numRef>
+              <c:f>Sheet1!$D$2:$D$5</c:f>
+              <c:numCache>
+                <c:formatCode>General</c:formatCode>
+                <c:ptCount val="4"/>
+                <c:pt idx="0">
+                  <c:v>2</c:v>
+                </c:pt>
+                <c:pt idx="1">
+                  <c:v>2</c:v>
+                </c:pt>
+                <c:pt idx="2">
+                  <c:v>3</c:v>
+                </c:pt>
+                <c:pt idx="3">
+                  <c:v>5</c:v>
+                </c:pt>
+              </c:numCache>
+            </c:numRef>
+          </c:val>
+          <c:extLst>
+            <c:ext xmlns:c16="http://schemas.microsoft.com/office/drawing/2014/chart" uri="{C3380CC4-5D6E-409C-BE32-E72D297353CC}">
+              <c16:uniqueId val="{00000002-AD3C-FE41-9C8C-E37727471FD1}"/>
+            </c:ext>
+          </c:extLst>
+        </c:ser>
+        <c:dLbls>
+          <c:showLegendKey val="0"/>
+          <c:showVal val="0"/>
+          <c:showCatName val="0"/>
+          <c:showSerName val="0"/>
+          <c:showPercent val="0"/>
+          <c:showBubbleSize val="0"/>
+        </c:dLbls>
+        <c:gapWidth val="150"/>
+        <c:overlap val="100"/>
+        <c:axId val="854245712"/>
+        <c:axId val="862636272"/>
+      </c:barChart>
+      <c:catAx>
+        <c:axId val="854245712"/>
+        <c:scaling>
+          <c:orientation val="minMax"/>
+        </c:scaling>
+        <c:delete val="0"/>
+        <c:axPos val="b"/>
+        <c:numFmt formatCode="General" sourceLinked="1"/>
+        <c:majorTickMark val="none"/>
+        <c:minorTickMark val="none"/>
+        <c:tickLblPos val="nextTo"/>
+        <c:spPr>
+          <a:noFill/>
+          <a:ln w="9525" cap="flat" cmpd="sng" algn="ctr">
+            <a:solidFill>
+              <a:schemeClr val="tx1">
+                <a:lumMod val="15000"/>
+                <a:lumOff val="85000"/>
+              </a:schemeClr>
+            </a:solidFill>
+            <a:round/>
+          </a:ln>
+          <a:effectLst/>
+        </c:spPr>
+        <c:txPr>
+          <a:bodyPr rot="-60000000" spcFirstLastPara="1" vertOverflow="ellipsis" vert="horz" wrap="square" anchor="ctr" anchorCtr="1"/>
+          <a:lstStyle/>
+          <a:p>
+            <a:pPr>
+              <a:defRPr sz="1197" b="0" i="0" u="none" strike="noStrike" kern="1200" baseline="0">
+                <a:solidFill>
+                  <a:schemeClr val="tx1">
+                    <a:lumMod val="65000"/>
+                    <a:lumOff val="35000"/>
+                  </a:schemeClr>
+                </a:solidFill>
+                <a:latin typeface="+mn-lt"/>
+                <a:ea typeface="+mn-ea"/>
+                <a:cs typeface="+mn-cs"/>
+              </a:defRPr>
+            </a:pPr>
+            <a:endParaRPr lang="ko-KR"/>
+          </a:p>
+        </c:txPr>
+        <c:crossAx val="862636272"/>
+        <c:crosses val="autoZero"/>
+        <c:auto val="1"/>
+        <c:lblAlgn val="ctr"/>
+        <c:lblOffset val="100"/>
+        <c:noMultiLvlLbl val="0"/>
+      </c:catAx>
+      <c:valAx>
+        <c:axId val="862636272"/>
+        <c:scaling>
+          <c:orientation val="minMax"/>
+        </c:scaling>
+        <c:delete val="0"/>
+        <c:axPos val="l"/>
+        <c:majorGridlines>
+          <c:spPr>
+            <a:ln w="9525" cap="flat" cmpd="sng" algn="ctr">
+              <a:solidFill>
+                <a:schemeClr val="tx1">
+                  <a:lumMod val="15000"/>
+                  <a:lumOff val="85000"/>
+                </a:schemeClr>
+              </a:solidFill>
+              <a:round/>
+            </a:ln>
+            <a:effectLst/>
+          </c:spPr>
+        </c:majorGridlines>
+        <c:numFmt formatCode="0%" sourceLinked="1"/>
+        <c:majorTickMark val="none"/>
+        <c:minorTickMark val="none"/>
+        <c:tickLblPos val="nextTo"/>
+        <c:spPr>
+          <a:noFill/>
+          <a:ln>
+            <a:noFill/>
+          </a:ln>
+          <a:effectLst/>
+        </c:spPr>
+        <c:txPr>
+          <a:bodyPr rot="-60000000" spcFirstLastPara="1" vertOverflow="ellipsis" vert="horz" wrap="square" anchor="ctr" anchorCtr="1"/>
+          <a:lstStyle/>
+          <a:p>
+            <a:pPr>
+              <a:defRPr sz="1197" b="0" i="0" u="none" strike="noStrike" kern="1200" baseline="0">
+                <a:solidFill>
+                  <a:schemeClr val="tx1">
+                    <a:lumMod val="65000"/>
+                    <a:lumOff val="35000"/>
+                  </a:schemeClr>
+                </a:solidFill>
+                <a:latin typeface="+mn-lt"/>
+                <a:ea typeface="+mn-ea"/>
+                <a:cs typeface="+mn-cs"/>
+              </a:defRPr>
+            </a:pPr>
+            <a:endParaRPr lang="ko-KR"/>
+          </a:p>
+        </c:txPr>
+        <c:crossAx val="854245712"/>
+        <c:crosses val="autoZero"/>
+        <c:crossBetween val="between"/>
+      </c:valAx>
+      <c:spPr>
+        <a:noFill/>
+        <a:ln>
+          <a:noFill/>
+        </a:ln>
+        <a:effectLst/>
+      </c:spPr>
+    </c:plotArea>
+    <c:legend>
+      <c:legendPos val="b"/>
+      <c:overlay val="0"/>
+      <c:spPr>
+        <a:noFill/>
+        <a:ln>
+          <a:noFill/>
+        </a:ln>
+        <a:effectLst/>
+      </c:spPr>
+      <c:txPr>
+        <a:bodyPr rot="0" spcFirstLastPara="1" vertOverflow="ellipsis" vert="horz" wrap="square" anchor="ctr" anchorCtr="1"/>
+        <a:lstStyle/>
+        <a:p>
+          <a:pPr>
+            <a:defRPr sz="1197" b="0" i="0" u="none" strike="noStrike" kern="1200" baseline="0">
+              <a:solidFill>
+                <a:schemeClr val="tx1">
+                  <a:lumMod val="65000"/>
+                  <a:lumOff val="35000"/>
+                </a:schemeClr>
+              </a:solidFill>
+              <a:latin typeface="+mn-lt"/>
+              <a:ea typeface="+mn-ea"/>
+              <a:cs typeface="+mn-cs"/>
+            </a:defRPr>
+          </a:pPr>
+          <a:endParaRPr lang="ko-KR"/>
+        </a:p>
+      </c:txPr>
+    </c:legend>
+    <c:plotVisOnly val="1"/>
+    <c:dispBlanksAs val="gap"/>
+    <c:extLst>
+      <c:ext xmlns:c16r3="http://schemas.microsoft.com/office/drawing/2017/03/chart" uri="{56B9EC1D-385E-4148-901F-78D8002777C0}">
+        <c16r3:dataDisplayOptions16>
+          <c16r3:dispNaAsBlank val="1"/>
+        </c16r3:dataDisplayOptions16>
+      </c:ext>
+    </c:extLst>
+    <c:showDLblsOverMax val="0"/>
+  </c:chart>
+  <c:spPr>
+    <a:noFill/>
+    <a:ln>
+      <a:noFill/>
+    </a:ln>
+    <a:effectLst/>
+  </c:spPr>
+  <c:txPr>
+    <a:bodyPr/>
+    <a:lstStyle/>
+    <a:p>
+      <a:pPr>
+        <a:defRPr/>
+      </a:pPr>
+      <a:endParaRPr lang="ko-KR"/>
+    </a:p>
+  </c:txPr>
+  <c:externalData r:id="rId3">
+    <c:autoUpdate val="0"/>
+  </c:externalData>
+</c:chartSpace>
+</file>
+
+<file path=ppt/charts/chart4.xml><?xml version="1.0" encoding="utf-8"?>
+<c:chartSpace xmlns:c="http://schemas.openxmlformats.org/drawingml/2006/chart" xmlns:a="http://schemas.openxmlformats.org/drawingml/2006/main" xmlns:r="http://schemas.openxmlformats.org/officeDocument/2006/relationships" xmlns:c16r2="http://schemas.microsoft.com/office/drawing/2015/06/chart">
+  <c:date1904 val="0"/>
+  <c:lang val="ko-KR"/>
+  <c:roundedCorners val="0"/>
+  <mc:AlternateContent xmlns:mc="http://schemas.openxmlformats.org/markup-compatibility/2006">
+    <mc:Choice xmlns:c14="http://schemas.microsoft.com/office/drawing/2007/8/2/chart" Requires="c14">
+      <c14:style val="102"/>
+    </mc:Choice>
+    <mc:Fallback>
+      <c:style val="2"/>
+    </mc:Fallback>
+  </mc:AlternateContent>
+  <c:chart>
+    <c:autoTitleDeleted val="1"/>
+    <c:plotArea>
+      <c:layout/>
+      <c:areaChart>
+        <c:grouping val="standard"/>
+        <c:varyColors val="0"/>
+        <c:ser>
+          <c:idx val="0"/>
+          <c:order val="0"/>
+          <c:tx>
+            <c:strRef>
+              <c:f>Sheet1!$B$1</c:f>
+              <c:strCache>
+                <c:ptCount val="1"/>
+                <c:pt idx="0">
+                  <c:v>계열 1</c:v>
+                </c:pt>
+              </c:strCache>
+            </c:strRef>
+          </c:tx>
+          <c:spPr>
+            <a:solidFill>
+              <a:schemeClr val="accent1"/>
+            </a:solidFill>
+            <a:ln>
+              <a:noFill/>
+            </a:ln>
+            <a:effectLst/>
+          </c:spPr>
+          <c:cat>
+            <c:numRef>
+              <c:f>Sheet1!$A$2:$A$6</c:f>
+              <c:numCache>
+                <c:formatCode>m/d/yy</c:formatCode>
+                <c:ptCount val="5"/>
+                <c:pt idx="0">
+                  <c:v>37377</c:v>
+                </c:pt>
+                <c:pt idx="1">
+                  <c:v>37408</c:v>
+                </c:pt>
+                <c:pt idx="2">
+                  <c:v>37438</c:v>
+                </c:pt>
+                <c:pt idx="3">
+                  <c:v>37469</c:v>
+                </c:pt>
+                <c:pt idx="4">
+                  <c:v>37500</c:v>
+                </c:pt>
+              </c:numCache>
+            </c:numRef>
+          </c:cat>
+          <c:val>
+            <c:numRef>
+              <c:f>Sheet1!$B$2:$B$6</c:f>
+              <c:numCache>
+                <c:formatCode>General</c:formatCode>
+                <c:ptCount val="5"/>
+                <c:pt idx="0">
+                  <c:v>32</c:v>
+                </c:pt>
+                <c:pt idx="1">
+                  <c:v>32</c:v>
+                </c:pt>
+                <c:pt idx="2">
+                  <c:v>28</c:v>
+                </c:pt>
+                <c:pt idx="3">
+                  <c:v>12</c:v>
+                </c:pt>
+                <c:pt idx="4">
+                  <c:v>15</c:v>
+                </c:pt>
+              </c:numCache>
+            </c:numRef>
+          </c:val>
+          <c:extLst>
+            <c:ext xmlns:c16="http://schemas.microsoft.com/office/drawing/2014/chart" uri="{C3380CC4-5D6E-409C-BE32-E72D297353CC}">
+              <c16:uniqueId val="{00000000-6734-0A41-AF5E-4C494E2B6C7E}"/>
+            </c:ext>
+          </c:extLst>
+        </c:ser>
+        <c:ser>
+          <c:idx val="1"/>
+          <c:order val="1"/>
+          <c:tx>
+            <c:strRef>
+              <c:f>Sheet1!$C$1</c:f>
+              <c:strCache>
+                <c:ptCount val="1"/>
+                <c:pt idx="0">
+                  <c:v>계열 2</c:v>
+                </c:pt>
+              </c:strCache>
+            </c:strRef>
+          </c:tx>
+          <c:spPr>
+            <a:solidFill>
+              <a:schemeClr val="accent2"/>
+            </a:solidFill>
+            <a:ln>
+              <a:noFill/>
+            </a:ln>
+            <a:effectLst/>
+          </c:spPr>
+          <c:cat>
+            <c:numRef>
+              <c:f>Sheet1!$A$2:$A$6</c:f>
+              <c:numCache>
+                <c:formatCode>m/d/yy</c:formatCode>
+                <c:ptCount val="5"/>
+                <c:pt idx="0">
+                  <c:v>37377</c:v>
+                </c:pt>
+                <c:pt idx="1">
+                  <c:v>37408</c:v>
+                </c:pt>
+                <c:pt idx="2">
+                  <c:v>37438</c:v>
+                </c:pt>
+                <c:pt idx="3">
+                  <c:v>37469</c:v>
+                </c:pt>
+                <c:pt idx="4">
+                  <c:v>37500</c:v>
+                </c:pt>
+              </c:numCache>
+            </c:numRef>
+          </c:cat>
+          <c:val>
+            <c:numRef>
+              <c:f>Sheet1!$C$2:$C$6</c:f>
+              <c:numCache>
+                <c:formatCode>General</c:formatCode>
+                <c:ptCount val="5"/>
+                <c:pt idx="0">
+                  <c:v>12</c:v>
+                </c:pt>
+                <c:pt idx="1">
+                  <c:v>12</c:v>
+                </c:pt>
+                <c:pt idx="2">
+                  <c:v>12</c:v>
+                </c:pt>
+                <c:pt idx="3">
+                  <c:v>21</c:v>
+                </c:pt>
+                <c:pt idx="4">
+                  <c:v>28</c:v>
+                </c:pt>
+              </c:numCache>
+            </c:numRef>
+          </c:val>
+          <c:extLst>
+            <c:ext xmlns:c16="http://schemas.microsoft.com/office/drawing/2014/chart" uri="{C3380CC4-5D6E-409C-BE32-E72D297353CC}">
+              <c16:uniqueId val="{00000001-6734-0A41-AF5E-4C494E2B6C7E}"/>
+            </c:ext>
+          </c:extLst>
+        </c:ser>
+        <c:dLbls>
+          <c:showLegendKey val="0"/>
+          <c:showVal val="0"/>
+          <c:showCatName val="0"/>
+          <c:showSerName val="0"/>
+          <c:showPercent val="0"/>
+          <c:showBubbleSize val="0"/>
+        </c:dLbls>
+        <c:axId val="527320560"/>
+        <c:axId val="429453904"/>
+      </c:areaChart>
+      <c:dateAx>
+        <c:axId val="527320560"/>
+        <c:scaling>
+          <c:orientation val="minMax"/>
+        </c:scaling>
+        <c:delete val="0"/>
+        <c:axPos val="b"/>
+        <c:numFmt formatCode="m/d/yy" sourceLinked="1"/>
+        <c:majorTickMark val="out"/>
+        <c:minorTickMark val="none"/>
+        <c:tickLblPos val="nextTo"/>
+        <c:spPr>
+          <a:noFill/>
+          <a:ln w="9525" cap="flat" cmpd="sng" algn="ctr">
+            <a:solidFill>
+              <a:schemeClr val="tx1">
+                <a:lumMod val="15000"/>
+                <a:lumOff val="85000"/>
+              </a:schemeClr>
+            </a:solidFill>
+            <a:round/>
+          </a:ln>
+          <a:effectLst/>
+        </c:spPr>
+        <c:txPr>
+          <a:bodyPr rot="-60000000" spcFirstLastPara="1" vertOverflow="ellipsis" vert="horz" wrap="square" anchor="ctr" anchorCtr="1"/>
+          <a:lstStyle/>
+          <a:p>
+            <a:pPr>
+              <a:defRPr sz="1197" b="0" i="0" u="none" strike="noStrike" kern="1200" baseline="0">
+                <a:solidFill>
+                  <a:schemeClr val="tx1">
+                    <a:lumMod val="65000"/>
+                    <a:lumOff val="35000"/>
+                  </a:schemeClr>
+                </a:solidFill>
+                <a:latin typeface="+mn-lt"/>
+                <a:ea typeface="+mn-ea"/>
+                <a:cs typeface="+mn-cs"/>
+              </a:defRPr>
+            </a:pPr>
+            <a:endParaRPr lang="ko-KR"/>
+          </a:p>
+        </c:txPr>
+        <c:crossAx val="429453904"/>
+        <c:crosses val="autoZero"/>
+        <c:auto val="1"/>
+        <c:lblOffset val="100"/>
+        <c:baseTimeUnit val="months"/>
+      </c:dateAx>
+      <c:valAx>
+        <c:axId val="429453904"/>
+        <c:scaling>
+          <c:orientation val="minMax"/>
+        </c:scaling>
+        <c:delete val="0"/>
+        <c:axPos val="l"/>
+        <c:majorGridlines>
+          <c:spPr>
+            <a:ln w="9525" cap="flat" cmpd="sng" algn="ctr">
+              <a:solidFill>
+                <a:schemeClr val="tx1">
+                  <a:lumMod val="15000"/>
+                  <a:lumOff val="85000"/>
+                </a:schemeClr>
+              </a:solidFill>
+              <a:round/>
+            </a:ln>
+            <a:effectLst/>
+          </c:spPr>
+        </c:majorGridlines>
+        <c:numFmt formatCode="General" sourceLinked="1"/>
+        <c:majorTickMark val="none"/>
+        <c:minorTickMark val="none"/>
+        <c:tickLblPos val="nextTo"/>
+        <c:spPr>
+          <a:noFill/>
+          <a:ln>
+            <a:noFill/>
+          </a:ln>
+          <a:effectLst/>
+        </c:spPr>
+        <c:txPr>
+          <a:bodyPr rot="-60000000" spcFirstLastPara="1" vertOverflow="ellipsis" vert="horz" wrap="square" anchor="ctr" anchorCtr="1"/>
+          <a:lstStyle/>
+          <a:p>
+            <a:pPr>
+              <a:defRPr sz="1197" b="0" i="0" u="none" strike="noStrike" kern="1200" baseline="0">
+                <a:solidFill>
+                  <a:schemeClr val="tx1">
+                    <a:lumMod val="65000"/>
+                    <a:lumOff val="35000"/>
+                  </a:schemeClr>
+                </a:solidFill>
+                <a:latin typeface="+mn-lt"/>
+                <a:ea typeface="+mn-ea"/>
+                <a:cs typeface="+mn-cs"/>
+              </a:defRPr>
+            </a:pPr>
+            <a:endParaRPr lang="ko-KR"/>
+          </a:p>
+        </c:txPr>
+        <c:crossAx val="527320560"/>
+        <c:crosses val="autoZero"/>
+        <c:crossBetween val="midCat"/>
+      </c:valAx>
+      <c:spPr>
+        <a:noFill/>
+        <a:ln>
+          <a:noFill/>
+        </a:ln>
+        <a:effectLst/>
+      </c:spPr>
+    </c:plotArea>
+    <c:legend>
+      <c:legendPos val="b"/>
+      <c:overlay val="0"/>
+      <c:spPr>
+        <a:noFill/>
+        <a:ln>
+          <a:noFill/>
+        </a:ln>
+        <a:effectLst/>
+      </c:spPr>
+      <c:txPr>
+        <a:bodyPr rot="0" spcFirstLastPara="1" vertOverflow="ellipsis" vert="horz" wrap="square" anchor="ctr" anchorCtr="1"/>
+        <a:lstStyle/>
+        <a:p>
+          <a:pPr>
+            <a:defRPr sz="1197" b="0" i="0" u="none" strike="noStrike" kern="1200" baseline="0">
+              <a:solidFill>
+                <a:schemeClr val="tx1">
+                  <a:lumMod val="65000"/>
+                  <a:lumOff val="35000"/>
+                </a:schemeClr>
+              </a:solidFill>
+              <a:latin typeface="+mn-lt"/>
+              <a:ea typeface="+mn-ea"/>
+              <a:cs typeface="+mn-cs"/>
+            </a:defRPr>
+          </a:pPr>
+          <a:endParaRPr lang="ko-KR"/>
+        </a:p>
+      </c:txPr>
+    </c:legend>
+    <c:plotVisOnly val="1"/>
+    <c:dispBlanksAs val="zero"/>
+    <c:extLst>
+      <c:ext xmlns:c16r3="http://schemas.microsoft.com/office/drawing/2017/03/chart" uri="{56B9EC1D-385E-4148-901F-78D8002777C0}">
+        <c16r3:dataDisplayOptions16>
+          <c16r3:dispNaAsBlank val="1"/>
+        </c16r3:dataDisplayOptions16>
+      </c:ext>
+    </c:extLst>
+    <c:showDLblsOverMax val="0"/>
+  </c:chart>
+  <c:spPr>
+    <a:noFill/>
+    <a:ln>
+      <a:noFill/>
+    </a:ln>
+    <a:effectLst/>
+  </c:spPr>
+  <c:txPr>
+    <a:bodyPr/>
+    <a:lstStyle/>
+    <a:p>
+      <a:pPr>
+        <a:defRPr/>
+      </a:pPr>
+      <a:endParaRPr lang="ko-KR"/>
+    </a:p>
+  </c:txPr>
+  <c:externalData r:id="rId3">
+    <c:autoUpdate val="0"/>
+  </c:externalData>
+</c:chartSpace>
+</file>
+
+<file path=ppt/charts/chart5.xml><?xml version="1.0" encoding="utf-8"?>
+<c:chartSpace xmlns:c="http://schemas.openxmlformats.org/drawingml/2006/chart" xmlns:a="http://schemas.openxmlformats.org/drawingml/2006/main" xmlns:r="http://schemas.openxmlformats.org/officeDocument/2006/relationships" xmlns:c16r2="http://schemas.microsoft.com/office/drawing/2015/06/chart">
+  <c:date1904 val="0"/>
+  <c:lang val="ko-KR"/>
+  <c:roundedCorners val="0"/>
+  <mc:AlternateContent xmlns:mc="http://schemas.openxmlformats.org/markup-compatibility/2006">
+    <mc:Choice xmlns:c14="http://schemas.microsoft.com/office/drawing/2007/8/2/chart" Requires="c14">
+      <c14:style val="102"/>
+    </mc:Choice>
+    <mc:Fallback>
+      <c:style val="2"/>
+    </mc:Fallback>
+  </mc:AlternateContent>
+  <c:chart>
+    <c:autoTitleDeleted val="1"/>
+    <c:plotArea>
+      <c:layout/>
+      <c:lineChart>
+        <c:grouping val="standard"/>
+        <c:varyColors val="0"/>
+        <c:ser>
+          <c:idx val="0"/>
+          <c:order val="0"/>
+          <c:tx>
+            <c:strRef>
+              <c:f>Sheet1!$B$1</c:f>
+              <c:strCache>
+                <c:ptCount val="1"/>
+                <c:pt idx="0">
+                  <c:v>계열 1</c:v>
+                </c:pt>
+              </c:strCache>
+            </c:strRef>
+          </c:tx>
+          <c:spPr>
+            <a:ln w="28575" cap="rnd">
+              <a:solidFill>
+                <a:schemeClr val="accent1"/>
+              </a:solidFill>
+              <a:round/>
+            </a:ln>
+            <a:effectLst/>
+          </c:spPr>
+          <c:marker>
+            <c:symbol val="none"/>
+          </c:marker>
+          <c:cat>
+            <c:strRef>
+              <c:f>Sheet1!$A$2:$A$5</c:f>
+              <c:strCache>
+                <c:ptCount val="4"/>
+                <c:pt idx="0">
+                  <c:v>항목 1</c:v>
+                </c:pt>
+                <c:pt idx="1">
+                  <c:v>항목 2</c:v>
+                </c:pt>
+                <c:pt idx="2">
+                  <c:v>항목 3</c:v>
+                </c:pt>
+                <c:pt idx="3">
+                  <c:v>항목 4</c:v>
+                </c:pt>
+              </c:strCache>
+            </c:strRef>
+          </c:cat>
+          <c:val>
+            <c:numRef>
+              <c:f>Sheet1!$B$2:$B$5</c:f>
+              <c:numCache>
+                <c:formatCode>General</c:formatCode>
+                <c:ptCount val="4"/>
+                <c:pt idx="0">
+                  <c:v>4.3</c:v>
+                </c:pt>
+                <c:pt idx="1">
+                  <c:v>2.5</c:v>
+                </c:pt>
+                <c:pt idx="2">
+                  <c:v>3.5</c:v>
+                </c:pt>
+                <c:pt idx="3">
+                  <c:v>4.5</c:v>
+                </c:pt>
+              </c:numCache>
+            </c:numRef>
+          </c:val>
+          <c:smooth val="0"/>
+          <c:extLst>
+            <c:ext xmlns:c16="http://schemas.microsoft.com/office/drawing/2014/chart" uri="{C3380CC4-5D6E-409C-BE32-E72D297353CC}">
+              <c16:uniqueId val="{00000000-3338-B843-93F1-8AD823A99E03}"/>
+            </c:ext>
+          </c:extLst>
+        </c:ser>
+        <c:ser>
+          <c:idx val="1"/>
+          <c:order val="1"/>
+          <c:tx>
+            <c:strRef>
+              <c:f>Sheet1!$C$1</c:f>
+              <c:strCache>
+                <c:ptCount val="1"/>
+                <c:pt idx="0">
+                  <c:v>계열 2</c:v>
+                </c:pt>
+              </c:strCache>
+            </c:strRef>
+          </c:tx>
+          <c:spPr>
+            <a:ln w="28575" cap="rnd">
+              <a:solidFill>
+                <a:schemeClr val="accent2"/>
+              </a:solidFill>
+              <a:round/>
+            </a:ln>
+            <a:effectLst/>
+          </c:spPr>
+          <c:marker>
+            <c:symbol val="none"/>
+          </c:marker>
+          <c:cat>
+            <c:strRef>
+              <c:f>Sheet1!$A$2:$A$5</c:f>
+              <c:strCache>
+                <c:ptCount val="4"/>
+                <c:pt idx="0">
+                  <c:v>항목 1</c:v>
+                </c:pt>
+                <c:pt idx="1">
+                  <c:v>항목 2</c:v>
+                </c:pt>
+                <c:pt idx="2">
+                  <c:v>항목 3</c:v>
+                </c:pt>
+                <c:pt idx="3">
+                  <c:v>항목 4</c:v>
+                </c:pt>
+              </c:strCache>
+            </c:strRef>
+          </c:cat>
+          <c:val>
+            <c:numRef>
+              <c:f>Sheet1!$C$2:$C$5</c:f>
+              <c:numCache>
+                <c:formatCode>General</c:formatCode>
+                <c:ptCount val="4"/>
+                <c:pt idx="0">
+                  <c:v>2.4</c:v>
+                </c:pt>
+                <c:pt idx="1">
+                  <c:v>4.4000000000000004</c:v>
+                </c:pt>
+                <c:pt idx="2">
+                  <c:v>1.8</c:v>
+                </c:pt>
+                <c:pt idx="3">
+                  <c:v>2.8</c:v>
+                </c:pt>
+              </c:numCache>
+            </c:numRef>
+          </c:val>
+          <c:smooth val="0"/>
+          <c:extLst>
+            <c:ext xmlns:c16="http://schemas.microsoft.com/office/drawing/2014/chart" uri="{C3380CC4-5D6E-409C-BE32-E72D297353CC}">
+              <c16:uniqueId val="{00000001-3338-B843-93F1-8AD823A99E03}"/>
+            </c:ext>
+          </c:extLst>
+        </c:ser>
+        <c:ser>
+          <c:idx val="2"/>
+          <c:order val="2"/>
+          <c:tx>
+            <c:strRef>
+              <c:f>Sheet1!$D$1</c:f>
+              <c:strCache>
+                <c:ptCount val="1"/>
+                <c:pt idx="0">
+                  <c:v>계열 3</c:v>
+                </c:pt>
+              </c:strCache>
+            </c:strRef>
+          </c:tx>
+          <c:spPr>
+            <a:ln w="28575" cap="rnd">
+              <a:solidFill>
+                <a:schemeClr val="accent3"/>
+              </a:solidFill>
+              <a:round/>
+            </a:ln>
+            <a:effectLst/>
+          </c:spPr>
+          <c:marker>
+            <c:symbol val="none"/>
+          </c:marker>
+          <c:cat>
+            <c:strRef>
+              <c:f>Sheet1!$A$2:$A$5</c:f>
+              <c:strCache>
+                <c:ptCount val="4"/>
+                <c:pt idx="0">
+                  <c:v>항목 1</c:v>
+                </c:pt>
+                <c:pt idx="1">
+                  <c:v>항목 2</c:v>
+                </c:pt>
+                <c:pt idx="2">
+                  <c:v>항목 3</c:v>
+                </c:pt>
+                <c:pt idx="3">
+                  <c:v>항목 4</c:v>
+                </c:pt>
+              </c:strCache>
+            </c:strRef>
+          </c:cat>
+          <c:val>
+            <c:numRef>
+              <c:f>Sheet1!$D$2:$D$5</c:f>
+              <c:numCache>
+                <c:formatCode>General</c:formatCode>
+                <c:ptCount val="4"/>
+                <c:pt idx="0">
+                  <c:v>2</c:v>
+                </c:pt>
+                <c:pt idx="1">
+                  <c:v>2</c:v>
+                </c:pt>
+                <c:pt idx="2">
+                  <c:v>3</c:v>
+                </c:pt>
+                <c:pt idx="3">
+                  <c:v>5</c:v>
+                </c:pt>
+              </c:numCache>
+            </c:numRef>
+          </c:val>
+          <c:smooth val="0"/>
+          <c:extLst>
+            <c:ext xmlns:c16="http://schemas.microsoft.com/office/drawing/2014/chart" uri="{C3380CC4-5D6E-409C-BE32-E72D297353CC}">
+              <c16:uniqueId val="{00000002-3338-B843-93F1-8AD823A99E03}"/>
+            </c:ext>
+          </c:extLst>
+        </c:ser>
+        <c:dLbls>
+          <c:showLegendKey val="0"/>
+          <c:showVal val="0"/>
+          <c:showCatName val="0"/>
+          <c:showSerName val="0"/>
+          <c:showPercent val="0"/>
+          <c:showBubbleSize val="0"/>
+        </c:dLbls>
+        <c:smooth val="0"/>
+        <c:axId val="803922800"/>
+        <c:axId val="433914000"/>
+      </c:lineChart>
+      <c:catAx>
+        <c:axId val="803922800"/>
+        <c:scaling>
+          <c:orientation val="minMax"/>
+        </c:scaling>
+        <c:delete val="0"/>
+        <c:axPos val="b"/>
+        <c:numFmt formatCode="General" sourceLinked="1"/>
+        <c:majorTickMark val="none"/>
+        <c:minorTickMark val="none"/>
+        <c:tickLblPos val="nextTo"/>
+        <c:spPr>
+          <a:noFill/>
+          <a:ln w="9525" cap="flat" cmpd="sng" algn="ctr">
+            <a:solidFill>
+              <a:schemeClr val="tx1">
+                <a:lumMod val="15000"/>
+                <a:lumOff val="85000"/>
+              </a:schemeClr>
+            </a:solidFill>
+            <a:round/>
+          </a:ln>
+          <a:effectLst/>
+        </c:spPr>
+        <c:txPr>
+          <a:bodyPr rot="-60000000" spcFirstLastPara="1" vertOverflow="ellipsis" vert="horz" wrap="square" anchor="ctr" anchorCtr="1"/>
+          <a:lstStyle/>
+          <a:p>
+            <a:pPr>
+              <a:defRPr sz="1197" b="0" i="0" u="none" strike="noStrike" kern="1200" baseline="0">
+                <a:solidFill>
+                  <a:schemeClr val="tx1">
+                    <a:lumMod val="65000"/>
+                    <a:lumOff val="35000"/>
+                  </a:schemeClr>
+                </a:solidFill>
+                <a:latin typeface="+mn-lt"/>
+                <a:ea typeface="+mn-ea"/>
+                <a:cs typeface="+mn-cs"/>
+              </a:defRPr>
+            </a:pPr>
+            <a:endParaRPr lang="ko-KR"/>
+          </a:p>
+        </c:txPr>
+        <c:crossAx val="433914000"/>
+        <c:crosses val="autoZero"/>
+        <c:auto val="1"/>
+        <c:lblAlgn val="ctr"/>
+        <c:lblOffset val="100"/>
+        <c:noMultiLvlLbl val="0"/>
+      </c:catAx>
+      <c:valAx>
+        <c:axId val="433914000"/>
+        <c:scaling>
+          <c:orientation val="minMax"/>
+        </c:scaling>
+        <c:delete val="0"/>
+        <c:axPos val="l"/>
+        <c:majorGridlines>
+          <c:spPr>
+            <a:ln w="9525" cap="flat" cmpd="sng" algn="ctr">
+              <a:solidFill>
+                <a:schemeClr val="tx1">
+                  <a:lumMod val="15000"/>
+                  <a:lumOff val="85000"/>
+                </a:schemeClr>
+              </a:solidFill>
+              <a:round/>
+            </a:ln>
+            <a:effectLst/>
+          </c:spPr>
+        </c:majorGridlines>
+        <c:numFmt formatCode="General" sourceLinked="1"/>
+        <c:majorTickMark val="none"/>
+        <c:minorTickMark val="none"/>
+        <c:tickLblPos val="nextTo"/>
+        <c:spPr>
+          <a:noFill/>
+          <a:ln>
+            <a:noFill/>
+          </a:ln>
+          <a:effectLst/>
+        </c:spPr>
+        <c:txPr>
+          <a:bodyPr rot="-60000000" spcFirstLastPara="1" vertOverflow="ellipsis" vert="horz" wrap="square" anchor="ctr" anchorCtr="1"/>
+          <a:lstStyle/>
+          <a:p>
+            <a:pPr>
+              <a:defRPr sz="1197" b="0" i="0" u="none" strike="noStrike" kern="1200" baseline="0">
+                <a:solidFill>
+                  <a:schemeClr val="tx1">
+                    <a:lumMod val="65000"/>
+                    <a:lumOff val="35000"/>
+                  </a:schemeClr>
+                </a:solidFill>
+                <a:latin typeface="+mn-lt"/>
+                <a:ea typeface="+mn-ea"/>
+                <a:cs typeface="+mn-cs"/>
+              </a:defRPr>
+            </a:pPr>
+            <a:endParaRPr lang="ko-KR"/>
+          </a:p>
+        </c:txPr>
+        <c:crossAx val="803922800"/>
+        <c:crosses val="autoZero"/>
+        <c:crossBetween val="between"/>
+      </c:valAx>
+      <c:spPr>
+        <a:noFill/>
+        <a:ln>
+          <a:noFill/>
+        </a:ln>
+        <a:effectLst/>
+      </c:spPr>
+    </c:plotArea>
+    <c:legend>
+      <c:legendPos val="b"/>
+      <c:overlay val="0"/>
+      <c:spPr>
+        <a:noFill/>
+        <a:ln>
+          <a:noFill/>
+        </a:ln>
+        <a:effectLst/>
+      </c:spPr>
+      <c:txPr>
+        <a:bodyPr rot="0" spcFirstLastPara="1" vertOverflow="ellipsis" vert="horz" wrap="square" anchor="ctr" anchorCtr="1"/>
+        <a:lstStyle/>
+        <a:p>
+          <a:pPr>
+            <a:defRPr sz="1197" b="0" i="0" u="none" strike="noStrike" kern="1200" baseline="0">
+              <a:solidFill>
+                <a:schemeClr val="tx1">
+                  <a:lumMod val="65000"/>
+                  <a:lumOff val="35000"/>
+                </a:schemeClr>
+              </a:solidFill>
+              <a:latin typeface="+mn-lt"/>
+              <a:ea typeface="+mn-ea"/>
+              <a:cs typeface="+mn-cs"/>
+            </a:defRPr>
+          </a:pPr>
+          <a:endParaRPr lang="ko-KR"/>
+        </a:p>
+      </c:txPr>
+    </c:legend>
+    <c:plotVisOnly val="1"/>
+    <c:dispBlanksAs val="gap"/>
+    <c:extLst>
+      <c:ext xmlns:c16r3="http://schemas.microsoft.com/office/drawing/2017/03/chart" uri="{56B9EC1D-385E-4148-901F-78D8002777C0}">
+        <c16r3:dataDisplayOptions16>
+          <c16r3:dispNaAsBlank val="1"/>
+        </c16r3:dataDisplayOptions16>
+      </c:ext>
+    </c:extLst>
+    <c:showDLblsOverMax val="0"/>
+  </c:chart>
+  <c:spPr>
+    <a:noFill/>
+    <a:ln>
+      <a:noFill/>
+    </a:ln>
+    <a:effectLst/>
+  </c:spPr>
+  <c:txPr>
+    <a:bodyPr/>
+    <a:lstStyle/>
+    <a:p>
+      <a:pPr>
+        <a:defRPr/>
+      </a:pPr>
+      <a:endParaRPr lang="ko-KR"/>
+    </a:p>
+  </c:txPr>
+  <c:externalData r:id="rId3">
+    <c:autoUpdate val="0"/>
+  </c:externalData>
+</c:chartSpace>
+</file>
+
+<file path=ppt/charts/chart6.xml><?xml version="1.0" encoding="utf-8"?>
+<c:chartSpace xmlns:c="http://schemas.openxmlformats.org/drawingml/2006/chart" xmlns:a="http://schemas.openxmlformats.org/drawingml/2006/main" xmlns:r="http://schemas.openxmlformats.org/officeDocument/2006/relationships" xmlns:c16r2="http://schemas.microsoft.com/office/drawing/2015/06/chart">
+  <c:date1904 val="0"/>
+  <c:lang val="ko-KR"/>
+  <c:roundedCorners val="0"/>
+  <mc:AlternateContent xmlns:mc="http://schemas.openxmlformats.org/markup-compatibility/2006">
+    <mc:Choice xmlns:c14="http://schemas.microsoft.com/office/drawing/2007/8/2/chart" Requires="c14">
+      <c14:style val="102"/>
+    </mc:Choice>
+    <mc:Fallback>
+      <c:style val="2"/>
+    </mc:Fallback>
+  </mc:AlternateContent>
+  <c:chart>
+    <c:autoTitleDeleted val="1"/>
+    <c:plotArea>
+      <c:layout/>
+      <c:pieChart>
+        <c:varyColors val="1"/>
+        <c:ser>
+          <c:idx val="0"/>
+          <c:order val="0"/>
+          <c:tx>
+            <c:strRef>
+              <c:f>Sheet1!$B$1</c:f>
+              <c:strCache>
+                <c:ptCount val="1"/>
+                <c:pt idx="0">
+                  <c:v>판매</c:v>
+                </c:pt>
+              </c:strCache>
+            </c:strRef>
+          </c:tx>
+          <c:dPt>
+            <c:idx val="0"/>
+            <c:bubble3D val="0"/>
+            <c:spPr>
+              <a:solidFill>
+                <a:schemeClr val="accent1"/>
+              </a:solidFill>
+              <a:ln w="19050">
+                <a:solidFill>
+                  <a:schemeClr val="lt1"/>
+                </a:solidFill>
+              </a:ln>
+              <a:effectLst/>
+            </c:spPr>
+            <c:extLst>
+              <c:ext xmlns:c16="http://schemas.microsoft.com/office/drawing/2014/chart" uri="{C3380CC4-5D6E-409C-BE32-E72D297353CC}">
+                <c16:uniqueId val="{00000001-0E2A-1649-8B2D-04D5149122CA}"/>
+              </c:ext>
+            </c:extLst>
+          </c:dPt>
+          <c:dPt>
+            <c:idx val="1"/>
+            <c:bubble3D val="0"/>
+            <c:spPr>
+              <a:solidFill>
+                <a:schemeClr val="accent2"/>
+              </a:solidFill>
+              <a:ln w="19050">
+                <a:solidFill>
+                  <a:schemeClr val="lt1"/>
+                </a:solidFill>
+              </a:ln>
+              <a:effectLst/>
+            </c:spPr>
+            <c:extLst>
+              <c:ext xmlns:c16="http://schemas.microsoft.com/office/drawing/2014/chart" uri="{C3380CC4-5D6E-409C-BE32-E72D297353CC}">
+                <c16:uniqueId val="{00000003-0E2A-1649-8B2D-04D5149122CA}"/>
+              </c:ext>
+            </c:extLst>
+          </c:dPt>
+          <c:dPt>
+            <c:idx val="2"/>
+            <c:bubble3D val="0"/>
+            <c:spPr>
+              <a:solidFill>
+                <a:schemeClr val="accent3"/>
+              </a:solidFill>
+              <a:ln w="19050">
+                <a:solidFill>
+                  <a:schemeClr val="lt1"/>
+                </a:solidFill>
+              </a:ln>
+              <a:effectLst/>
+            </c:spPr>
+            <c:extLst>
+              <c:ext xmlns:c16="http://schemas.microsoft.com/office/drawing/2014/chart" uri="{C3380CC4-5D6E-409C-BE32-E72D297353CC}">
+                <c16:uniqueId val="{00000005-0E2A-1649-8B2D-04D5149122CA}"/>
+              </c:ext>
+            </c:extLst>
+          </c:dPt>
+          <c:dPt>
+            <c:idx val="3"/>
+            <c:bubble3D val="0"/>
+            <c:spPr>
+              <a:solidFill>
+                <a:schemeClr val="accent4"/>
+              </a:solidFill>
+              <a:ln w="19050">
+                <a:solidFill>
+                  <a:schemeClr val="lt1"/>
+                </a:solidFill>
+              </a:ln>
+              <a:effectLst/>
+            </c:spPr>
+            <c:extLst>
+              <c:ext xmlns:c16="http://schemas.microsoft.com/office/drawing/2014/chart" uri="{C3380CC4-5D6E-409C-BE32-E72D297353CC}">
+                <c16:uniqueId val="{00000007-0E2A-1649-8B2D-04D5149122CA}"/>
+              </c:ext>
+            </c:extLst>
+          </c:dPt>
+          <c:cat>
+            <c:strRef>
+              <c:f>Sheet1!$A$2:$A$5</c:f>
+              <c:strCache>
+                <c:ptCount val="4"/>
+                <c:pt idx="0">
+                  <c:v>1분기</c:v>
+                </c:pt>
+                <c:pt idx="1">
+                  <c:v>2분기</c:v>
+                </c:pt>
+                <c:pt idx="2">
+                  <c:v>3분기</c:v>
+                </c:pt>
+                <c:pt idx="3">
+                  <c:v>4분기</c:v>
+                </c:pt>
+              </c:strCache>
+            </c:strRef>
+          </c:cat>
+          <c:val>
+            <c:numRef>
+              <c:f>Sheet1!$B$2:$B$5</c:f>
+              <c:numCache>
+                <c:formatCode>General</c:formatCode>
+                <c:ptCount val="4"/>
+                <c:pt idx="0">
+                  <c:v>8.1999999999999993</c:v>
+                </c:pt>
+                <c:pt idx="1">
+                  <c:v>3.2</c:v>
+                </c:pt>
+                <c:pt idx="2">
+                  <c:v>1.4</c:v>
+                </c:pt>
+                <c:pt idx="3">
+                  <c:v>1.2</c:v>
+                </c:pt>
+              </c:numCache>
+            </c:numRef>
+          </c:val>
+          <c:extLst>
+            <c:ext xmlns:c16="http://schemas.microsoft.com/office/drawing/2014/chart" uri="{C3380CC4-5D6E-409C-BE32-E72D297353CC}">
+              <c16:uniqueId val="{00000000-7EDF-BD41-A608-7A92796F9B72}"/>
+            </c:ext>
+          </c:extLst>
+        </c:ser>
+        <c:dLbls>
+          <c:showLegendKey val="0"/>
+          <c:showVal val="0"/>
+          <c:showCatName val="0"/>
+          <c:showSerName val="0"/>
+          <c:showPercent val="0"/>
+          <c:showBubbleSize val="0"/>
+          <c:showLeaderLines val="1"/>
+        </c:dLbls>
+        <c:firstSliceAng val="0"/>
+      </c:pieChart>
+      <c:spPr>
+        <a:noFill/>
+        <a:ln>
+          <a:noFill/>
+        </a:ln>
+        <a:effectLst/>
+      </c:spPr>
+    </c:plotArea>
+    <c:legend>
+      <c:legendPos val="b"/>
+      <c:overlay val="0"/>
+      <c:spPr>
+        <a:noFill/>
+        <a:ln>
+          <a:noFill/>
+        </a:ln>
+        <a:effectLst/>
+      </c:spPr>
+      <c:txPr>
+        <a:bodyPr rot="0" spcFirstLastPara="1" vertOverflow="ellipsis" vert="horz" wrap="square" anchor="ctr" anchorCtr="1"/>
+        <a:lstStyle/>
+        <a:p>
+          <a:pPr>
+            <a:defRPr sz="1197" b="0" i="0" u="none" strike="noStrike" kern="1200" baseline="0">
+              <a:solidFill>
+                <a:schemeClr val="tx1">
+                  <a:lumMod val="65000"/>
+                  <a:lumOff val="35000"/>
+                </a:schemeClr>
+              </a:solidFill>
+              <a:latin typeface="+mn-lt"/>
+              <a:ea typeface="+mn-ea"/>
+              <a:cs typeface="+mn-cs"/>
+            </a:defRPr>
+          </a:pPr>
+          <a:endParaRPr lang="ko-KR"/>
+        </a:p>
+      </c:txPr>
+    </c:legend>
+    <c:plotVisOnly val="1"/>
+    <c:dispBlanksAs val="gap"/>
+    <c:extLst>
+      <c:ext xmlns:c16r3="http://schemas.microsoft.com/office/drawing/2017/03/chart" uri="{56B9EC1D-385E-4148-901F-78D8002777C0}">
+        <c16r3:dataDisplayOptions16>
+          <c16r3:dispNaAsBlank val="1"/>
+        </c16r3:dataDisplayOptions16>
+      </c:ext>
+    </c:extLst>
+    <c:showDLblsOverMax val="0"/>
+  </c:chart>
+  <c:spPr>
+    <a:noFill/>
+    <a:ln>
+      <a:noFill/>
+    </a:ln>
+    <a:effectLst/>
+  </c:spPr>
+  <c:txPr>
+    <a:bodyPr/>
+    <a:lstStyle/>
+    <a:p>
+      <a:pPr>
+        <a:defRPr/>
+      </a:pPr>
+      <a:endParaRPr lang="ko-KR"/>
+    </a:p>
+  </c:txPr>
+  <c:externalData r:id="rId3">
+    <c:autoUpdate val="0"/>
+  </c:externalData>
+</c:chartSpace>
+</file>
+
+<file path=ppt/charts/chart7.xml><?xml version="1.0" encoding="utf-8"?>
+<c:chartSpace xmlns:c="http://schemas.openxmlformats.org/drawingml/2006/chart" xmlns:a="http://schemas.openxmlformats.org/drawingml/2006/main" xmlns:r="http://schemas.openxmlformats.org/officeDocument/2006/relationships" xmlns:c16r2="http://schemas.microsoft.com/office/drawing/2015/06/chart">
+  <c:date1904 val="0"/>
+  <c:lang val="ko-KR"/>
+  <c:roundedCorners val="0"/>
+  <mc:AlternateContent xmlns:mc="http://schemas.openxmlformats.org/markup-compatibility/2006">
+    <mc:Choice xmlns:c14="http://schemas.microsoft.com/office/drawing/2007/8/2/chart" Requires="c14">
+      <c14:style val="102"/>
+    </mc:Choice>
+    <mc:Fallback>
+      <c:style val="2"/>
+    </mc:Fallback>
+  </mc:AlternateContent>
+  <c:chart>
+    <c:autoTitleDeleted val="1"/>
+    <c:plotArea>
+      <c:layout/>
+      <c:doughnutChart>
+        <c:varyColors val="1"/>
+        <c:ser>
+          <c:idx val="0"/>
+          <c:order val="0"/>
+          <c:tx>
+            <c:strRef>
+              <c:f>Sheet1!$B$1</c:f>
+              <c:strCache>
+                <c:ptCount val="1"/>
+                <c:pt idx="0">
+                  <c:v>판매</c:v>
+                </c:pt>
+              </c:strCache>
+            </c:strRef>
+          </c:tx>
+          <c:dPt>
+            <c:idx val="0"/>
+            <c:bubble3D val="0"/>
+            <c:spPr>
+              <a:solidFill>
+                <a:schemeClr val="accent1"/>
+              </a:solidFill>
+              <a:ln w="19050">
+                <a:solidFill>
+                  <a:schemeClr val="lt1"/>
+                </a:solidFill>
+              </a:ln>
+              <a:effectLst/>
+            </c:spPr>
+            <c:extLst>
+              <c:ext xmlns:c16="http://schemas.microsoft.com/office/drawing/2014/chart" uri="{C3380CC4-5D6E-409C-BE32-E72D297353CC}">
+                <c16:uniqueId val="{00000001-07E2-204F-923D-B9AB0BE9B10A}"/>
+              </c:ext>
+            </c:extLst>
+          </c:dPt>
+          <c:dPt>
+            <c:idx val="1"/>
+            <c:bubble3D val="0"/>
+            <c:spPr>
+              <a:solidFill>
+                <a:schemeClr val="accent2"/>
+              </a:solidFill>
+              <a:ln w="19050">
+                <a:solidFill>
+                  <a:schemeClr val="lt1"/>
+                </a:solidFill>
+              </a:ln>
+              <a:effectLst/>
+            </c:spPr>
+            <c:extLst>
+              <c:ext xmlns:c16="http://schemas.microsoft.com/office/drawing/2014/chart" uri="{C3380CC4-5D6E-409C-BE32-E72D297353CC}">
+                <c16:uniqueId val="{00000003-07E2-204F-923D-B9AB0BE9B10A}"/>
+              </c:ext>
+            </c:extLst>
+          </c:dPt>
+          <c:dPt>
+            <c:idx val="2"/>
+            <c:bubble3D val="0"/>
+            <c:spPr>
+              <a:solidFill>
+                <a:schemeClr val="accent3"/>
+              </a:solidFill>
+              <a:ln w="19050">
+                <a:solidFill>
+                  <a:schemeClr val="lt1"/>
+                </a:solidFill>
+              </a:ln>
+              <a:effectLst/>
+            </c:spPr>
+            <c:extLst>
+              <c:ext xmlns:c16="http://schemas.microsoft.com/office/drawing/2014/chart" uri="{C3380CC4-5D6E-409C-BE32-E72D297353CC}">
+                <c16:uniqueId val="{00000005-07E2-204F-923D-B9AB0BE9B10A}"/>
+              </c:ext>
+            </c:extLst>
+          </c:dPt>
+          <c:dPt>
+            <c:idx val="3"/>
+            <c:bubble3D val="0"/>
+            <c:spPr>
+              <a:solidFill>
+                <a:schemeClr val="accent4"/>
+              </a:solidFill>
+              <a:ln w="19050">
+                <a:solidFill>
+                  <a:schemeClr val="lt1"/>
+                </a:solidFill>
+              </a:ln>
+              <a:effectLst/>
+            </c:spPr>
+            <c:extLst>
+              <c:ext xmlns:c16="http://schemas.microsoft.com/office/drawing/2014/chart" uri="{C3380CC4-5D6E-409C-BE32-E72D297353CC}">
+                <c16:uniqueId val="{00000007-07E2-204F-923D-B9AB0BE9B10A}"/>
+              </c:ext>
+            </c:extLst>
+          </c:dPt>
+          <c:cat>
+            <c:strRef>
+              <c:f>Sheet1!$A$2:$A$5</c:f>
+              <c:strCache>
+                <c:ptCount val="4"/>
+                <c:pt idx="0">
+                  <c:v>1분기</c:v>
+                </c:pt>
+                <c:pt idx="1">
+                  <c:v>2분기</c:v>
+                </c:pt>
+                <c:pt idx="2">
+                  <c:v>3분기</c:v>
+                </c:pt>
+                <c:pt idx="3">
+                  <c:v>4분기</c:v>
+                </c:pt>
+              </c:strCache>
+            </c:strRef>
+          </c:cat>
+          <c:val>
+            <c:numRef>
+              <c:f>Sheet1!$B$2:$B$5</c:f>
+              <c:numCache>
+                <c:formatCode>General</c:formatCode>
+                <c:ptCount val="4"/>
+                <c:pt idx="0">
+                  <c:v>8.1999999999999993</c:v>
+                </c:pt>
+                <c:pt idx="1">
+                  <c:v>3.2</c:v>
+                </c:pt>
+                <c:pt idx="2">
+                  <c:v>1.4</c:v>
+                </c:pt>
+                <c:pt idx="3">
+                  <c:v>1.2</c:v>
+                </c:pt>
+              </c:numCache>
+            </c:numRef>
+          </c:val>
+          <c:extLst>
+            <c:ext xmlns:c16="http://schemas.microsoft.com/office/drawing/2014/chart" uri="{C3380CC4-5D6E-409C-BE32-E72D297353CC}">
+              <c16:uniqueId val="{00000000-2A6F-DB40-A5AD-68017A4A31D2}"/>
+            </c:ext>
+          </c:extLst>
+        </c:ser>
+        <c:dLbls>
+          <c:showLegendKey val="0"/>
+          <c:showVal val="0"/>
+          <c:showCatName val="0"/>
+          <c:showSerName val="0"/>
+          <c:showPercent val="0"/>
+          <c:showBubbleSize val="0"/>
+          <c:showLeaderLines val="1"/>
+        </c:dLbls>
+        <c:firstSliceAng val="0"/>
+        <c:holeSize val="75"/>
+      </c:doughnutChart>
+      <c:spPr>
+        <a:noFill/>
+        <a:ln>
+          <a:noFill/>
+        </a:ln>
+        <a:effectLst/>
+      </c:spPr>
+    </c:plotArea>
+    <c:legend>
+      <c:legendPos val="b"/>
+      <c:overlay val="0"/>
+      <c:spPr>
+        <a:noFill/>
+        <a:ln>
+          <a:noFill/>
+        </a:ln>
+        <a:effectLst/>
+      </c:spPr>
+      <c:txPr>
+        <a:bodyPr rot="0" spcFirstLastPara="1" vertOverflow="ellipsis" vert="horz" wrap="square" anchor="ctr" anchorCtr="1"/>
+        <a:lstStyle/>
+        <a:p>
+          <a:pPr>
+            <a:defRPr sz="1197" b="0" i="0" u="none" strike="noStrike" kern="1200" baseline="0">
+              <a:solidFill>
+                <a:schemeClr val="tx1">
+                  <a:lumMod val="65000"/>
+                  <a:lumOff val="35000"/>
+                </a:schemeClr>
+              </a:solidFill>
+              <a:latin typeface="+mn-lt"/>
+              <a:ea typeface="+mn-ea"/>
+              <a:cs typeface="+mn-cs"/>
+            </a:defRPr>
+          </a:pPr>
+          <a:endParaRPr lang="ko-KR"/>
+        </a:p>
+      </c:txPr>
+    </c:legend>
+    <c:plotVisOnly val="1"/>
+    <c:dispBlanksAs val="gap"/>
+    <c:extLst>
+      <c:ext xmlns:c16r3="http://schemas.microsoft.com/office/drawing/2017/03/chart" uri="{56B9EC1D-385E-4148-901F-78D8002777C0}">
+        <c16r3:dataDisplayOptions16>
+          <c16r3:dispNaAsBlank val="1"/>
+        </c16r3:dataDisplayOptions16>
+      </c:ext>
+    </c:extLst>
+    <c:showDLblsOverMax val="0"/>
+  </c:chart>
+  <c:spPr>
+    <a:noFill/>
+    <a:ln>
+      <a:noFill/>
+    </a:ln>
+    <a:effectLst/>
+  </c:spPr>
+  <c:txPr>
+    <a:bodyPr/>
+    <a:lstStyle/>
+    <a:p>
+      <a:pPr>
+        <a:defRPr/>
+      </a:pPr>
+      <a:endParaRPr lang="ko-KR"/>
+    </a:p>
+  </c:txPr>
+  <c:externalData r:id="rId3">
+    <c:autoUpdate val="0"/>
+  </c:externalData>
+</c:chartSpace>
+</file>
+
+<file path=ppt/charts/chart8.xml><?xml version="1.0" encoding="utf-8"?>
+<c:chartSpace xmlns:c="http://schemas.openxmlformats.org/drawingml/2006/chart" xmlns:a="http://schemas.openxmlformats.org/drawingml/2006/main" xmlns:r="http://schemas.openxmlformats.org/officeDocument/2006/relationships" xmlns:c16r2="http://schemas.microsoft.com/office/drawing/2015/06/chart">
+  <c:date1904 val="0"/>
+  <c:lang val="ko-KR"/>
+  <c:roundedCorners val="0"/>
+  <mc:AlternateContent xmlns:mc="http://schemas.openxmlformats.org/markup-compatibility/2006">
+    <mc:Choice xmlns:c14="http://schemas.microsoft.com/office/drawing/2007/8/2/chart" Requires="c14">
+      <c14:style val="102"/>
+    </mc:Choice>
+    <mc:Fallback>
+      <c:style val="2"/>
+    </mc:Fallback>
+  </mc:AlternateContent>
+  <c:chart>
+    <c:title>
+      <c:overlay val="0"/>
+      <c:spPr>
+        <a:noFill/>
+        <a:ln>
+          <a:noFill/>
+        </a:ln>
+        <a:effectLst/>
+      </c:spPr>
+      <c:txPr>
+        <a:bodyPr rot="0" spcFirstLastPara="1" vertOverflow="ellipsis" vert="horz" wrap="square" anchor="ctr" anchorCtr="1"/>
+        <a:lstStyle/>
+        <a:p>
+          <a:pPr>
+            <a:defRPr sz="1862" b="0" i="0" u="none" strike="noStrike" kern="1200" spc="0" baseline="0">
+              <a:solidFill>
+                <a:schemeClr val="tx1">
+                  <a:lumMod val="65000"/>
+                  <a:lumOff val="35000"/>
+                </a:schemeClr>
+              </a:solidFill>
+              <a:latin typeface="+mn-lt"/>
+              <a:ea typeface="+mn-ea"/>
+              <a:cs typeface="+mn-cs"/>
+            </a:defRPr>
+          </a:pPr>
+          <a:endParaRPr lang="ko-KR"/>
+        </a:p>
+      </c:txPr>
+    </c:title>
+    <c:autoTitleDeleted val="0"/>
+    <c:plotArea>
+      <c:layout/>
+      <c:radarChart>
+        <c:radarStyle val="marker"/>
+        <c:varyColors val="0"/>
+        <c:ser>
+          <c:idx val="0"/>
+          <c:order val="0"/>
+          <c:tx>
+            <c:strRef>
+              <c:f>Sheet1!$B$1</c:f>
+              <c:strCache>
+                <c:ptCount val="1"/>
+                <c:pt idx="0">
+                  <c:v>계열 1</c:v>
+                </c:pt>
+              </c:strCache>
+            </c:strRef>
+          </c:tx>
+          <c:spPr>
+            <a:ln w="28575" cap="rnd">
+              <a:solidFill>
+                <a:schemeClr val="accent1"/>
+              </a:solidFill>
+              <a:round/>
+            </a:ln>
+            <a:effectLst/>
+          </c:spPr>
+          <c:marker>
+            <c:symbol val="none"/>
+          </c:marker>
+          <c:cat>
+            <c:numRef>
+              <c:f>Sheet1!$A$2:$A$6</c:f>
+              <c:numCache>
+                <c:formatCode>m/d/yy</c:formatCode>
+                <c:ptCount val="5"/>
+                <c:pt idx="0">
+                  <c:v>37377</c:v>
+                </c:pt>
+                <c:pt idx="1">
+                  <c:v>37408</c:v>
+                </c:pt>
+                <c:pt idx="2">
+                  <c:v>37438</c:v>
+                </c:pt>
+                <c:pt idx="3">
+                  <c:v>37469</c:v>
+                </c:pt>
+                <c:pt idx="4">
+                  <c:v>37500</c:v>
+                </c:pt>
+              </c:numCache>
+            </c:numRef>
+          </c:cat>
+          <c:val>
+            <c:numRef>
+              <c:f>Sheet1!$B$2:$B$6</c:f>
+              <c:numCache>
+                <c:formatCode>General</c:formatCode>
+                <c:ptCount val="5"/>
+                <c:pt idx="0">
+                  <c:v>32</c:v>
+                </c:pt>
+                <c:pt idx="1">
+                  <c:v>32</c:v>
+                </c:pt>
+                <c:pt idx="2">
+                  <c:v>28</c:v>
+                </c:pt>
+                <c:pt idx="3">
+                  <c:v>12</c:v>
+                </c:pt>
+                <c:pt idx="4">
+                  <c:v>15</c:v>
+                </c:pt>
+              </c:numCache>
+            </c:numRef>
+          </c:val>
+          <c:extLst>
+            <c:ext xmlns:c16="http://schemas.microsoft.com/office/drawing/2014/chart" uri="{C3380CC4-5D6E-409C-BE32-E72D297353CC}">
+              <c16:uniqueId val="{00000000-C829-234B-BE77-F3D9E5D581D8}"/>
+            </c:ext>
+          </c:extLst>
+        </c:ser>
+        <c:ser>
+          <c:idx val="1"/>
+          <c:order val="1"/>
+          <c:tx>
+            <c:strRef>
+              <c:f>Sheet1!$C$1</c:f>
+              <c:strCache>
+                <c:ptCount val="1"/>
+                <c:pt idx="0">
+                  <c:v>계열 2</c:v>
+                </c:pt>
+              </c:strCache>
+            </c:strRef>
+          </c:tx>
+          <c:spPr>
+            <a:ln w="28575" cap="rnd">
+              <a:solidFill>
+                <a:schemeClr val="accent2"/>
+              </a:solidFill>
+              <a:round/>
+            </a:ln>
+            <a:effectLst/>
+          </c:spPr>
+          <c:marker>
+            <c:symbol val="none"/>
+          </c:marker>
+          <c:cat>
+            <c:numRef>
+              <c:f>Sheet1!$A$2:$A$6</c:f>
+              <c:numCache>
+                <c:formatCode>m/d/yy</c:formatCode>
+                <c:ptCount val="5"/>
+                <c:pt idx="0">
+                  <c:v>37377</c:v>
+                </c:pt>
+                <c:pt idx="1">
+                  <c:v>37408</c:v>
+                </c:pt>
+                <c:pt idx="2">
+                  <c:v>37438</c:v>
+                </c:pt>
+                <c:pt idx="3">
+                  <c:v>37469</c:v>
+                </c:pt>
+                <c:pt idx="4">
+                  <c:v>37500</c:v>
+                </c:pt>
+              </c:numCache>
+            </c:numRef>
+          </c:cat>
+          <c:val>
+            <c:numRef>
+              <c:f>Sheet1!$C$2:$C$6</c:f>
+              <c:numCache>
+                <c:formatCode>General</c:formatCode>
+                <c:ptCount val="5"/>
+                <c:pt idx="0">
+                  <c:v>12</c:v>
+                </c:pt>
+                <c:pt idx="1">
+                  <c:v>12</c:v>
+                </c:pt>
+                <c:pt idx="2">
+                  <c:v>12</c:v>
+                </c:pt>
+                <c:pt idx="3">
+                  <c:v>21</c:v>
+                </c:pt>
+                <c:pt idx="4">
+                  <c:v>28</c:v>
+                </c:pt>
+              </c:numCache>
+            </c:numRef>
+          </c:val>
+          <c:extLst>
+            <c:ext xmlns:c16="http://schemas.microsoft.com/office/drawing/2014/chart" uri="{C3380CC4-5D6E-409C-BE32-E72D297353CC}">
+              <c16:uniqueId val="{00000001-C829-234B-BE77-F3D9E5D581D8}"/>
+            </c:ext>
+          </c:extLst>
+        </c:ser>
+        <c:dLbls>
+          <c:showLegendKey val="0"/>
+          <c:showVal val="0"/>
+          <c:showCatName val="0"/>
+          <c:showSerName val="0"/>
+          <c:showPercent val="0"/>
+          <c:showBubbleSize val="0"/>
+        </c:dLbls>
+        <c:axId val="526781616"/>
+        <c:axId val="527138192"/>
+      </c:radarChart>
+      <c:catAx>
+        <c:axId val="526781616"/>
+        <c:scaling>
+          <c:orientation val="minMax"/>
+        </c:scaling>
+        <c:delete val="0"/>
+        <c:axPos val="b"/>
+        <c:numFmt formatCode="m/d/yy" sourceLinked="1"/>
+        <c:majorTickMark val="none"/>
+        <c:minorTickMark val="none"/>
+        <c:tickLblPos val="nextTo"/>
+        <c:spPr>
+          <a:noFill/>
+          <a:ln w="9525" cap="flat" cmpd="sng" algn="ctr">
+            <a:solidFill>
+              <a:schemeClr val="tx1">
+                <a:lumMod val="15000"/>
+                <a:lumOff val="85000"/>
+              </a:schemeClr>
+            </a:solidFill>
+            <a:round/>
+          </a:ln>
+          <a:effectLst/>
+        </c:spPr>
+        <c:txPr>
+          <a:bodyPr rot="-60000000" spcFirstLastPara="1" vertOverflow="ellipsis" vert="horz" wrap="square" anchor="ctr" anchorCtr="1"/>
+          <a:lstStyle/>
+          <a:p>
+            <a:pPr>
+              <a:defRPr sz="1197" b="0" i="0" u="none" strike="noStrike" kern="1200" baseline="0">
+                <a:solidFill>
+                  <a:schemeClr val="tx1">
+                    <a:lumMod val="65000"/>
+                    <a:lumOff val="35000"/>
+                  </a:schemeClr>
+                </a:solidFill>
+                <a:latin typeface="+mn-lt"/>
+                <a:ea typeface="+mn-ea"/>
+                <a:cs typeface="+mn-cs"/>
+              </a:defRPr>
+            </a:pPr>
+            <a:endParaRPr lang="ko-KR"/>
+          </a:p>
+        </c:txPr>
+        <c:crossAx val="527138192"/>
+        <c:crosses val="autoZero"/>
+        <c:auto val="1"/>
+        <c:lblAlgn val="ctr"/>
+        <c:lblOffset val="100"/>
+        <c:noMultiLvlLbl val="0"/>
+      </c:catAx>
+      <c:valAx>
+        <c:axId val="527138192"/>
+        <c:scaling>
+          <c:orientation val="minMax"/>
+        </c:scaling>
+        <c:delete val="0"/>
+        <c:axPos val="l"/>
+        <c:majorGridlines>
+          <c:spPr>
+            <a:ln w="9525" cap="flat" cmpd="sng" algn="ctr">
+              <a:solidFill>
+                <a:schemeClr val="tx1">
+                  <a:lumMod val="15000"/>
+                  <a:lumOff val="85000"/>
+                </a:schemeClr>
+              </a:solidFill>
+              <a:round/>
+            </a:ln>
+            <a:effectLst/>
+          </c:spPr>
+        </c:majorGridlines>
+        <c:numFmt formatCode="General" sourceLinked="1"/>
+        <c:majorTickMark val="none"/>
+        <c:minorTickMark val="none"/>
+        <c:tickLblPos val="nextTo"/>
+        <c:spPr>
+          <a:noFill/>
+          <a:ln>
+            <a:noFill/>
+          </a:ln>
+          <a:effectLst/>
+        </c:spPr>
+        <c:txPr>
+          <a:bodyPr rot="-60000000" spcFirstLastPara="1" vertOverflow="ellipsis" vert="horz" wrap="square" anchor="ctr" anchorCtr="1"/>
+          <a:lstStyle/>
+          <a:p>
+            <a:pPr>
+              <a:defRPr sz="1197" b="0" i="0" u="none" strike="noStrike" kern="1200" baseline="0">
+                <a:solidFill>
+                  <a:schemeClr val="tx1">
+                    <a:lumMod val="65000"/>
+                    <a:lumOff val="35000"/>
+                  </a:schemeClr>
+                </a:solidFill>
+                <a:latin typeface="+mn-lt"/>
+                <a:ea typeface="+mn-ea"/>
+                <a:cs typeface="+mn-cs"/>
+              </a:defRPr>
+            </a:pPr>
+            <a:endParaRPr lang="ko-KR"/>
+          </a:p>
+        </c:txPr>
+        <c:crossAx val="526781616"/>
+        <c:crosses val="autoZero"/>
+        <c:crossBetween val="between"/>
+      </c:valAx>
+      <c:spPr>
+        <a:noFill/>
+        <a:ln>
+          <a:noFill/>
+        </a:ln>
+        <a:effectLst/>
+      </c:spPr>
+    </c:plotArea>
+    <c:legend>
+      <c:legendPos val="t"/>
+      <c:overlay val="0"/>
+      <c:spPr>
+        <a:noFill/>
+        <a:ln>
+          <a:noFill/>
+        </a:ln>
+        <a:effectLst/>
+      </c:spPr>
+      <c:txPr>
+        <a:bodyPr rot="0" spcFirstLastPara="1" vertOverflow="ellipsis" vert="horz" wrap="square" anchor="ctr" anchorCtr="1"/>
+        <a:lstStyle/>
+        <a:p>
+          <a:pPr>
+            <a:defRPr sz="1197" b="0" i="0" u="none" strike="noStrike" kern="1200" baseline="0">
+              <a:solidFill>
+                <a:schemeClr val="tx1">
+                  <a:lumMod val="65000"/>
+                  <a:lumOff val="35000"/>
+                </a:schemeClr>
+              </a:solidFill>
+              <a:latin typeface="+mn-lt"/>
+              <a:ea typeface="+mn-ea"/>
+              <a:cs typeface="+mn-cs"/>
+            </a:defRPr>
+          </a:pPr>
+          <a:endParaRPr lang="ko-KR"/>
+        </a:p>
+      </c:txPr>
+    </c:legend>
+    <c:plotVisOnly val="1"/>
+    <c:dispBlanksAs val="gap"/>
+    <c:extLst>
+      <c:ext xmlns:c16r3="http://schemas.microsoft.com/office/drawing/2017/03/chart" uri="{56B9EC1D-385E-4148-901F-78D8002777C0}">
+        <c16r3:dataDisplayOptions16>
+          <c16r3:dispNaAsBlank val="1"/>
+        </c16r3:dataDisplayOptions16>
+      </c:ext>
+    </c:extLst>
+    <c:showDLblsOverMax val="0"/>
+  </c:chart>
+  <c:spPr>
+    <a:noFill/>
+    <a:ln>
+      <a:noFill/>
+    </a:ln>
+    <a:effectLst/>
+  </c:spPr>
+  <c:txPr>
+    <a:bodyPr/>
+    <a:lstStyle/>
+    <a:p>
+      <a:pPr>
+        <a:defRPr/>
+      </a:pPr>
+      <a:endParaRPr lang="ko-KR"/>
+    </a:p>
+  </c:txPr>
+  <c:externalData r:id="rId3">
+    <c:autoUpdate val="0"/>
+  </c:externalData>
+</c:chartSpace>
+</file>
+
+<file path=ppt/charts/chart9.xml><?xml version="1.0" encoding="utf-8"?>
+<c:chartSpace xmlns:c="http://schemas.openxmlformats.org/drawingml/2006/chart" xmlns:a="http://schemas.openxmlformats.org/drawingml/2006/main" xmlns:r="http://schemas.openxmlformats.org/officeDocument/2006/relationships" xmlns:c16r2="http://schemas.microsoft.com/office/drawing/2015/06/chart">
+  <c:date1904 val="0"/>
+  <c:lang val="ko-KR"/>
+  <c:roundedCorners val="0"/>
+  <mc:AlternateContent xmlns:mc="http://schemas.openxmlformats.org/markup-compatibility/2006">
+    <mc:Choice xmlns:c14="http://schemas.microsoft.com/office/drawing/2007/8/2/chart" Requires="c14">
+      <c14:style val="102"/>
+    </mc:Choice>
+    <mc:Fallback>
+      <c:style val="2"/>
+    </mc:Fallback>
+  </mc:AlternateContent>
+  <c:chart>
+    <c:title>
+      <c:overlay val="0"/>
+      <c:spPr>
+        <a:noFill/>
+        <a:ln>
+          <a:noFill/>
+        </a:ln>
+        <a:effectLst/>
+      </c:spPr>
+      <c:txPr>
+        <a:bodyPr rot="0" spcFirstLastPara="1" vertOverflow="ellipsis" vert="horz" wrap="square" anchor="ctr" anchorCtr="1"/>
+        <a:lstStyle/>
+        <a:p>
+          <a:pPr>
+            <a:defRPr sz="1862" b="0" i="0" u="none" strike="noStrike" kern="1200" spc="0" baseline="0">
+              <a:solidFill>
+                <a:schemeClr val="tx1">
+                  <a:lumMod val="65000"/>
+                  <a:lumOff val="35000"/>
+                </a:schemeClr>
+              </a:solidFill>
+              <a:latin typeface="+mn-lt"/>
+              <a:ea typeface="+mn-ea"/>
+              <a:cs typeface="+mn-cs"/>
+            </a:defRPr>
+          </a:pPr>
+          <a:endParaRPr lang="ko-KR"/>
+        </a:p>
+      </c:txPr>
+    </c:title>
+    <c:autoTitleDeleted val="0"/>
+    <c:plotArea>
+      <c:layout/>
+      <c:barChart>
+        <c:barDir val="col"/>
+        <c:grouping val="clustered"/>
+        <c:varyColors val="0"/>
+        <c:ser>
+          <c:idx val="0"/>
+          <c:order val="0"/>
+          <c:tx>
+            <c:strRef>
+              <c:f>Sheet1!$B$1</c:f>
+              <c:strCache>
+                <c:ptCount val="1"/>
+                <c:pt idx="0">
+                  <c:v>계열 1</c:v>
+                </c:pt>
+              </c:strCache>
+            </c:strRef>
+          </c:tx>
+          <c:spPr>
+            <a:solidFill>
+              <a:schemeClr val="accent1"/>
+            </a:solidFill>
+            <a:ln>
+              <a:noFill/>
+            </a:ln>
+            <a:effectLst/>
+          </c:spPr>
+          <c:invertIfNegative val="0"/>
+          <c:cat>
+            <c:strRef>
+              <c:f>Sheet1!$A$2:$A$5</c:f>
+              <c:strCache>
+                <c:ptCount val="4"/>
+                <c:pt idx="0">
+                  <c:v>항목 1</c:v>
+                </c:pt>
+                <c:pt idx="1">
+                  <c:v>항목 2</c:v>
+                </c:pt>
+                <c:pt idx="2">
+                  <c:v>항목 3</c:v>
+                </c:pt>
+                <c:pt idx="3">
+                  <c:v>항목 4</c:v>
+                </c:pt>
+              </c:strCache>
+            </c:strRef>
+          </c:cat>
+          <c:val>
+            <c:numRef>
+              <c:f>Sheet1!$B$2:$B$5</c:f>
+              <c:numCache>
+                <c:formatCode>General</c:formatCode>
+                <c:ptCount val="4"/>
+                <c:pt idx="0">
+                  <c:v>4.3</c:v>
+                </c:pt>
+                <c:pt idx="1">
+                  <c:v>2.5</c:v>
+                </c:pt>
+                <c:pt idx="2">
+                  <c:v>3.5</c:v>
+                </c:pt>
+                <c:pt idx="3">
+                  <c:v>4.5</c:v>
+                </c:pt>
+              </c:numCache>
+            </c:numRef>
+          </c:val>
+          <c:extLst>
+            <c:ext xmlns:c16="http://schemas.microsoft.com/office/drawing/2014/chart" uri="{C3380CC4-5D6E-409C-BE32-E72D297353CC}">
+              <c16:uniqueId val="{00000000-BF7F-2642-A57D-4F9FFB5D6A6D}"/>
+            </c:ext>
+          </c:extLst>
+        </c:ser>
+        <c:ser>
+          <c:idx val="1"/>
+          <c:order val="1"/>
+          <c:tx>
+            <c:strRef>
+              <c:f>Sheet1!$C$1</c:f>
+              <c:strCache>
+                <c:ptCount val="1"/>
+                <c:pt idx="0">
+                  <c:v>계열 2</c:v>
+                </c:pt>
+              </c:strCache>
+            </c:strRef>
+          </c:tx>
+          <c:spPr>
+            <a:solidFill>
+              <a:schemeClr val="accent2"/>
+            </a:solidFill>
+            <a:ln>
+              <a:noFill/>
+            </a:ln>
+            <a:effectLst/>
+          </c:spPr>
+          <c:invertIfNegative val="0"/>
+          <c:cat>
+            <c:strRef>
+              <c:f>Sheet1!$A$2:$A$5</c:f>
+              <c:strCache>
+                <c:ptCount val="4"/>
+                <c:pt idx="0">
+                  <c:v>항목 1</c:v>
+                </c:pt>
+                <c:pt idx="1">
+                  <c:v>항목 2</c:v>
+                </c:pt>
+                <c:pt idx="2">
+                  <c:v>항목 3</c:v>
+                </c:pt>
+                <c:pt idx="3">
+                  <c:v>항목 4</c:v>
+                </c:pt>
+              </c:strCache>
+            </c:strRef>
+          </c:cat>
+          <c:val>
+            <c:numRef>
+              <c:f>Sheet1!$C$2:$C$5</c:f>
+              <c:numCache>
+                <c:formatCode>General</c:formatCode>
+                <c:ptCount val="4"/>
+                <c:pt idx="0">
+                  <c:v>2.4</c:v>
+                </c:pt>
+                <c:pt idx="1">
+                  <c:v>4.4000000000000004</c:v>
+                </c:pt>
+                <c:pt idx="2">
+                  <c:v>1.8</c:v>
+                </c:pt>
+                <c:pt idx="3">
+                  <c:v>2.8</c:v>
+                </c:pt>
+              </c:numCache>
+            </c:numRef>
+          </c:val>
+          <c:extLst>
+            <c:ext xmlns:c16="http://schemas.microsoft.com/office/drawing/2014/chart" uri="{C3380CC4-5D6E-409C-BE32-E72D297353CC}">
+              <c16:uniqueId val="{00000001-BF7F-2642-A57D-4F9FFB5D6A6D}"/>
+            </c:ext>
+          </c:extLst>
+        </c:ser>
+        <c:dLbls>
+          <c:showLegendKey val="0"/>
+          <c:showVal val="0"/>
+          <c:showCatName val="0"/>
+          <c:showSerName val="0"/>
+          <c:showPercent val="0"/>
+          <c:showBubbleSize val="0"/>
+        </c:dLbls>
+        <c:gapWidth val="154"/>
+        <c:overlap val="46"/>
+        <c:axId val="430844320"/>
+        <c:axId val="853444080"/>
+      </c:barChart>
+      <c:lineChart>
+        <c:grouping val="standard"/>
+        <c:varyColors val="0"/>
+        <c:ser>
+          <c:idx val="2"/>
+          <c:order val="2"/>
+          <c:tx>
+            <c:strRef>
+              <c:f>Sheet1!$D$1</c:f>
+              <c:strCache>
+                <c:ptCount val="1"/>
+                <c:pt idx="0">
+                  <c:v>계열 3</c:v>
+                </c:pt>
+              </c:strCache>
+            </c:strRef>
+          </c:tx>
+          <c:spPr>
+            <a:ln w="28575" cap="rnd">
+              <a:solidFill>
+                <a:schemeClr val="accent3"/>
+              </a:solidFill>
+              <a:round/>
+            </a:ln>
+            <a:effectLst/>
+          </c:spPr>
+          <c:marker>
+            <c:symbol val="none"/>
+          </c:marker>
+          <c:cat>
+            <c:strRef>
+              <c:f>Sheet1!$A$2:$A$5</c:f>
+              <c:strCache>
+                <c:ptCount val="4"/>
+                <c:pt idx="0">
+                  <c:v>항목 1</c:v>
+                </c:pt>
+                <c:pt idx="1">
+                  <c:v>항목 2</c:v>
+                </c:pt>
+                <c:pt idx="2">
+                  <c:v>항목 3</c:v>
+                </c:pt>
+                <c:pt idx="3">
+                  <c:v>항목 4</c:v>
+                </c:pt>
+              </c:strCache>
+            </c:strRef>
+          </c:cat>
+          <c:val>
+            <c:numRef>
+              <c:f>Sheet1!$D$2:$D$5</c:f>
+              <c:numCache>
+                <c:formatCode>General</c:formatCode>
+                <c:ptCount val="4"/>
+                <c:pt idx="0">
+                  <c:v>2</c:v>
+                </c:pt>
+                <c:pt idx="1">
+                  <c:v>2</c:v>
+                </c:pt>
+                <c:pt idx="2">
+                  <c:v>3</c:v>
+                </c:pt>
+                <c:pt idx="3">
+                  <c:v>5</c:v>
+                </c:pt>
+              </c:numCache>
+            </c:numRef>
+          </c:val>
+          <c:smooth val="0"/>
+          <c:extLst>
+            <c:ext xmlns:c16="http://schemas.microsoft.com/office/drawing/2014/chart" uri="{C3380CC4-5D6E-409C-BE32-E72D297353CC}">
+              <c16:uniqueId val="{00000002-BF7F-2642-A57D-4F9FFB5D6A6D}"/>
+            </c:ext>
+          </c:extLst>
+        </c:ser>
+        <c:dLbls>
+          <c:showLegendKey val="0"/>
+          <c:showVal val="0"/>
+          <c:showCatName val="0"/>
+          <c:showSerName val="0"/>
+          <c:showPercent val="0"/>
+          <c:showBubbleSize val="0"/>
+        </c:dLbls>
+        <c:marker val="1"/>
+        <c:smooth val="0"/>
+        <c:axId val="433156608"/>
+        <c:axId val="524409824"/>
+      </c:lineChart>
+      <c:catAx>
+        <c:axId val="430844320"/>
+        <c:scaling>
+          <c:orientation val="minMax"/>
+        </c:scaling>
+        <c:delete val="0"/>
+        <c:axPos val="b"/>
+        <c:numFmt formatCode="General" sourceLinked="1"/>
+        <c:majorTickMark val="none"/>
+        <c:minorTickMark val="none"/>
+        <c:tickLblPos val="nextTo"/>
+        <c:spPr>
+          <a:noFill/>
+          <a:ln w="9525" cap="flat" cmpd="sng" algn="ctr">
+            <a:solidFill>
+              <a:schemeClr val="tx1">
+                <a:lumMod val="15000"/>
+                <a:lumOff val="85000"/>
+              </a:schemeClr>
+            </a:solidFill>
+            <a:round/>
+          </a:ln>
+          <a:effectLst/>
+        </c:spPr>
+        <c:txPr>
+          <a:bodyPr rot="-60000000" spcFirstLastPara="1" vertOverflow="ellipsis" vert="horz" wrap="square" anchor="ctr" anchorCtr="1"/>
+          <a:lstStyle/>
+          <a:p>
+            <a:pPr>
+              <a:defRPr sz="1197" b="0" i="0" u="none" strike="noStrike" kern="1200" baseline="0">
+                <a:solidFill>
+                  <a:schemeClr val="tx1">
+                    <a:lumMod val="65000"/>
+                    <a:lumOff val="35000"/>
+                  </a:schemeClr>
+                </a:solidFill>
+                <a:latin typeface="+mn-lt"/>
+                <a:ea typeface="+mn-ea"/>
+                <a:cs typeface="+mn-cs"/>
+              </a:defRPr>
+            </a:pPr>
+            <a:endParaRPr lang="ko-KR"/>
+          </a:p>
+        </c:txPr>
+        <c:crossAx val="853444080"/>
+        <c:crosses val="autoZero"/>
+        <c:auto val="1"/>
+        <c:lblAlgn val="ctr"/>
+        <c:lblOffset val="100"/>
+        <c:noMultiLvlLbl val="0"/>
+      </c:catAx>
+      <c:valAx>
+        <c:axId val="853444080"/>
+        <c:scaling>
+          <c:orientation val="minMax"/>
+        </c:scaling>
+        <c:delete val="0"/>
+        <c:axPos val="l"/>
+        <c:majorGridlines>
+          <c:spPr>
+            <a:ln w="9525" cap="flat" cmpd="sng" algn="ctr">
+              <a:solidFill>
+                <a:schemeClr val="tx1">
+                  <a:lumMod val="15000"/>
+                  <a:lumOff val="85000"/>
+                </a:schemeClr>
+              </a:solidFill>
+              <a:round/>
+            </a:ln>
+            <a:effectLst/>
+          </c:spPr>
+        </c:majorGridlines>
+        <c:numFmt formatCode="General" sourceLinked="1"/>
+        <c:majorTickMark val="none"/>
+        <c:minorTickMark val="none"/>
+        <c:tickLblPos val="nextTo"/>
+        <c:spPr>
+          <a:noFill/>
+          <a:ln>
+            <a:noFill/>
+          </a:ln>
+          <a:effectLst/>
+        </c:spPr>
+        <c:txPr>
+          <a:bodyPr rot="-60000000" spcFirstLastPara="1" vertOverflow="ellipsis" vert="horz" wrap="square" anchor="ctr" anchorCtr="1"/>
+          <a:lstStyle/>
+          <a:p>
+            <a:pPr>
+              <a:defRPr sz="1197" b="0" i="0" u="none" strike="noStrike" kern="1200" baseline="0">
+                <a:solidFill>
+                  <a:schemeClr val="tx1">
+                    <a:lumMod val="65000"/>
+                    <a:lumOff val="35000"/>
+                  </a:schemeClr>
+                </a:solidFill>
+                <a:latin typeface="+mn-lt"/>
+                <a:ea typeface="+mn-ea"/>
+                <a:cs typeface="+mn-cs"/>
+              </a:defRPr>
+            </a:pPr>
+            <a:endParaRPr lang="ko-KR"/>
+          </a:p>
+        </c:txPr>
+        <c:crossAx val="430844320"/>
+        <c:crosses val="autoZero"/>
+        <c:crossBetween val="between"/>
+      </c:valAx>
+      <c:valAx>
+        <c:axId val="524409824"/>
+        <c:scaling>
+          <c:orientation val="minMax"/>
+        </c:scaling>
+        <c:delete val="0"/>
+        <c:axPos val="r"/>
+        <c:numFmt formatCode="General" sourceLinked="1"/>
+        <c:majorTickMark val="none"/>
+        <c:minorTickMark val="none"/>
+        <c:tickLblPos val="nextTo"/>
+        <c:spPr>
+          <a:noFill/>
+          <a:ln>
+            <a:noFill/>
+          </a:ln>
+          <a:effectLst/>
+        </c:spPr>
+        <c:txPr>
+          <a:bodyPr rot="-60000000" spcFirstLastPara="1" vertOverflow="ellipsis" vert="horz" wrap="square" anchor="ctr" anchorCtr="1"/>
+          <a:lstStyle/>
+          <a:p>
+            <a:pPr>
+              <a:defRPr sz="1197" b="0" i="0" u="none" strike="noStrike" kern="1200" baseline="0">
+                <a:solidFill>
+                  <a:schemeClr val="tx1">
+                    <a:lumMod val="65000"/>
+                    <a:lumOff val="35000"/>
+                  </a:schemeClr>
+                </a:solidFill>
+                <a:latin typeface="+mn-lt"/>
+                <a:ea typeface="+mn-ea"/>
+                <a:cs typeface="+mn-cs"/>
+              </a:defRPr>
+            </a:pPr>
+            <a:endParaRPr lang="ko-KR"/>
+          </a:p>
+        </c:txPr>
+        <c:crossAx val="433156608"/>
+        <c:crosses val="max"/>
+        <c:crossBetween val="between"/>
+      </c:valAx>
+      <c:catAx>
+        <c:axId val="433156608"/>
+        <c:scaling>
+          <c:orientation val="minMax"/>
+        </c:scaling>
+        <c:delete val="1"/>
+        <c:axPos val="b"/>
+        <c:numFmt formatCode="General" sourceLinked="1"/>
+        <c:majorTickMark val="none"/>
+        <c:minorTickMark val="none"/>
+        <c:tickLblPos val="nextTo"/>
+        <c:crossAx val="524409824"/>
+        <c:crosses val="autoZero"/>
+        <c:auto val="1"/>
+        <c:lblAlgn val="ctr"/>
+        <c:lblOffset val="100"/>
+        <c:noMultiLvlLbl val="0"/>
+      </c:catAx>
+      <c:spPr>
+        <a:noFill/>
+        <a:ln>
+          <a:noFill/>
+        </a:ln>
+        <a:effectLst/>
+      </c:spPr>
+    </c:plotArea>
+    <c:legend>
+      <c:legendPos val="b"/>
+      <c:overlay val="0"/>
+      <c:spPr>
+        <a:noFill/>
+        <a:ln>
+          <a:noFill/>
+        </a:ln>
+        <a:effectLst/>
+      </c:spPr>
+      <c:txPr>
+        <a:bodyPr rot="0" spcFirstLastPara="1" vertOverflow="ellipsis" vert="horz" wrap="square" anchor="ctr" anchorCtr="1"/>
+        <a:lstStyle/>
+        <a:p>
+          <a:pPr>
+            <a:defRPr sz="1197" b="0" i="0" u="none" strike="noStrike" kern="1200" baseline="0">
+              <a:solidFill>
+                <a:schemeClr val="tx1">
+                  <a:lumMod val="65000"/>
+                  <a:lumOff val="35000"/>
+                </a:schemeClr>
+              </a:solidFill>
+              <a:latin typeface="+mn-lt"/>
+              <a:ea typeface="+mn-ea"/>
+              <a:cs typeface="+mn-cs"/>
+            </a:defRPr>
+          </a:pPr>
+          <a:endParaRPr lang="ko-KR"/>
+        </a:p>
+      </c:txPr>
+    </c:legend>
+    <c:plotVisOnly val="1"/>
+    <c:dispBlanksAs val="gap"/>
+    <c:extLst>
+      <c:ext xmlns:c16r3="http://schemas.microsoft.com/office/drawing/2017/03/chart" uri="{56B9EC1D-385E-4148-901F-78D8002777C0}">
+        <c16r3:dataDisplayOptions16>
+          <c16r3:dispNaAsBlank val="1"/>
+        </c16r3:dataDisplayOptions16>
+      </c:ext>
+    </c:extLst>
+    <c:showDLblsOverMax val="0"/>
+  </c:chart>
+  <c:spPr>
+    <a:noFill/>
+    <a:ln>
+      <a:noFill/>
+    </a:ln>
+    <a:effectLst/>
+  </c:spPr>
+  <c:txPr>
+    <a:bodyPr/>
+    <a:lstStyle/>
+    <a:p>
+      <a:pPr>
+        <a:defRPr/>
+      </a:pPr>
+      <a:endParaRPr lang="ko-KR"/>
+    </a:p>
+  </c:txPr>
+  <c:externalData r:id="rId3">
+    <c:autoUpdate val="0"/>
+  </c:externalData>
+</c:chartSpace>
+</file>
+
 <file path=ppt/charts/colors1.xml><?xml version="1.0" encoding="utf-8"?>
+<cs:colorStyle xmlns:cs="http://schemas.microsoft.com/office/drawing/2012/chartStyle" xmlns:a="http://schemas.openxmlformats.org/drawingml/2006/main" meth="cycle" id="10">
+  <a:schemeClr val="accent1"/>
+  <a:schemeClr val="accent2"/>
+  <a:schemeClr val="accent3"/>
+  <a:schemeClr val="accent4"/>
+  <a:schemeClr val="accent5"/>
+  <a:schemeClr val="accent6"/>
+  <cs:variation/>
+  <cs:variation>
+    <a:lumMod val="60000"/>
+  </cs:variation>
+  <cs:variation>
+    <a:lumMod val="80000"/>
+    <a:lumOff val="20000"/>
+  </cs:variation>
+  <cs:variation>
+    <a:lumMod val="80000"/>
+  </cs:variation>
+  <cs:variation>
+    <a:lumMod val="60000"/>
+    <a:lumOff val="40000"/>
+  </cs:variation>
+  <cs:variation>
+    <a:lumMod val="50000"/>
+  </cs:variation>
+  <cs:variation>
+    <a:lumMod val="70000"/>
+    <a:lumOff val="30000"/>
+  </cs:variation>
+  <cs:variation>
+    <a:lumMod val="70000"/>
+  </cs:variation>
+  <cs:variation>
+    <a:lumMod val="50000"/>
+    <a:lumOff val="50000"/>
+  </cs:variation>
+</cs:colorStyle>
+</file>
+
+<file path=ppt/charts/colors10.xml><?xml version="1.0" encoding="utf-8"?>
+<cs:colorStyle xmlns:cs="http://schemas.microsoft.com/office/drawing/2012/chartStyle" xmlns:a="http://schemas.openxmlformats.org/drawingml/2006/main" meth="cycle" id="10">
+  <a:schemeClr val="accent1"/>
+  <a:schemeClr val="accent2"/>
+  <a:schemeClr val="accent3"/>
+  <a:schemeClr val="accent4"/>
+  <a:schemeClr val="accent5"/>
+  <a:schemeClr val="accent6"/>
+  <cs:variation/>
+  <cs:variation>
+    <a:lumMod val="60000"/>
+  </cs:variation>
+  <cs:variation>
+    <a:lumMod val="80000"/>
+    <a:lumOff val="20000"/>
+  </cs:variation>
+  <cs:variation>
+    <a:lumMod val="80000"/>
+  </cs:variation>
+  <cs:variation>
+    <a:lumMod val="60000"/>
+    <a:lumOff val="40000"/>
+  </cs:variation>
+  <cs:variation>
+    <a:lumMod val="50000"/>
+  </cs:variation>
+  <cs:variation>
+    <a:lumMod val="70000"/>
+    <a:lumOff val="30000"/>
+  </cs:variation>
+  <cs:variation>
+    <a:lumMod val="70000"/>
+  </cs:variation>
+  <cs:variation>
+    <a:lumMod val="50000"/>
+    <a:lumOff val="50000"/>
+  </cs:variation>
+</cs:colorStyle>
+</file>
+
+<file path=ppt/charts/colors11.xml><?xml version="1.0" encoding="utf-8"?>
+<cs:colorStyle xmlns:cs="http://schemas.microsoft.com/office/drawing/2012/chartStyle" xmlns:a="http://schemas.openxmlformats.org/drawingml/2006/main" meth="cycle" id="10">
+  <a:schemeClr val="accent1"/>
+  <a:schemeClr val="accent2"/>
+  <a:schemeClr val="accent3"/>
+  <a:schemeClr val="accent4"/>
+  <a:schemeClr val="accent5"/>
+  <a:schemeClr val="accent6"/>
+  <cs:variation/>
+  <cs:variation>
+    <a:lumMod val="60000"/>
+  </cs:variation>
+  <cs:variation>
+    <a:lumMod val="80000"/>
+    <a:lumOff val="20000"/>
+  </cs:variation>
+  <cs:variation>
+    <a:lumMod val="80000"/>
+  </cs:variation>
+  <cs:variation>
+    <a:lumMod val="60000"/>
+    <a:lumOff val="40000"/>
+  </cs:variation>
+  <cs:variation>
+    <a:lumMod val="50000"/>
+  </cs:variation>
+  <cs:variation>
+    <a:lumMod val="70000"/>
+    <a:lumOff val="30000"/>
+  </cs:variation>
+  <cs:variation>
+    <a:lumMod val="70000"/>
+  </cs:variation>
+  <cs:variation>
+    <a:lumMod val="50000"/>
+    <a:lumOff val="50000"/>
+  </cs:variation>
+</cs:colorStyle>
+</file>
+
+<file path=ppt/charts/colors2.xml><?xml version="1.0" encoding="utf-8"?>
+<cs:colorStyle xmlns:cs="http://schemas.microsoft.com/office/drawing/2012/chartStyle" xmlns:a="http://schemas.openxmlformats.org/drawingml/2006/main" meth="cycle" id="10">
+  <a:schemeClr val="accent1"/>
+  <a:schemeClr val="accent2"/>
+  <a:schemeClr val="accent3"/>
+  <a:schemeClr val="accent4"/>
+  <a:schemeClr val="accent5"/>
+  <a:schemeClr val="accent6"/>
+  <cs:variation/>
+  <cs:variation>
+    <a:lumMod val="60000"/>
+  </cs:variation>
+  <cs:variation>
+    <a:lumMod val="80000"/>
+    <a:lumOff val="20000"/>
+  </cs:variation>
+  <cs:variation>
+    <a:lumMod val="80000"/>
+  </cs:variation>
+  <cs:variation>
+    <a:lumMod val="60000"/>
+    <a:lumOff val="40000"/>
+  </cs:variation>
+  <cs:variation>
+    <a:lumMod val="50000"/>
+  </cs:variation>
+  <cs:variation>
+    <a:lumMod val="70000"/>
+    <a:lumOff val="30000"/>
+  </cs:variation>
+  <cs:variation>
+    <a:lumMod val="70000"/>
+  </cs:variation>
+  <cs:variation>
+    <a:lumMod val="50000"/>
+    <a:lumOff val="50000"/>
+  </cs:variation>
+</cs:colorStyle>
+</file>
+
+<file path=ppt/charts/colors3.xml><?xml version="1.0" encoding="utf-8"?>
+<cs:colorStyle xmlns:cs="http://schemas.microsoft.com/office/drawing/2012/chartStyle" xmlns:a="http://schemas.openxmlformats.org/drawingml/2006/main" meth="cycle" id="10">
+  <a:schemeClr val="accent1"/>
+  <a:schemeClr val="accent2"/>
+  <a:schemeClr val="accent3"/>
+  <a:schemeClr val="accent4"/>
+  <a:schemeClr val="accent5"/>
+  <a:schemeClr val="accent6"/>
+  <cs:variation/>
+  <cs:variation>
+    <a:lumMod val="60000"/>
+  </cs:variation>
+  <cs:variation>
+    <a:lumMod val="80000"/>
+    <a:lumOff val="20000"/>
+  </cs:variation>
+  <cs:variation>
+    <a:lumMod val="80000"/>
+  </cs:variation>
+  <cs:variation>
+    <a:lumMod val="60000"/>
+    <a:lumOff val="40000"/>
+  </cs:variation>
+  <cs:variation>
+    <a:lumMod val="50000"/>
+  </cs:variation>
+  <cs:variation>
+    <a:lumMod val="70000"/>
+    <a:lumOff val="30000"/>
+  </cs:variation>
+  <cs:variation>
+    <a:lumMod val="70000"/>
+  </cs:variation>
+  <cs:variation>
+    <a:lumMod val="50000"/>
+    <a:lumOff val="50000"/>
+  </cs:variation>
+</cs:colorStyle>
+</file>
+
+<file path=ppt/charts/colors4.xml><?xml version="1.0" encoding="utf-8"?>
+<cs:colorStyle xmlns:cs="http://schemas.microsoft.com/office/drawing/2012/chartStyle" xmlns:a="http://schemas.openxmlformats.org/drawingml/2006/main" meth="cycle" id="10">
+  <a:schemeClr val="accent1"/>
+  <a:schemeClr val="accent2"/>
+  <a:schemeClr val="accent3"/>
+  <a:schemeClr val="accent4"/>
+  <a:schemeClr val="accent5"/>
+  <a:schemeClr val="accent6"/>
+  <cs:variation/>
+  <cs:variation>
+    <a:lumMod val="60000"/>
+  </cs:variation>
+  <cs:variation>
+    <a:lumMod val="80000"/>
+    <a:lumOff val="20000"/>
+  </cs:variation>
+  <cs:variation>
+    <a:lumMod val="80000"/>
+  </cs:variation>
+  <cs:variation>
+    <a:lumMod val="60000"/>
+    <a:lumOff val="40000"/>
+  </cs:variation>
+  <cs:variation>
+    <a:lumMod val="50000"/>
+  </cs:variation>
+  <cs:variation>
+    <a:lumMod val="70000"/>
+    <a:lumOff val="30000"/>
+  </cs:variation>
+  <cs:variation>
+    <a:lumMod val="70000"/>
+  </cs:variation>
+  <cs:variation>
+    <a:lumMod val="50000"/>
+    <a:lumOff val="50000"/>
+  </cs:variation>
+</cs:colorStyle>
+</file>
+
+<file path=ppt/charts/colors5.xml><?xml version="1.0" encoding="utf-8"?>
+<cs:colorStyle xmlns:cs="http://schemas.microsoft.com/office/drawing/2012/chartStyle" xmlns:a="http://schemas.openxmlformats.org/drawingml/2006/main" meth="cycle" id="10">
+  <a:schemeClr val="accent1"/>
+  <a:schemeClr val="accent2"/>
+  <a:schemeClr val="accent3"/>
+  <a:schemeClr val="accent4"/>
+  <a:schemeClr val="accent5"/>
+  <a:schemeClr val="accent6"/>
+  <cs:variation/>
+  <cs:variation>
+    <a:lumMod val="60000"/>
+  </cs:variation>
+  <cs:variation>
+    <a:lumMod val="80000"/>
+    <a:lumOff val="20000"/>
+  </cs:variation>
+  <cs:variation>
+    <a:lumMod val="80000"/>
+  </cs:variation>
+  <cs:variation>
+    <a:lumMod val="60000"/>
+    <a:lumOff val="40000"/>
+  </cs:variation>
+  <cs:variation>
+    <a:lumMod val="50000"/>
+  </cs:variation>
+  <cs:variation>
+    <a:lumMod val="70000"/>
+    <a:lumOff val="30000"/>
+  </cs:variation>
+  <cs:variation>
+    <a:lumMod val="70000"/>
+  </cs:variation>
+  <cs:variation>
+    <a:lumMod val="50000"/>
+    <a:lumOff val="50000"/>
+  </cs:variation>
+</cs:colorStyle>
+</file>
+
+<file path=ppt/charts/colors6.xml><?xml version="1.0" encoding="utf-8"?>
+<cs:colorStyle xmlns:cs="http://schemas.microsoft.com/office/drawing/2012/chartStyle" xmlns:a="http://schemas.openxmlformats.org/drawingml/2006/main" meth="cycle" id="10">
+  <a:schemeClr val="accent1"/>
+  <a:schemeClr val="accent2"/>
+  <a:schemeClr val="accent3"/>
+  <a:schemeClr val="accent4"/>
+  <a:schemeClr val="accent5"/>
+  <a:schemeClr val="accent6"/>
+  <cs:variation/>
+  <cs:variation>
+    <a:lumMod val="60000"/>
+  </cs:variation>
+  <cs:variation>
+    <a:lumMod val="80000"/>
+    <a:lumOff val="20000"/>
+  </cs:variation>
+  <cs:variation>
+    <a:lumMod val="80000"/>
+  </cs:variation>
+  <cs:variation>
+    <a:lumMod val="60000"/>
+    <a:lumOff val="40000"/>
+  </cs:variation>
+  <cs:variation>
+    <a:lumMod val="50000"/>
+  </cs:variation>
+  <cs:variation>
+    <a:lumMod val="70000"/>
+    <a:lumOff val="30000"/>
+  </cs:variation>
+  <cs:variation>
+    <a:lumMod val="70000"/>
+  </cs:variation>
+  <cs:variation>
+    <a:lumMod val="50000"/>
+    <a:lumOff val="50000"/>
+  </cs:variation>
+</cs:colorStyle>
+</file>
+
+<file path=ppt/charts/colors7.xml><?xml version="1.0" encoding="utf-8"?>
+<cs:colorStyle xmlns:cs="http://schemas.microsoft.com/office/drawing/2012/chartStyle" xmlns:a="http://schemas.openxmlformats.org/drawingml/2006/main" meth="cycle" id="10">
+  <a:schemeClr val="accent1"/>
+  <a:schemeClr val="accent2"/>
+  <a:schemeClr val="accent3"/>
+  <a:schemeClr val="accent4"/>
+  <a:schemeClr val="accent5"/>
+  <a:schemeClr val="accent6"/>
+  <cs:variation/>
+  <cs:variation>
+    <a:lumMod val="60000"/>
+  </cs:variation>
+  <cs:variation>
+    <a:lumMod val="80000"/>
+    <a:lumOff val="20000"/>
+  </cs:variation>
+  <cs:variation>
+    <a:lumMod val="80000"/>
+  </cs:variation>
+  <cs:variation>
+    <a:lumMod val="60000"/>
+    <a:lumOff val="40000"/>
+  </cs:variation>
+  <cs:variation>
+    <a:lumMod val="50000"/>
+  </cs:variation>
+  <cs:variation>
+    <a:lumMod val="70000"/>
+    <a:lumOff val="30000"/>
+  </cs:variation>
+  <cs:variation>
+    <a:lumMod val="70000"/>
+  </cs:variation>
+  <cs:variation>
+    <a:lumMod val="50000"/>
+    <a:lumOff val="50000"/>
+  </cs:variation>
+</cs:colorStyle>
+</file>
+
+<file path=ppt/charts/colors8.xml><?xml version="1.0" encoding="utf-8"?>
+<cs:colorStyle xmlns:cs="http://schemas.microsoft.com/office/drawing/2012/chartStyle" xmlns:a="http://schemas.openxmlformats.org/drawingml/2006/main" meth="cycle" id="10">
+  <a:schemeClr val="accent1"/>
+  <a:schemeClr val="accent2"/>
+  <a:schemeClr val="accent3"/>
+  <a:schemeClr val="accent4"/>
+  <a:schemeClr val="accent5"/>
+  <a:schemeClr val="accent6"/>
+  <cs:variation/>
+  <cs:variation>
+    <a:lumMod val="60000"/>
+  </cs:variation>
+  <cs:variation>
+    <a:lumMod val="80000"/>
+    <a:lumOff val="20000"/>
+  </cs:variation>
+  <cs:variation>
+    <a:lumMod val="80000"/>
+  </cs:variation>
+  <cs:variation>
+    <a:lumMod val="60000"/>
+    <a:lumOff val="40000"/>
+  </cs:variation>
+  <cs:variation>
+    <a:lumMod val="50000"/>
+  </cs:variation>
+  <cs:variation>
+    <a:lumMod val="70000"/>
+    <a:lumOff val="30000"/>
+  </cs:variation>
+  <cs:variation>
+    <a:lumMod val="70000"/>
+  </cs:variation>
+  <cs:variation>
+    <a:lumMod val="50000"/>
+    <a:lumOff val="50000"/>
+  </cs:variation>
+</cs:colorStyle>
+</file>
+
+<file path=ppt/charts/colors9.xml><?xml version="1.0" encoding="utf-8"?>
 <cs:colorStyle xmlns:cs="http://schemas.microsoft.com/office/drawing/2012/chartStyle" xmlns:a="http://schemas.openxmlformats.org/drawingml/2006/main" meth="cycle" id="10">
   <a:schemeClr val="accent1"/>
   <a:schemeClr val="accent2"/>
@@ -949,6 +5168,5163 @@
             <a:lumOff val="85000"/>
           </a:schemeClr>
         </a:solidFill>
+      </a:ln>
+    </cs:spPr>
+  </cs:upBar>
+  <cs:valueAxis>
+    <cs:lnRef idx="0"/>
+    <cs:fillRef idx="0"/>
+    <cs:effectRef idx="0"/>
+    <cs:fontRef idx="minor">
+      <a:schemeClr val="tx1">
+        <a:lumMod val="65000"/>
+        <a:lumOff val="35000"/>
+      </a:schemeClr>
+    </cs:fontRef>
+    <cs:defRPr sz="1197" kern="1200"/>
+  </cs:valueAxis>
+  <cs:wall>
+    <cs:lnRef idx="0"/>
+    <cs:fillRef idx="0"/>
+    <cs:effectRef idx="0"/>
+    <cs:fontRef idx="minor">
+      <a:schemeClr val="tx1"/>
+    </cs:fontRef>
+    <cs:spPr>
+      <a:noFill/>
+      <a:ln>
+        <a:noFill/>
+      </a:ln>
+    </cs:spPr>
+  </cs:wall>
+</cs:chartStyle>
+</file>
+
+<file path=ppt/charts/style10.xml><?xml version="1.0" encoding="utf-8"?>
+<cs:chartStyle xmlns:cs="http://schemas.microsoft.com/office/drawing/2012/chartStyle" xmlns:a="http://schemas.openxmlformats.org/drawingml/2006/main" id="240">
+  <cs:axisTitle>
+    <cs:lnRef idx="0"/>
+    <cs:fillRef idx="0"/>
+    <cs:effectRef idx="0"/>
+    <cs:fontRef idx="minor">
+      <a:schemeClr val="tx1">
+        <a:lumMod val="65000"/>
+        <a:lumOff val="35000"/>
+      </a:schemeClr>
+    </cs:fontRef>
+    <cs:defRPr sz="1330" kern="1200"/>
+  </cs:axisTitle>
+  <cs:categoryAxis>
+    <cs:lnRef idx="0"/>
+    <cs:fillRef idx="0"/>
+    <cs:effectRef idx="0"/>
+    <cs:fontRef idx="minor">
+      <a:schemeClr val="tx1">
+        <a:lumMod val="65000"/>
+        <a:lumOff val="35000"/>
+      </a:schemeClr>
+    </cs:fontRef>
+    <cs:spPr>
+      <a:ln w="9525" cap="flat" cmpd="sng" algn="ctr">
+        <a:solidFill>
+          <a:schemeClr val="tx1">
+            <a:lumMod val="25000"/>
+            <a:lumOff val="75000"/>
+          </a:schemeClr>
+        </a:solidFill>
+        <a:round/>
+      </a:ln>
+    </cs:spPr>
+    <cs:defRPr sz="1197" kern="1200"/>
+  </cs:categoryAxis>
+  <cs:chartArea mods="allowNoFillOverride allowNoLineOverride">
+    <cs:lnRef idx="0"/>
+    <cs:fillRef idx="0"/>
+    <cs:effectRef idx="0"/>
+    <cs:fontRef idx="minor">
+      <a:schemeClr val="tx1"/>
+    </cs:fontRef>
+    <cs:spPr>
+      <a:solidFill>
+        <a:schemeClr val="bg1"/>
+      </a:solidFill>
+      <a:ln w="9525" cap="flat" cmpd="sng" algn="ctr">
+        <a:solidFill>
+          <a:schemeClr val="tx1">
+            <a:lumMod val="15000"/>
+            <a:lumOff val="85000"/>
+          </a:schemeClr>
+        </a:solidFill>
+        <a:round/>
+      </a:ln>
+    </cs:spPr>
+    <cs:defRPr sz="1330" kern="1200"/>
+  </cs:chartArea>
+  <cs:dataLabel>
+    <cs:lnRef idx="0"/>
+    <cs:fillRef idx="0"/>
+    <cs:effectRef idx="0"/>
+    <cs:fontRef idx="minor">
+      <a:schemeClr val="tx1">
+        <a:lumMod val="75000"/>
+        <a:lumOff val="25000"/>
+      </a:schemeClr>
+    </cs:fontRef>
+    <cs:defRPr sz="1197" kern="1200"/>
+  </cs:dataLabel>
+  <cs:dataLabelCallout>
+    <cs:lnRef idx="0"/>
+    <cs:fillRef idx="0"/>
+    <cs:effectRef idx="0"/>
+    <cs:fontRef idx="minor">
+      <a:schemeClr val="dk1">
+        <a:lumMod val="65000"/>
+        <a:lumOff val="35000"/>
+      </a:schemeClr>
+    </cs:fontRef>
+    <cs:spPr>
+      <a:solidFill>
+        <a:schemeClr val="lt1"/>
+      </a:solidFill>
+      <a:ln>
+        <a:solidFill>
+          <a:schemeClr val="dk1">
+            <a:lumMod val="25000"/>
+            <a:lumOff val="75000"/>
+          </a:schemeClr>
+        </a:solidFill>
+      </a:ln>
+    </cs:spPr>
+    <cs:defRPr sz="1197" kern="1200"/>
+    <cs:bodyPr rot="0" spcFirstLastPara="1" vertOverflow="clip" horzOverflow="clip" vert="horz" wrap="square" lIns="36576" tIns="18288" rIns="36576" bIns="18288" anchor="ctr" anchorCtr="1">
+      <a:spAutoFit/>
+    </cs:bodyPr>
+  </cs:dataLabelCallout>
+  <cs:dataPoint>
+    <cs:lnRef idx="0"/>
+    <cs:fillRef idx="1">
+      <cs:styleClr val="auto"/>
+    </cs:fillRef>
+    <cs:effectRef idx="0"/>
+    <cs:fontRef idx="minor">
+      <a:schemeClr val="tx1"/>
+    </cs:fontRef>
+  </cs:dataPoint>
+  <cs:dataPoint3D>
+    <cs:lnRef idx="0"/>
+    <cs:fillRef idx="1">
+      <cs:styleClr val="auto"/>
+    </cs:fillRef>
+    <cs:effectRef idx="0"/>
+    <cs:fontRef idx="minor">
+      <a:schemeClr val="tx1"/>
+    </cs:fontRef>
+  </cs:dataPoint3D>
+  <cs:dataPointLine>
+    <cs:lnRef idx="0">
+      <cs:styleClr val="auto"/>
+    </cs:lnRef>
+    <cs:fillRef idx="1"/>
+    <cs:effectRef idx="0"/>
+    <cs:fontRef idx="minor">
+      <a:schemeClr val="tx1"/>
+    </cs:fontRef>
+    <cs:spPr>
+      <a:ln w="19050" cap="rnd">
+        <a:solidFill>
+          <a:schemeClr val="phClr"/>
+        </a:solidFill>
+        <a:round/>
+      </a:ln>
+    </cs:spPr>
+  </cs:dataPointLine>
+  <cs:dataPointMarker>
+    <cs:lnRef idx="0">
+      <cs:styleClr val="auto"/>
+    </cs:lnRef>
+    <cs:fillRef idx="1">
+      <cs:styleClr val="auto"/>
+    </cs:fillRef>
+    <cs:effectRef idx="0"/>
+    <cs:fontRef idx="minor">
+      <a:schemeClr val="tx1"/>
+    </cs:fontRef>
+    <cs:spPr>
+      <a:ln w="9525">
+        <a:solidFill>
+          <a:schemeClr val="phClr"/>
+        </a:solidFill>
+      </a:ln>
+    </cs:spPr>
+  </cs:dataPointMarker>
+  <cs:dataPointMarkerLayout symbol="circle" size="5"/>
+  <cs:dataPointWireframe>
+    <cs:lnRef idx="0">
+      <cs:styleClr val="auto"/>
+    </cs:lnRef>
+    <cs:fillRef idx="0"/>
+    <cs:effectRef idx="0"/>
+    <cs:fontRef idx="minor">
+      <a:schemeClr val="dk1"/>
+    </cs:fontRef>
+    <cs:spPr>
+      <a:ln w="9525" cap="rnd">
+        <a:solidFill>
+          <a:schemeClr val="phClr"/>
+        </a:solidFill>
+        <a:round/>
+      </a:ln>
+    </cs:spPr>
+  </cs:dataPointWireframe>
+  <cs:dataTable>
+    <cs:lnRef idx="0"/>
+    <cs:fillRef idx="0"/>
+    <cs:effectRef idx="0"/>
+    <cs:fontRef idx="minor">
+      <a:schemeClr val="tx1">
+        <a:lumMod val="65000"/>
+        <a:lumOff val="35000"/>
+      </a:schemeClr>
+    </cs:fontRef>
+    <cs:spPr>
+      <a:noFill/>
+      <a:ln w="9525" cap="flat" cmpd="sng" algn="ctr">
+        <a:solidFill>
+          <a:schemeClr val="tx1">
+            <a:lumMod val="15000"/>
+            <a:lumOff val="85000"/>
+          </a:schemeClr>
+        </a:solidFill>
+        <a:round/>
+      </a:ln>
+    </cs:spPr>
+    <cs:defRPr sz="1197" kern="1200"/>
+  </cs:dataTable>
+  <cs:downBar>
+    <cs:lnRef idx="0"/>
+    <cs:fillRef idx="0"/>
+    <cs:effectRef idx="0"/>
+    <cs:fontRef idx="minor">
+      <a:schemeClr val="tx1"/>
+    </cs:fontRef>
+    <cs:spPr>
+      <a:solidFill>
+        <a:schemeClr val="dk1">
+          <a:lumMod val="75000"/>
+          <a:lumOff val="25000"/>
+        </a:schemeClr>
+      </a:solidFill>
+      <a:ln w="9525" cap="flat" cmpd="sng" algn="ctr">
+        <a:solidFill>
+          <a:schemeClr val="tx1">
+            <a:lumMod val="65000"/>
+            <a:lumOff val="35000"/>
+          </a:schemeClr>
+        </a:solidFill>
+        <a:round/>
+      </a:ln>
+    </cs:spPr>
+  </cs:downBar>
+  <cs:dropLine>
+    <cs:lnRef idx="0"/>
+    <cs:fillRef idx="0"/>
+    <cs:effectRef idx="0"/>
+    <cs:fontRef idx="minor">
+      <a:schemeClr val="tx1"/>
+    </cs:fontRef>
+    <cs:spPr>
+      <a:ln w="9525" cap="flat" cmpd="sng" algn="ctr">
+        <a:solidFill>
+          <a:schemeClr val="tx1">
+            <a:lumMod val="35000"/>
+            <a:lumOff val="65000"/>
+          </a:schemeClr>
+        </a:solidFill>
+        <a:round/>
+      </a:ln>
+    </cs:spPr>
+  </cs:dropLine>
+  <cs:errorBar>
+    <cs:lnRef idx="0"/>
+    <cs:fillRef idx="0"/>
+    <cs:effectRef idx="0"/>
+    <cs:fontRef idx="minor">
+      <a:schemeClr val="tx1"/>
+    </cs:fontRef>
+    <cs:spPr>
+      <a:ln w="9525" cap="flat" cmpd="sng" algn="ctr">
+        <a:solidFill>
+          <a:schemeClr val="tx1">
+            <a:lumMod val="65000"/>
+            <a:lumOff val="35000"/>
+          </a:schemeClr>
+        </a:solidFill>
+        <a:round/>
+      </a:ln>
+    </cs:spPr>
+  </cs:errorBar>
+  <cs:floor>
+    <cs:lnRef idx="0"/>
+    <cs:fillRef idx="0"/>
+    <cs:effectRef idx="0"/>
+    <cs:fontRef idx="minor">
+      <a:schemeClr val="tx1"/>
+    </cs:fontRef>
+    <cs:spPr>
+      <a:noFill/>
+      <a:ln>
+        <a:noFill/>
+      </a:ln>
+    </cs:spPr>
+  </cs:floor>
+  <cs:gridlineMajor>
+    <cs:lnRef idx="0"/>
+    <cs:fillRef idx="0"/>
+    <cs:effectRef idx="0"/>
+    <cs:fontRef idx="minor">
+      <a:schemeClr val="tx1"/>
+    </cs:fontRef>
+    <cs:spPr>
+      <a:ln w="9525" cap="flat" cmpd="sng" algn="ctr">
+        <a:solidFill>
+          <a:schemeClr val="tx1">
+            <a:lumMod val="15000"/>
+            <a:lumOff val="85000"/>
+          </a:schemeClr>
+        </a:solidFill>
+        <a:round/>
+      </a:ln>
+    </cs:spPr>
+  </cs:gridlineMajor>
+  <cs:gridlineMinor>
+    <cs:lnRef idx="0"/>
+    <cs:fillRef idx="0"/>
+    <cs:effectRef idx="0"/>
+    <cs:fontRef idx="minor">
+      <a:schemeClr val="tx1"/>
+    </cs:fontRef>
+    <cs:spPr>
+      <a:ln w="9525" cap="flat" cmpd="sng" algn="ctr">
+        <a:solidFill>
+          <a:schemeClr val="tx1">
+            <a:lumMod val="5000"/>
+            <a:lumOff val="95000"/>
+          </a:schemeClr>
+        </a:solidFill>
+        <a:round/>
+      </a:ln>
+    </cs:spPr>
+  </cs:gridlineMinor>
+  <cs:hiLoLine>
+    <cs:lnRef idx="0"/>
+    <cs:fillRef idx="0"/>
+    <cs:effectRef idx="0"/>
+    <cs:fontRef idx="minor">
+      <a:schemeClr val="tx1"/>
+    </cs:fontRef>
+    <cs:spPr>
+      <a:ln w="9525" cap="flat" cmpd="sng" algn="ctr">
+        <a:solidFill>
+          <a:schemeClr val="tx1">
+            <a:lumMod val="50000"/>
+            <a:lumOff val="50000"/>
+          </a:schemeClr>
+        </a:solidFill>
+        <a:round/>
+      </a:ln>
+    </cs:spPr>
+  </cs:hiLoLine>
+  <cs:leaderLine>
+    <cs:lnRef idx="0"/>
+    <cs:fillRef idx="0"/>
+    <cs:effectRef idx="0"/>
+    <cs:fontRef idx="minor">
+      <a:schemeClr val="tx1"/>
+    </cs:fontRef>
+    <cs:spPr>
+      <a:ln w="9525" cap="flat" cmpd="sng" algn="ctr">
+        <a:solidFill>
+          <a:schemeClr val="tx1">
+            <a:lumMod val="35000"/>
+            <a:lumOff val="65000"/>
+          </a:schemeClr>
+        </a:solidFill>
+        <a:round/>
+      </a:ln>
+    </cs:spPr>
+  </cs:leaderLine>
+  <cs:legend>
+    <cs:lnRef idx="0"/>
+    <cs:fillRef idx="0"/>
+    <cs:effectRef idx="0"/>
+    <cs:fontRef idx="minor">
+      <a:schemeClr val="tx1">
+        <a:lumMod val="65000"/>
+        <a:lumOff val="35000"/>
+      </a:schemeClr>
+    </cs:fontRef>
+    <cs:defRPr sz="1197" kern="1200"/>
+  </cs:legend>
+  <cs:plotArea mods="allowNoFillOverride allowNoLineOverride">
+    <cs:lnRef idx="0"/>
+    <cs:fillRef idx="0"/>
+    <cs:effectRef idx="0"/>
+    <cs:fontRef idx="minor">
+      <a:schemeClr val="tx1"/>
+    </cs:fontRef>
+  </cs:plotArea>
+  <cs:plotArea3D mods="allowNoFillOverride allowNoLineOverride">
+    <cs:lnRef idx="0"/>
+    <cs:fillRef idx="0"/>
+    <cs:effectRef idx="0"/>
+    <cs:fontRef idx="minor">
+      <a:schemeClr val="tx1"/>
+    </cs:fontRef>
+  </cs:plotArea3D>
+  <cs:seriesAxis>
+    <cs:lnRef idx="0"/>
+    <cs:fillRef idx="0"/>
+    <cs:effectRef idx="0"/>
+    <cs:fontRef idx="minor">
+      <a:schemeClr val="tx1">
+        <a:lumMod val="65000"/>
+        <a:lumOff val="35000"/>
+      </a:schemeClr>
+    </cs:fontRef>
+    <cs:defRPr sz="1197" kern="1200"/>
+  </cs:seriesAxis>
+  <cs:seriesLine>
+    <cs:lnRef idx="0"/>
+    <cs:fillRef idx="0"/>
+    <cs:effectRef idx="0"/>
+    <cs:fontRef idx="minor">
+      <a:schemeClr val="tx1"/>
+    </cs:fontRef>
+    <cs:spPr>
+      <a:ln w="9525" cap="flat" cmpd="sng" algn="ctr">
+        <a:solidFill>
+          <a:schemeClr val="tx1">
+            <a:lumMod val="35000"/>
+            <a:lumOff val="65000"/>
+          </a:schemeClr>
+        </a:solidFill>
+        <a:round/>
+      </a:ln>
+    </cs:spPr>
+  </cs:seriesLine>
+  <cs:title>
+    <cs:lnRef idx="0"/>
+    <cs:fillRef idx="0"/>
+    <cs:effectRef idx="0"/>
+    <cs:fontRef idx="minor">
+      <a:schemeClr val="tx1">
+        <a:lumMod val="65000"/>
+        <a:lumOff val="35000"/>
+      </a:schemeClr>
+    </cs:fontRef>
+    <cs:defRPr sz="1862" b="0" kern="1200" spc="0" baseline="0"/>
+  </cs:title>
+  <cs:trendline>
+    <cs:lnRef idx="0">
+      <cs:styleClr val="auto"/>
+    </cs:lnRef>
+    <cs:fillRef idx="0"/>
+    <cs:effectRef idx="0"/>
+    <cs:fontRef idx="minor">
+      <a:schemeClr val="tx1"/>
+    </cs:fontRef>
+    <cs:spPr>
+      <a:ln w="19050" cap="rnd">
+        <a:solidFill>
+          <a:schemeClr val="phClr"/>
+        </a:solidFill>
+        <a:prstDash val="sysDot"/>
+      </a:ln>
+    </cs:spPr>
+  </cs:trendline>
+  <cs:trendlineLabel>
+    <cs:lnRef idx="0"/>
+    <cs:fillRef idx="0"/>
+    <cs:effectRef idx="0"/>
+    <cs:fontRef idx="minor">
+      <a:schemeClr val="tx1">
+        <a:lumMod val="65000"/>
+        <a:lumOff val="35000"/>
+      </a:schemeClr>
+    </cs:fontRef>
+    <cs:defRPr sz="1197" kern="1200"/>
+  </cs:trendlineLabel>
+  <cs:upBar>
+    <cs:lnRef idx="0"/>
+    <cs:fillRef idx="0"/>
+    <cs:effectRef idx="0"/>
+    <cs:fontRef idx="minor">
+      <a:schemeClr val="tx1"/>
+    </cs:fontRef>
+    <cs:spPr>
+      <a:solidFill>
+        <a:schemeClr val="lt1"/>
+      </a:solidFill>
+      <a:ln w="9525" cap="flat" cmpd="sng" algn="ctr">
+        <a:solidFill>
+          <a:schemeClr val="tx1">
+            <a:lumMod val="65000"/>
+            <a:lumOff val="35000"/>
+          </a:schemeClr>
+        </a:solidFill>
+        <a:round/>
+      </a:ln>
+    </cs:spPr>
+  </cs:upBar>
+  <cs:valueAxis>
+    <cs:lnRef idx="0"/>
+    <cs:fillRef idx="0"/>
+    <cs:effectRef idx="0"/>
+    <cs:fontRef idx="minor">
+      <a:schemeClr val="tx1">
+        <a:lumMod val="65000"/>
+        <a:lumOff val="35000"/>
+      </a:schemeClr>
+    </cs:fontRef>
+    <cs:spPr>
+      <a:ln w="9525" cap="flat" cmpd="sng" algn="ctr">
+        <a:solidFill>
+          <a:schemeClr val="tx1">
+            <a:lumMod val="25000"/>
+            <a:lumOff val="75000"/>
+          </a:schemeClr>
+        </a:solidFill>
+        <a:round/>
+      </a:ln>
+    </cs:spPr>
+    <cs:defRPr sz="1197" kern="1200"/>
+  </cs:valueAxis>
+  <cs:wall>
+    <cs:lnRef idx="0"/>
+    <cs:fillRef idx="0"/>
+    <cs:effectRef idx="0"/>
+    <cs:fontRef idx="minor">
+      <a:schemeClr val="tx1"/>
+    </cs:fontRef>
+    <cs:spPr>
+      <a:noFill/>
+      <a:ln>
+        <a:noFill/>
+      </a:ln>
+    </cs:spPr>
+  </cs:wall>
+</cs:chartStyle>
+</file>
+
+<file path=ppt/charts/style11.xml><?xml version="1.0" encoding="utf-8"?>
+<cs:chartStyle xmlns:cs="http://schemas.microsoft.com/office/drawing/2012/chartStyle" xmlns:a="http://schemas.openxmlformats.org/drawingml/2006/main" id="269">
+  <cs:axisTitle>
+    <cs:lnRef idx="0"/>
+    <cs:fillRef idx="0"/>
+    <cs:effectRef idx="0"/>
+    <cs:fontRef idx="minor">
+      <a:schemeClr val="tx1">
+        <a:lumMod val="65000"/>
+        <a:lumOff val="35000"/>
+      </a:schemeClr>
+    </cs:fontRef>
+    <cs:defRPr sz="1330" kern="1200"/>
+  </cs:axisTitle>
+  <cs:categoryAxis>
+    <cs:lnRef idx="0"/>
+    <cs:fillRef idx="0"/>
+    <cs:effectRef idx="0"/>
+    <cs:fontRef idx="minor">
+      <a:schemeClr val="tx1">
+        <a:lumMod val="65000"/>
+        <a:lumOff val="35000"/>
+      </a:schemeClr>
+    </cs:fontRef>
+    <cs:spPr>
+      <a:ln w="9525" cap="flat" cmpd="sng" algn="ctr">
+        <a:solidFill>
+          <a:schemeClr val="tx1">
+            <a:lumMod val="25000"/>
+            <a:lumOff val="75000"/>
+          </a:schemeClr>
+        </a:solidFill>
+        <a:round/>
+      </a:ln>
+    </cs:spPr>
+    <cs:defRPr sz="1197" kern="1200"/>
+  </cs:categoryAxis>
+  <cs:chartArea mods="allowNoFillOverride allowNoLineOverride">
+    <cs:lnRef idx="0"/>
+    <cs:fillRef idx="0"/>
+    <cs:effectRef idx="0"/>
+    <cs:fontRef idx="minor">
+      <a:schemeClr val="tx1"/>
+    </cs:fontRef>
+    <cs:spPr>
+      <a:solidFill>
+        <a:schemeClr val="bg1"/>
+      </a:solidFill>
+      <a:ln w="9525" cap="flat" cmpd="sng" algn="ctr">
+        <a:solidFill>
+          <a:schemeClr val="tx1">
+            <a:lumMod val="15000"/>
+            <a:lumOff val="85000"/>
+          </a:schemeClr>
+        </a:solidFill>
+        <a:round/>
+      </a:ln>
+    </cs:spPr>
+    <cs:defRPr sz="1330" kern="1200"/>
+  </cs:chartArea>
+  <cs:dataLabel>
+    <cs:lnRef idx="0"/>
+    <cs:fillRef idx="0"/>
+    <cs:effectRef idx="0"/>
+    <cs:fontRef idx="minor">
+      <a:schemeClr val="tx1">
+        <a:lumMod val="75000"/>
+        <a:lumOff val="25000"/>
+      </a:schemeClr>
+    </cs:fontRef>
+    <cs:defRPr sz="1197" kern="1200"/>
+  </cs:dataLabel>
+  <cs:dataLabelCallout>
+    <cs:lnRef idx="0"/>
+    <cs:fillRef idx="0"/>
+    <cs:effectRef idx="0"/>
+    <cs:fontRef idx="minor">
+      <a:schemeClr val="dk1">
+        <a:lumMod val="65000"/>
+        <a:lumOff val="35000"/>
+      </a:schemeClr>
+    </cs:fontRef>
+    <cs:spPr>
+      <a:solidFill>
+        <a:schemeClr val="lt1"/>
+      </a:solidFill>
+      <a:ln>
+        <a:solidFill>
+          <a:schemeClr val="dk1">
+            <a:lumMod val="25000"/>
+            <a:lumOff val="75000"/>
+          </a:schemeClr>
+        </a:solidFill>
+      </a:ln>
+    </cs:spPr>
+    <cs:defRPr sz="1197" kern="1200"/>
+    <cs:bodyPr rot="0" spcFirstLastPara="1" vertOverflow="clip" horzOverflow="clip" vert="horz" wrap="square" lIns="36576" tIns="18288" rIns="36576" bIns="18288" anchor="ctr" anchorCtr="1">
+      <a:spAutoFit/>
+    </cs:bodyPr>
+  </cs:dataLabelCallout>
+  <cs:dataPoint>
+    <cs:lnRef idx="0"/>
+    <cs:fillRef idx="1">
+      <cs:styleClr val="auto"/>
+    </cs:fillRef>
+    <cs:effectRef idx="0"/>
+    <cs:fontRef idx="minor">
+      <a:schemeClr val="tx1"/>
+    </cs:fontRef>
+    <cs:spPr>
+      <a:solidFill>
+        <a:schemeClr val="phClr">
+          <a:alpha val="75000"/>
+        </a:schemeClr>
+      </a:solidFill>
+    </cs:spPr>
+  </cs:dataPoint>
+  <cs:dataPoint3D>
+    <cs:lnRef idx="0"/>
+    <cs:fillRef idx="1">
+      <cs:styleClr val="auto"/>
+    </cs:fillRef>
+    <cs:effectRef idx="0"/>
+    <cs:fontRef idx="minor">
+      <a:schemeClr val="tx1"/>
+    </cs:fontRef>
+    <cs:spPr>
+      <a:solidFill>
+        <a:schemeClr val="phClr">
+          <a:alpha val="75000"/>
+        </a:schemeClr>
+      </a:solidFill>
+    </cs:spPr>
+  </cs:dataPoint3D>
+  <cs:dataPointLine>
+    <cs:lnRef idx="0">
+      <cs:styleClr val="auto"/>
+    </cs:lnRef>
+    <cs:fillRef idx="1"/>
+    <cs:effectRef idx="0"/>
+    <cs:fontRef idx="minor">
+      <a:schemeClr val="tx1"/>
+    </cs:fontRef>
+    <cs:spPr>
+      <a:ln w="19050" cap="rnd">
+        <a:solidFill>
+          <a:schemeClr val="phClr">
+            <a:alpha val="50000"/>
+          </a:schemeClr>
+        </a:solidFill>
+        <a:round/>
+      </a:ln>
+    </cs:spPr>
+  </cs:dataPointLine>
+  <cs:dataPointMarker>
+    <cs:lnRef idx="0">
+      <cs:styleClr val="auto"/>
+    </cs:lnRef>
+    <cs:fillRef idx="1">
+      <cs:styleClr val="auto"/>
+    </cs:fillRef>
+    <cs:effectRef idx="0"/>
+    <cs:fontRef idx="minor">
+      <a:schemeClr val="tx1"/>
+    </cs:fontRef>
+    <cs:spPr>
+      <a:solidFill>
+        <a:schemeClr val="phClr"/>
+      </a:solidFill>
+      <a:ln w="9525">
+        <a:solidFill>
+          <a:schemeClr val="phClr"/>
+        </a:solidFill>
+      </a:ln>
+    </cs:spPr>
+  </cs:dataPointMarker>
+  <cs:dataPointMarkerLayout symbol="circle" size="5"/>
+  <cs:dataPointWireframe>
+    <cs:lnRef idx="0">
+      <cs:styleClr val="auto"/>
+    </cs:lnRef>
+    <cs:fillRef idx="0"/>
+    <cs:effectRef idx="0"/>
+    <cs:fontRef idx="minor">
+      <a:schemeClr val="dk1"/>
+    </cs:fontRef>
+    <cs:spPr>
+      <a:ln w="9525" cap="rnd">
+        <a:solidFill>
+          <a:schemeClr val="phClr"/>
+        </a:solidFill>
+        <a:round/>
+      </a:ln>
+    </cs:spPr>
+  </cs:dataPointWireframe>
+  <cs:dataTable>
+    <cs:lnRef idx="0"/>
+    <cs:fillRef idx="0"/>
+    <cs:effectRef idx="0"/>
+    <cs:fontRef idx="minor">
+      <a:schemeClr val="tx1">
+        <a:lumMod val="65000"/>
+        <a:lumOff val="35000"/>
+      </a:schemeClr>
+    </cs:fontRef>
+    <cs:spPr>
+      <a:noFill/>
+      <a:ln w="9525" cap="flat" cmpd="sng" algn="ctr">
+        <a:solidFill>
+          <a:schemeClr val="tx1">
+            <a:lumMod val="15000"/>
+            <a:lumOff val="85000"/>
+          </a:schemeClr>
+        </a:solidFill>
+        <a:round/>
+      </a:ln>
+    </cs:spPr>
+    <cs:defRPr sz="1197" kern="1200"/>
+  </cs:dataTable>
+  <cs:downBar>
+    <cs:lnRef idx="0"/>
+    <cs:fillRef idx="0"/>
+    <cs:effectRef idx="0"/>
+    <cs:fontRef idx="minor">
+      <a:schemeClr val="tx1"/>
+    </cs:fontRef>
+    <cs:spPr>
+      <a:solidFill>
+        <a:schemeClr val="dk1">
+          <a:lumMod val="75000"/>
+          <a:lumOff val="25000"/>
+        </a:schemeClr>
+      </a:solidFill>
+      <a:ln w="9525" cap="flat" cmpd="sng" algn="ctr">
+        <a:solidFill>
+          <a:schemeClr val="tx1">
+            <a:lumMod val="65000"/>
+            <a:lumOff val="35000"/>
+          </a:schemeClr>
+        </a:solidFill>
+        <a:round/>
+      </a:ln>
+    </cs:spPr>
+  </cs:downBar>
+  <cs:dropLine>
+    <cs:lnRef idx="0"/>
+    <cs:fillRef idx="0"/>
+    <cs:effectRef idx="0"/>
+    <cs:fontRef idx="minor">
+      <a:schemeClr val="tx1"/>
+    </cs:fontRef>
+    <cs:spPr>
+      <a:ln w="9525" cap="flat" cmpd="sng" algn="ctr">
+        <a:solidFill>
+          <a:schemeClr val="tx1">
+            <a:lumMod val="35000"/>
+            <a:lumOff val="65000"/>
+          </a:schemeClr>
+        </a:solidFill>
+        <a:round/>
+      </a:ln>
+    </cs:spPr>
+  </cs:dropLine>
+  <cs:errorBar>
+    <cs:lnRef idx="0"/>
+    <cs:fillRef idx="0"/>
+    <cs:effectRef idx="0"/>
+    <cs:fontRef idx="minor">
+      <a:schemeClr val="tx1"/>
+    </cs:fontRef>
+    <cs:spPr>
+      <a:ln w="9525" cap="flat" cmpd="sng" algn="ctr">
+        <a:solidFill>
+          <a:schemeClr val="tx1">
+            <a:lumMod val="65000"/>
+            <a:lumOff val="35000"/>
+          </a:schemeClr>
+        </a:solidFill>
+        <a:round/>
+      </a:ln>
+    </cs:spPr>
+  </cs:errorBar>
+  <cs:floor>
+    <cs:lnRef idx="0"/>
+    <cs:fillRef idx="0"/>
+    <cs:effectRef idx="0"/>
+    <cs:fontRef idx="minor">
+      <a:schemeClr val="tx1"/>
+    </cs:fontRef>
+    <cs:spPr>
+      <a:noFill/>
+      <a:ln>
+        <a:noFill/>
+      </a:ln>
+    </cs:spPr>
+  </cs:floor>
+  <cs:gridlineMajor>
+    <cs:lnRef idx="0"/>
+    <cs:fillRef idx="0"/>
+    <cs:effectRef idx="0"/>
+    <cs:fontRef idx="minor">
+      <a:schemeClr val="tx1"/>
+    </cs:fontRef>
+    <cs:spPr>
+      <a:ln w="9525" cap="flat" cmpd="sng" algn="ctr">
+        <a:solidFill>
+          <a:schemeClr val="tx1">
+            <a:lumMod val="15000"/>
+            <a:lumOff val="85000"/>
+          </a:schemeClr>
+        </a:solidFill>
+        <a:round/>
+      </a:ln>
+    </cs:spPr>
+  </cs:gridlineMajor>
+  <cs:gridlineMinor>
+    <cs:lnRef idx="0"/>
+    <cs:fillRef idx="0"/>
+    <cs:effectRef idx="0"/>
+    <cs:fontRef idx="minor">
+      <a:schemeClr val="tx1"/>
+    </cs:fontRef>
+    <cs:spPr>
+      <a:ln w="9525" cap="flat" cmpd="sng" algn="ctr">
+        <a:solidFill>
+          <a:schemeClr val="tx1">
+            <a:lumMod val="5000"/>
+            <a:lumOff val="95000"/>
+          </a:schemeClr>
+        </a:solidFill>
+        <a:round/>
+      </a:ln>
+    </cs:spPr>
+  </cs:gridlineMinor>
+  <cs:hiLoLine>
+    <cs:lnRef idx="0"/>
+    <cs:fillRef idx="0"/>
+    <cs:effectRef idx="0"/>
+    <cs:fontRef idx="minor">
+      <a:schemeClr val="tx1"/>
+    </cs:fontRef>
+    <cs:spPr>
+      <a:ln w="9525" cap="flat" cmpd="sng" algn="ctr">
+        <a:solidFill>
+          <a:schemeClr val="tx1">
+            <a:lumMod val="50000"/>
+            <a:lumOff val="50000"/>
+          </a:schemeClr>
+        </a:solidFill>
+        <a:round/>
+      </a:ln>
+    </cs:spPr>
+  </cs:hiLoLine>
+  <cs:leaderLine>
+    <cs:lnRef idx="0"/>
+    <cs:fillRef idx="0"/>
+    <cs:effectRef idx="0"/>
+    <cs:fontRef idx="minor">
+      <a:schemeClr val="tx1"/>
+    </cs:fontRef>
+    <cs:spPr>
+      <a:ln w="9525" cap="flat" cmpd="sng" algn="ctr">
+        <a:solidFill>
+          <a:schemeClr val="tx1">
+            <a:lumMod val="35000"/>
+            <a:lumOff val="65000"/>
+          </a:schemeClr>
+        </a:solidFill>
+        <a:round/>
+      </a:ln>
+    </cs:spPr>
+  </cs:leaderLine>
+  <cs:legend>
+    <cs:lnRef idx="0"/>
+    <cs:fillRef idx="0"/>
+    <cs:effectRef idx="0"/>
+    <cs:fontRef idx="minor">
+      <a:schemeClr val="tx1">
+        <a:lumMod val="65000"/>
+        <a:lumOff val="35000"/>
+      </a:schemeClr>
+    </cs:fontRef>
+    <cs:defRPr sz="1197" kern="1200"/>
+  </cs:legend>
+  <cs:plotArea mods="allowNoFillOverride allowNoLineOverride">
+    <cs:lnRef idx="0"/>
+    <cs:fillRef idx="0"/>
+    <cs:effectRef idx="0"/>
+    <cs:fontRef idx="minor">
+      <a:schemeClr val="tx1"/>
+    </cs:fontRef>
+  </cs:plotArea>
+  <cs:plotArea3D mods="allowNoFillOverride allowNoLineOverride">
+    <cs:lnRef idx="0"/>
+    <cs:fillRef idx="0"/>
+    <cs:effectRef idx="0"/>
+    <cs:fontRef idx="minor">
+      <a:schemeClr val="tx1"/>
+    </cs:fontRef>
+  </cs:plotArea3D>
+  <cs:seriesAxis>
+    <cs:lnRef idx="0"/>
+    <cs:fillRef idx="0"/>
+    <cs:effectRef idx="0"/>
+    <cs:fontRef idx="minor">
+      <a:schemeClr val="tx1">
+        <a:lumMod val="65000"/>
+        <a:lumOff val="35000"/>
+      </a:schemeClr>
+    </cs:fontRef>
+    <cs:defRPr sz="1197" kern="1200"/>
+  </cs:seriesAxis>
+  <cs:seriesLine>
+    <cs:lnRef idx="0"/>
+    <cs:fillRef idx="0"/>
+    <cs:effectRef idx="0"/>
+    <cs:fontRef idx="minor">
+      <a:schemeClr val="tx1"/>
+    </cs:fontRef>
+    <cs:spPr>
+      <a:ln w="9525" cap="flat" cmpd="sng" algn="ctr">
+        <a:solidFill>
+          <a:schemeClr val="tx1">
+            <a:lumMod val="35000"/>
+            <a:lumOff val="65000"/>
+          </a:schemeClr>
+        </a:solidFill>
+        <a:round/>
+      </a:ln>
+    </cs:spPr>
+  </cs:seriesLine>
+  <cs:title>
+    <cs:lnRef idx="0"/>
+    <cs:fillRef idx="0"/>
+    <cs:effectRef idx="0"/>
+    <cs:fontRef idx="minor">
+      <a:schemeClr val="tx1">
+        <a:lumMod val="65000"/>
+        <a:lumOff val="35000"/>
+      </a:schemeClr>
+    </cs:fontRef>
+    <cs:defRPr sz="1862" b="0" kern="1200" spc="0" baseline="0"/>
+  </cs:title>
+  <cs:trendline>
+    <cs:lnRef idx="0">
+      <cs:styleClr val="auto"/>
+    </cs:lnRef>
+    <cs:fillRef idx="0"/>
+    <cs:effectRef idx="0"/>
+    <cs:fontRef idx="minor">
+      <a:schemeClr val="tx1"/>
+    </cs:fontRef>
+    <cs:spPr>
+      <a:ln w="19050" cap="rnd">
+        <a:solidFill>
+          <a:schemeClr val="phClr"/>
+        </a:solidFill>
+        <a:prstDash val="sysDot"/>
+      </a:ln>
+    </cs:spPr>
+  </cs:trendline>
+  <cs:trendlineLabel>
+    <cs:lnRef idx="0"/>
+    <cs:fillRef idx="0"/>
+    <cs:effectRef idx="0"/>
+    <cs:fontRef idx="minor">
+      <a:schemeClr val="tx1">
+        <a:lumMod val="65000"/>
+        <a:lumOff val="35000"/>
+      </a:schemeClr>
+    </cs:fontRef>
+    <cs:defRPr sz="1197" kern="1200"/>
+  </cs:trendlineLabel>
+  <cs:upBar>
+    <cs:lnRef idx="0"/>
+    <cs:fillRef idx="0"/>
+    <cs:effectRef idx="0"/>
+    <cs:fontRef idx="minor">
+      <a:schemeClr val="tx1"/>
+    </cs:fontRef>
+    <cs:spPr>
+      <a:solidFill>
+        <a:schemeClr val="lt1"/>
+      </a:solidFill>
+      <a:ln w="9525" cap="flat" cmpd="sng" algn="ctr">
+        <a:solidFill>
+          <a:schemeClr val="tx1">
+            <a:lumMod val="65000"/>
+            <a:lumOff val="35000"/>
+          </a:schemeClr>
+        </a:solidFill>
+        <a:round/>
+      </a:ln>
+    </cs:spPr>
+  </cs:upBar>
+  <cs:valueAxis>
+    <cs:lnRef idx="0"/>
+    <cs:fillRef idx="0"/>
+    <cs:effectRef idx="0"/>
+    <cs:fontRef idx="minor">
+      <a:schemeClr val="tx1">
+        <a:lumMod val="65000"/>
+        <a:lumOff val="35000"/>
+      </a:schemeClr>
+    </cs:fontRef>
+    <cs:spPr>
+      <a:ln w="9525" cap="flat" cmpd="sng" algn="ctr">
+        <a:solidFill>
+          <a:schemeClr val="tx1">
+            <a:lumMod val="25000"/>
+            <a:lumOff val="75000"/>
+          </a:schemeClr>
+        </a:solidFill>
+        <a:round/>
+      </a:ln>
+    </cs:spPr>
+    <cs:defRPr sz="1197" kern="1200"/>
+  </cs:valueAxis>
+  <cs:wall>
+    <cs:lnRef idx="0"/>
+    <cs:fillRef idx="0"/>
+    <cs:effectRef idx="0"/>
+    <cs:fontRef idx="minor">
+      <a:schemeClr val="tx1"/>
+    </cs:fontRef>
+    <cs:spPr>
+      <a:noFill/>
+      <a:ln>
+        <a:noFill/>
+      </a:ln>
+    </cs:spPr>
+  </cs:wall>
+</cs:chartStyle>
+</file>
+
+<file path=ppt/charts/style2.xml><?xml version="1.0" encoding="utf-8"?>
+<cs:chartStyle xmlns:cs="http://schemas.microsoft.com/office/drawing/2012/chartStyle" xmlns:a="http://schemas.openxmlformats.org/drawingml/2006/main" id="297">
+  <cs:axisTitle>
+    <cs:lnRef idx="0"/>
+    <cs:fillRef idx="0"/>
+    <cs:effectRef idx="0"/>
+    <cs:fontRef idx="minor">
+      <a:schemeClr val="tx1">
+        <a:lumMod val="65000"/>
+        <a:lumOff val="35000"/>
+      </a:schemeClr>
+    </cs:fontRef>
+    <cs:defRPr sz="1330" kern="1200"/>
+  </cs:axisTitle>
+  <cs:categoryAxis>
+    <cs:lnRef idx="0"/>
+    <cs:fillRef idx="0"/>
+    <cs:effectRef idx="0"/>
+    <cs:fontRef idx="minor">
+      <a:schemeClr val="tx1">
+        <a:lumMod val="65000"/>
+        <a:lumOff val="35000"/>
+      </a:schemeClr>
+    </cs:fontRef>
+    <cs:spPr>
+      <a:ln w="9525" cap="flat" cmpd="sng" algn="ctr">
+        <a:solidFill>
+          <a:schemeClr val="tx1">
+            <a:lumMod val="15000"/>
+            <a:lumOff val="85000"/>
+          </a:schemeClr>
+        </a:solidFill>
+        <a:round/>
+      </a:ln>
+    </cs:spPr>
+    <cs:defRPr sz="1197" kern="1200"/>
+  </cs:categoryAxis>
+  <cs:chartArea mods="allowNoFillOverride allowNoLineOverride">
+    <cs:lnRef idx="0"/>
+    <cs:fillRef idx="0"/>
+    <cs:effectRef idx="0"/>
+    <cs:fontRef idx="minor">
+      <a:schemeClr val="tx1"/>
+    </cs:fontRef>
+    <cs:spPr>
+      <a:solidFill>
+        <a:schemeClr val="bg1"/>
+      </a:solidFill>
+      <a:ln w="9525" cap="flat" cmpd="sng" algn="ctr">
+        <a:solidFill>
+          <a:schemeClr val="tx1">
+            <a:lumMod val="15000"/>
+            <a:lumOff val="85000"/>
+          </a:schemeClr>
+        </a:solidFill>
+        <a:round/>
+      </a:ln>
+    </cs:spPr>
+    <cs:defRPr sz="1330" kern="1200"/>
+  </cs:chartArea>
+  <cs:dataLabel>
+    <cs:lnRef idx="0"/>
+    <cs:fillRef idx="0"/>
+    <cs:effectRef idx="0"/>
+    <cs:fontRef idx="minor">
+      <a:schemeClr val="tx1">
+        <a:lumMod val="75000"/>
+        <a:lumOff val="25000"/>
+      </a:schemeClr>
+    </cs:fontRef>
+    <cs:defRPr sz="1197" kern="1200"/>
+  </cs:dataLabel>
+  <cs:dataLabelCallout>
+    <cs:lnRef idx="0"/>
+    <cs:fillRef idx="0"/>
+    <cs:effectRef idx="0"/>
+    <cs:fontRef idx="minor">
+      <a:schemeClr val="dk1">
+        <a:lumMod val="65000"/>
+        <a:lumOff val="35000"/>
+      </a:schemeClr>
+    </cs:fontRef>
+    <cs:spPr>
+      <a:solidFill>
+        <a:schemeClr val="lt1"/>
+      </a:solidFill>
+      <a:ln>
+        <a:solidFill>
+          <a:schemeClr val="dk1">
+            <a:lumMod val="25000"/>
+            <a:lumOff val="75000"/>
+          </a:schemeClr>
+        </a:solidFill>
+      </a:ln>
+    </cs:spPr>
+    <cs:defRPr sz="1197" kern="1200"/>
+    <cs:bodyPr rot="0" spcFirstLastPara="1" vertOverflow="clip" horzOverflow="clip" vert="horz" wrap="square" lIns="36576" tIns="18288" rIns="36576" bIns="18288" anchor="ctr" anchorCtr="1">
+      <a:spAutoFit/>
+    </cs:bodyPr>
+  </cs:dataLabelCallout>
+  <cs:dataPoint>
+    <cs:lnRef idx="0"/>
+    <cs:fillRef idx="1">
+      <cs:styleClr val="auto"/>
+    </cs:fillRef>
+    <cs:effectRef idx="0"/>
+    <cs:fontRef idx="minor">
+      <a:schemeClr val="tx1"/>
+    </cs:fontRef>
+  </cs:dataPoint>
+  <cs:dataPoint3D>
+    <cs:lnRef idx="0"/>
+    <cs:fillRef idx="1">
+      <cs:styleClr val="auto"/>
+    </cs:fillRef>
+    <cs:effectRef idx="0"/>
+    <cs:fontRef idx="minor">
+      <a:schemeClr val="tx1"/>
+    </cs:fontRef>
+  </cs:dataPoint3D>
+  <cs:dataPointLine>
+    <cs:lnRef idx="0">
+      <cs:styleClr val="auto"/>
+    </cs:lnRef>
+    <cs:fillRef idx="1"/>
+    <cs:effectRef idx="0"/>
+    <cs:fontRef idx="minor">
+      <a:schemeClr val="tx1"/>
+    </cs:fontRef>
+    <cs:spPr>
+      <a:ln w="28575" cap="rnd">
+        <a:solidFill>
+          <a:schemeClr val="phClr"/>
+        </a:solidFill>
+        <a:round/>
+      </a:ln>
+    </cs:spPr>
+  </cs:dataPointLine>
+  <cs:dataPointMarker>
+    <cs:lnRef idx="0">
+      <cs:styleClr val="auto"/>
+    </cs:lnRef>
+    <cs:fillRef idx="1">
+      <cs:styleClr val="auto"/>
+    </cs:fillRef>
+    <cs:effectRef idx="0"/>
+    <cs:fontRef idx="minor">
+      <a:schemeClr val="tx1"/>
+    </cs:fontRef>
+    <cs:spPr>
+      <a:ln w="9525">
+        <a:solidFill>
+          <a:schemeClr val="phClr"/>
+        </a:solidFill>
+      </a:ln>
+    </cs:spPr>
+  </cs:dataPointMarker>
+  <cs:dataPointMarkerLayout symbol="circle" size="5"/>
+  <cs:dataPointWireframe>
+    <cs:lnRef idx="0">
+      <cs:styleClr val="auto"/>
+    </cs:lnRef>
+    <cs:fillRef idx="1"/>
+    <cs:effectRef idx="0"/>
+    <cs:fontRef idx="minor">
+      <a:schemeClr val="tx1"/>
+    </cs:fontRef>
+    <cs:spPr>
+      <a:ln w="9525" cap="rnd">
+        <a:solidFill>
+          <a:schemeClr val="phClr"/>
+        </a:solidFill>
+        <a:round/>
+      </a:ln>
+    </cs:spPr>
+  </cs:dataPointWireframe>
+  <cs:dataTable>
+    <cs:lnRef idx="0"/>
+    <cs:fillRef idx="0"/>
+    <cs:effectRef idx="0"/>
+    <cs:fontRef idx="minor">
+      <a:schemeClr val="tx1">
+        <a:lumMod val="65000"/>
+        <a:lumOff val="35000"/>
+      </a:schemeClr>
+    </cs:fontRef>
+    <cs:spPr>
+      <a:noFill/>
+      <a:ln w="9525" cap="flat" cmpd="sng" algn="ctr">
+        <a:solidFill>
+          <a:schemeClr val="tx1">
+            <a:lumMod val="15000"/>
+            <a:lumOff val="85000"/>
+          </a:schemeClr>
+        </a:solidFill>
+        <a:round/>
+      </a:ln>
+    </cs:spPr>
+    <cs:defRPr sz="1197" kern="1200"/>
+  </cs:dataTable>
+  <cs:downBar>
+    <cs:lnRef idx="0"/>
+    <cs:fillRef idx="0"/>
+    <cs:effectRef idx="0"/>
+    <cs:fontRef idx="minor">
+      <a:schemeClr val="tx1"/>
+    </cs:fontRef>
+    <cs:spPr>
+      <a:solidFill>
+        <a:schemeClr val="dk1">
+          <a:lumMod val="75000"/>
+          <a:lumOff val="25000"/>
+        </a:schemeClr>
+      </a:solidFill>
+      <a:ln w="9525" cap="flat" cmpd="sng" algn="ctr">
+        <a:solidFill>
+          <a:schemeClr val="tx1">
+            <a:lumMod val="65000"/>
+            <a:lumOff val="35000"/>
+          </a:schemeClr>
+        </a:solidFill>
+        <a:round/>
+      </a:ln>
+    </cs:spPr>
+  </cs:downBar>
+  <cs:dropLine>
+    <cs:lnRef idx="0"/>
+    <cs:fillRef idx="0"/>
+    <cs:effectRef idx="0"/>
+    <cs:fontRef idx="minor">
+      <a:schemeClr val="tx1"/>
+    </cs:fontRef>
+    <cs:spPr>
+      <a:ln w="9525" cap="flat" cmpd="sng" algn="ctr">
+        <a:solidFill>
+          <a:schemeClr val="tx1">
+            <a:lumMod val="35000"/>
+            <a:lumOff val="65000"/>
+          </a:schemeClr>
+        </a:solidFill>
+        <a:round/>
+      </a:ln>
+    </cs:spPr>
+  </cs:dropLine>
+  <cs:errorBar>
+    <cs:lnRef idx="0"/>
+    <cs:fillRef idx="0"/>
+    <cs:effectRef idx="0"/>
+    <cs:fontRef idx="minor">
+      <a:schemeClr val="tx1"/>
+    </cs:fontRef>
+    <cs:spPr>
+      <a:ln w="9525" cap="flat" cmpd="sng" algn="ctr">
+        <a:solidFill>
+          <a:schemeClr val="tx1">
+            <a:lumMod val="65000"/>
+            <a:lumOff val="35000"/>
+          </a:schemeClr>
+        </a:solidFill>
+        <a:round/>
+      </a:ln>
+    </cs:spPr>
+  </cs:errorBar>
+  <cs:floor>
+    <cs:lnRef idx="0"/>
+    <cs:fillRef idx="0"/>
+    <cs:effectRef idx="0"/>
+    <cs:fontRef idx="minor">
+      <a:schemeClr val="tx1"/>
+    </cs:fontRef>
+    <cs:spPr>
+      <a:noFill/>
+      <a:ln>
+        <a:noFill/>
+      </a:ln>
+    </cs:spPr>
+  </cs:floor>
+  <cs:gridlineMajor>
+    <cs:lnRef idx="0"/>
+    <cs:fillRef idx="0"/>
+    <cs:effectRef idx="0"/>
+    <cs:fontRef idx="minor">
+      <a:schemeClr val="tx1"/>
+    </cs:fontRef>
+    <cs:spPr>
+      <a:ln w="9525" cap="flat" cmpd="sng" algn="ctr">
+        <a:solidFill>
+          <a:schemeClr val="tx1">
+            <a:lumMod val="15000"/>
+            <a:lumOff val="85000"/>
+          </a:schemeClr>
+        </a:solidFill>
+        <a:round/>
+      </a:ln>
+    </cs:spPr>
+  </cs:gridlineMajor>
+  <cs:gridlineMinor>
+    <cs:lnRef idx="0"/>
+    <cs:fillRef idx="0"/>
+    <cs:effectRef idx="0"/>
+    <cs:fontRef idx="minor">
+      <a:schemeClr val="tx1"/>
+    </cs:fontRef>
+    <cs:spPr>
+      <a:ln w="9525" cap="flat" cmpd="sng" algn="ctr">
+        <a:solidFill>
+          <a:schemeClr val="tx1">
+            <a:lumMod val="5000"/>
+            <a:lumOff val="95000"/>
+          </a:schemeClr>
+        </a:solidFill>
+        <a:round/>
+      </a:ln>
+    </cs:spPr>
+  </cs:gridlineMinor>
+  <cs:hiLoLine>
+    <cs:lnRef idx="0"/>
+    <cs:fillRef idx="0"/>
+    <cs:effectRef idx="0"/>
+    <cs:fontRef idx="minor">
+      <a:schemeClr val="tx1"/>
+    </cs:fontRef>
+    <cs:spPr>
+      <a:ln w="9525" cap="flat" cmpd="sng" algn="ctr">
+        <a:solidFill>
+          <a:schemeClr val="tx1">
+            <a:lumMod val="50000"/>
+            <a:lumOff val="50000"/>
+          </a:schemeClr>
+        </a:solidFill>
+        <a:round/>
+      </a:ln>
+    </cs:spPr>
+  </cs:hiLoLine>
+  <cs:leaderLine>
+    <cs:lnRef idx="0"/>
+    <cs:fillRef idx="0"/>
+    <cs:effectRef idx="0"/>
+    <cs:fontRef idx="minor">
+      <a:schemeClr val="tx1"/>
+    </cs:fontRef>
+    <cs:spPr>
+      <a:ln w="9525" cap="flat" cmpd="sng" algn="ctr">
+        <a:solidFill>
+          <a:schemeClr val="tx1">
+            <a:lumMod val="35000"/>
+            <a:lumOff val="65000"/>
+          </a:schemeClr>
+        </a:solidFill>
+        <a:round/>
+      </a:ln>
+    </cs:spPr>
+  </cs:leaderLine>
+  <cs:legend>
+    <cs:lnRef idx="0"/>
+    <cs:fillRef idx="0"/>
+    <cs:effectRef idx="0"/>
+    <cs:fontRef idx="minor">
+      <a:schemeClr val="tx1">
+        <a:lumMod val="65000"/>
+        <a:lumOff val="35000"/>
+      </a:schemeClr>
+    </cs:fontRef>
+    <cs:defRPr sz="1197" kern="1200"/>
+  </cs:legend>
+  <cs:plotArea mods="allowNoFillOverride allowNoLineOverride">
+    <cs:lnRef idx="0"/>
+    <cs:fillRef idx="0"/>
+    <cs:effectRef idx="0"/>
+    <cs:fontRef idx="minor">
+      <a:schemeClr val="tx1"/>
+    </cs:fontRef>
+  </cs:plotArea>
+  <cs:plotArea3D mods="allowNoFillOverride allowNoLineOverride">
+    <cs:lnRef idx="0"/>
+    <cs:fillRef idx="0"/>
+    <cs:effectRef idx="0"/>
+    <cs:fontRef idx="minor">
+      <a:schemeClr val="tx1"/>
+    </cs:fontRef>
+  </cs:plotArea3D>
+  <cs:seriesAxis>
+    <cs:lnRef idx="0"/>
+    <cs:fillRef idx="0"/>
+    <cs:effectRef idx="0"/>
+    <cs:fontRef idx="minor">
+      <a:schemeClr val="tx1">
+        <a:lumMod val="65000"/>
+        <a:lumOff val="35000"/>
+      </a:schemeClr>
+    </cs:fontRef>
+    <cs:defRPr sz="1197" kern="1200"/>
+  </cs:seriesAxis>
+  <cs:seriesLine>
+    <cs:lnRef idx="0"/>
+    <cs:fillRef idx="0"/>
+    <cs:effectRef idx="0"/>
+    <cs:fontRef idx="minor">
+      <a:schemeClr val="tx1"/>
+    </cs:fontRef>
+    <cs:spPr>
+      <a:ln w="9525" cap="flat" cmpd="sng" algn="ctr">
+        <a:solidFill>
+          <a:schemeClr val="tx1">
+            <a:lumMod val="35000"/>
+            <a:lumOff val="65000"/>
+          </a:schemeClr>
+        </a:solidFill>
+        <a:round/>
+      </a:ln>
+    </cs:spPr>
+  </cs:seriesLine>
+  <cs:title>
+    <cs:lnRef idx="0"/>
+    <cs:fillRef idx="0"/>
+    <cs:effectRef idx="0"/>
+    <cs:fontRef idx="minor">
+      <a:schemeClr val="tx1">
+        <a:lumMod val="65000"/>
+        <a:lumOff val="35000"/>
+      </a:schemeClr>
+    </cs:fontRef>
+    <cs:defRPr sz="1862" b="0" kern="1200" spc="0" baseline="0"/>
+  </cs:title>
+  <cs:trendline>
+    <cs:lnRef idx="0">
+      <cs:styleClr val="auto"/>
+    </cs:lnRef>
+    <cs:fillRef idx="0"/>
+    <cs:effectRef idx="0"/>
+    <cs:fontRef idx="minor">
+      <a:schemeClr val="tx1"/>
+    </cs:fontRef>
+    <cs:spPr>
+      <a:ln w="19050" cap="rnd">
+        <a:solidFill>
+          <a:schemeClr val="phClr"/>
+        </a:solidFill>
+        <a:prstDash val="sysDot"/>
+      </a:ln>
+    </cs:spPr>
+  </cs:trendline>
+  <cs:trendlineLabel>
+    <cs:lnRef idx="0"/>
+    <cs:fillRef idx="0"/>
+    <cs:effectRef idx="0"/>
+    <cs:fontRef idx="minor">
+      <a:schemeClr val="tx1">
+        <a:lumMod val="65000"/>
+        <a:lumOff val="35000"/>
+      </a:schemeClr>
+    </cs:fontRef>
+    <cs:defRPr sz="1197" kern="1200"/>
+  </cs:trendlineLabel>
+  <cs:upBar>
+    <cs:lnRef idx="0"/>
+    <cs:fillRef idx="0"/>
+    <cs:effectRef idx="0"/>
+    <cs:fontRef idx="minor">
+      <a:schemeClr val="tx1"/>
+    </cs:fontRef>
+    <cs:spPr>
+      <a:solidFill>
+        <a:schemeClr val="lt1"/>
+      </a:solidFill>
+      <a:ln w="9525" cap="flat" cmpd="sng" algn="ctr">
+        <a:solidFill>
+          <a:schemeClr val="tx1">
+            <a:lumMod val="65000"/>
+            <a:lumOff val="35000"/>
+          </a:schemeClr>
+        </a:solidFill>
+        <a:round/>
+      </a:ln>
+    </cs:spPr>
+  </cs:upBar>
+  <cs:valueAxis>
+    <cs:lnRef idx="0"/>
+    <cs:fillRef idx="0"/>
+    <cs:effectRef idx="0"/>
+    <cs:fontRef idx="minor">
+      <a:schemeClr val="tx1">
+        <a:lumMod val="65000"/>
+        <a:lumOff val="35000"/>
+      </a:schemeClr>
+    </cs:fontRef>
+    <cs:defRPr sz="1197" kern="1200"/>
+  </cs:valueAxis>
+  <cs:wall>
+    <cs:lnRef idx="0"/>
+    <cs:fillRef idx="0"/>
+    <cs:effectRef idx="0"/>
+    <cs:fontRef idx="minor">
+      <a:schemeClr val="tx1"/>
+    </cs:fontRef>
+    <cs:spPr>
+      <a:noFill/>
+      <a:ln>
+        <a:noFill/>
+      </a:ln>
+    </cs:spPr>
+  </cs:wall>
+</cs:chartStyle>
+</file>
+
+<file path=ppt/charts/style3.xml><?xml version="1.0" encoding="utf-8"?>
+<cs:chartStyle xmlns:cs="http://schemas.microsoft.com/office/drawing/2012/chartStyle" xmlns:a="http://schemas.openxmlformats.org/drawingml/2006/main" id="297">
+  <cs:axisTitle>
+    <cs:lnRef idx="0"/>
+    <cs:fillRef idx="0"/>
+    <cs:effectRef idx="0"/>
+    <cs:fontRef idx="minor">
+      <a:schemeClr val="tx1">
+        <a:lumMod val="65000"/>
+        <a:lumOff val="35000"/>
+      </a:schemeClr>
+    </cs:fontRef>
+    <cs:defRPr sz="1330" kern="1200"/>
+  </cs:axisTitle>
+  <cs:categoryAxis>
+    <cs:lnRef idx="0"/>
+    <cs:fillRef idx="0"/>
+    <cs:effectRef idx="0"/>
+    <cs:fontRef idx="minor">
+      <a:schemeClr val="tx1">
+        <a:lumMod val="65000"/>
+        <a:lumOff val="35000"/>
+      </a:schemeClr>
+    </cs:fontRef>
+    <cs:spPr>
+      <a:ln w="9525" cap="flat" cmpd="sng" algn="ctr">
+        <a:solidFill>
+          <a:schemeClr val="tx1">
+            <a:lumMod val="15000"/>
+            <a:lumOff val="85000"/>
+          </a:schemeClr>
+        </a:solidFill>
+        <a:round/>
+      </a:ln>
+    </cs:spPr>
+    <cs:defRPr sz="1197" kern="1200"/>
+  </cs:categoryAxis>
+  <cs:chartArea mods="allowNoFillOverride allowNoLineOverride">
+    <cs:lnRef idx="0"/>
+    <cs:fillRef idx="0"/>
+    <cs:effectRef idx="0"/>
+    <cs:fontRef idx="minor">
+      <a:schemeClr val="tx1"/>
+    </cs:fontRef>
+    <cs:spPr>
+      <a:solidFill>
+        <a:schemeClr val="bg1"/>
+      </a:solidFill>
+      <a:ln w="9525" cap="flat" cmpd="sng" algn="ctr">
+        <a:solidFill>
+          <a:schemeClr val="tx1">
+            <a:lumMod val="15000"/>
+            <a:lumOff val="85000"/>
+          </a:schemeClr>
+        </a:solidFill>
+        <a:round/>
+      </a:ln>
+    </cs:spPr>
+    <cs:defRPr sz="1330" kern="1200"/>
+  </cs:chartArea>
+  <cs:dataLabel>
+    <cs:lnRef idx="0"/>
+    <cs:fillRef idx="0"/>
+    <cs:effectRef idx="0"/>
+    <cs:fontRef idx="minor">
+      <a:schemeClr val="tx1">
+        <a:lumMod val="75000"/>
+        <a:lumOff val="25000"/>
+      </a:schemeClr>
+    </cs:fontRef>
+    <cs:defRPr sz="1197" kern="1200"/>
+  </cs:dataLabel>
+  <cs:dataLabelCallout>
+    <cs:lnRef idx="0"/>
+    <cs:fillRef idx="0"/>
+    <cs:effectRef idx="0"/>
+    <cs:fontRef idx="minor">
+      <a:schemeClr val="dk1">
+        <a:lumMod val="65000"/>
+        <a:lumOff val="35000"/>
+      </a:schemeClr>
+    </cs:fontRef>
+    <cs:spPr>
+      <a:solidFill>
+        <a:schemeClr val="lt1"/>
+      </a:solidFill>
+      <a:ln>
+        <a:solidFill>
+          <a:schemeClr val="dk1">
+            <a:lumMod val="25000"/>
+            <a:lumOff val="75000"/>
+          </a:schemeClr>
+        </a:solidFill>
+      </a:ln>
+    </cs:spPr>
+    <cs:defRPr sz="1197" kern="1200"/>
+    <cs:bodyPr rot="0" spcFirstLastPara="1" vertOverflow="clip" horzOverflow="clip" vert="horz" wrap="square" lIns="36576" tIns="18288" rIns="36576" bIns="18288" anchor="ctr" anchorCtr="1">
+      <a:spAutoFit/>
+    </cs:bodyPr>
+  </cs:dataLabelCallout>
+  <cs:dataPoint>
+    <cs:lnRef idx="0"/>
+    <cs:fillRef idx="1">
+      <cs:styleClr val="auto"/>
+    </cs:fillRef>
+    <cs:effectRef idx="0"/>
+    <cs:fontRef idx="minor">
+      <a:schemeClr val="tx1"/>
+    </cs:fontRef>
+  </cs:dataPoint>
+  <cs:dataPoint3D>
+    <cs:lnRef idx="0"/>
+    <cs:fillRef idx="1">
+      <cs:styleClr val="auto"/>
+    </cs:fillRef>
+    <cs:effectRef idx="0"/>
+    <cs:fontRef idx="minor">
+      <a:schemeClr val="tx1"/>
+    </cs:fontRef>
+  </cs:dataPoint3D>
+  <cs:dataPointLine>
+    <cs:lnRef idx="0">
+      <cs:styleClr val="auto"/>
+    </cs:lnRef>
+    <cs:fillRef idx="1"/>
+    <cs:effectRef idx="0"/>
+    <cs:fontRef idx="minor">
+      <a:schemeClr val="tx1"/>
+    </cs:fontRef>
+    <cs:spPr>
+      <a:ln w="28575" cap="rnd">
+        <a:solidFill>
+          <a:schemeClr val="phClr"/>
+        </a:solidFill>
+        <a:round/>
+      </a:ln>
+    </cs:spPr>
+  </cs:dataPointLine>
+  <cs:dataPointMarker>
+    <cs:lnRef idx="0">
+      <cs:styleClr val="auto"/>
+    </cs:lnRef>
+    <cs:fillRef idx="1">
+      <cs:styleClr val="auto"/>
+    </cs:fillRef>
+    <cs:effectRef idx="0"/>
+    <cs:fontRef idx="minor">
+      <a:schemeClr val="tx1"/>
+    </cs:fontRef>
+    <cs:spPr>
+      <a:ln w="9525">
+        <a:solidFill>
+          <a:schemeClr val="phClr"/>
+        </a:solidFill>
+      </a:ln>
+    </cs:spPr>
+  </cs:dataPointMarker>
+  <cs:dataPointMarkerLayout symbol="circle" size="5"/>
+  <cs:dataPointWireframe>
+    <cs:lnRef idx="0">
+      <cs:styleClr val="auto"/>
+    </cs:lnRef>
+    <cs:fillRef idx="1"/>
+    <cs:effectRef idx="0"/>
+    <cs:fontRef idx="minor">
+      <a:schemeClr val="tx1"/>
+    </cs:fontRef>
+    <cs:spPr>
+      <a:ln w="9525" cap="rnd">
+        <a:solidFill>
+          <a:schemeClr val="phClr"/>
+        </a:solidFill>
+        <a:round/>
+      </a:ln>
+    </cs:spPr>
+  </cs:dataPointWireframe>
+  <cs:dataTable>
+    <cs:lnRef idx="0"/>
+    <cs:fillRef idx="0"/>
+    <cs:effectRef idx="0"/>
+    <cs:fontRef idx="minor">
+      <a:schemeClr val="tx1">
+        <a:lumMod val="65000"/>
+        <a:lumOff val="35000"/>
+      </a:schemeClr>
+    </cs:fontRef>
+    <cs:spPr>
+      <a:noFill/>
+      <a:ln w="9525" cap="flat" cmpd="sng" algn="ctr">
+        <a:solidFill>
+          <a:schemeClr val="tx1">
+            <a:lumMod val="15000"/>
+            <a:lumOff val="85000"/>
+          </a:schemeClr>
+        </a:solidFill>
+        <a:round/>
+      </a:ln>
+    </cs:spPr>
+    <cs:defRPr sz="1197" kern="1200"/>
+  </cs:dataTable>
+  <cs:downBar>
+    <cs:lnRef idx="0"/>
+    <cs:fillRef idx="0"/>
+    <cs:effectRef idx="0"/>
+    <cs:fontRef idx="minor">
+      <a:schemeClr val="tx1"/>
+    </cs:fontRef>
+    <cs:spPr>
+      <a:solidFill>
+        <a:schemeClr val="dk1">
+          <a:lumMod val="75000"/>
+          <a:lumOff val="25000"/>
+        </a:schemeClr>
+      </a:solidFill>
+      <a:ln w="9525" cap="flat" cmpd="sng" algn="ctr">
+        <a:solidFill>
+          <a:schemeClr val="tx1">
+            <a:lumMod val="65000"/>
+            <a:lumOff val="35000"/>
+          </a:schemeClr>
+        </a:solidFill>
+        <a:round/>
+      </a:ln>
+    </cs:spPr>
+  </cs:downBar>
+  <cs:dropLine>
+    <cs:lnRef idx="0"/>
+    <cs:fillRef idx="0"/>
+    <cs:effectRef idx="0"/>
+    <cs:fontRef idx="minor">
+      <a:schemeClr val="tx1"/>
+    </cs:fontRef>
+    <cs:spPr>
+      <a:ln w="9525" cap="flat" cmpd="sng" algn="ctr">
+        <a:solidFill>
+          <a:schemeClr val="tx1">
+            <a:lumMod val="35000"/>
+            <a:lumOff val="65000"/>
+          </a:schemeClr>
+        </a:solidFill>
+        <a:round/>
+      </a:ln>
+    </cs:spPr>
+  </cs:dropLine>
+  <cs:errorBar>
+    <cs:lnRef idx="0"/>
+    <cs:fillRef idx="0"/>
+    <cs:effectRef idx="0"/>
+    <cs:fontRef idx="minor">
+      <a:schemeClr val="tx1"/>
+    </cs:fontRef>
+    <cs:spPr>
+      <a:ln w="9525" cap="flat" cmpd="sng" algn="ctr">
+        <a:solidFill>
+          <a:schemeClr val="tx1">
+            <a:lumMod val="65000"/>
+            <a:lumOff val="35000"/>
+          </a:schemeClr>
+        </a:solidFill>
+        <a:round/>
+      </a:ln>
+    </cs:spPr>
+  </cs:errorBar>
+  <cs:floor>
+    <cs:lnRef idx="0"/>
+    <cs:fillRef idx="0"/>
+    <cs:effectRef idx="0"/>
+    <cs:fontRef idx="minor">
+      <a:schemeClr val="tx1"/>
+    </cs:fontRef>
+    <cs:spPr>
+      <a:noFill/>
+      <a:ln>
+        <a:noFill/>
+      </a:ln>
+    </cs:spPr>
+  </cs:floor>
+  <cs:gridlineMajor>
+    <cs:lnRef idx="0"/>
+    <cs:fillRef idx="0"/>
+    <cs:effectRef idx="0"/>
+    <cs:fontRef idx="minor">
+      <a:schemeClr val="tx1"/>
+    </cs:fontRef>
+    <cs:spPr>
+      <a:ln w="9525" cap="flat" cmpd="sng" algn="ctr">
+        <a:solidFill>
+          <a:schemeClr val="tx1">
+            <a:lumMod val="15000"/>
+            <a:lumOff val="85000"/>
+          </a:schemeClr>
+        </a:solidFill>
+        <a:round/>
+      </a:ln>
+    </cs:spPr>
+  </cs:gridlineMajor>
+  <cs:gridlineMinor>
+    <cs:lnRef idx="0"/>
+    <cs:fillRef idx="0"/>
+    <cs:effectRef idx="0"/>
+    <cs:fontRef idx="minor">
+      <a:schemeClr val="tx1"/>
+    </cs:fontRef>
+    <cs:spPr>
+      <a:ln w="9525" cap="flat" cmpd="sng" algn="ctr">
+        <a:solidFill>
+          <a:schemeClr val="tx1">
+            <a:lumMod val="5000"/>
+            <a:lumOff val="95000"/>
+          </a:schemeClr>
+        </a:solidFill>
+        <a:round/>
+      </a:ln>
+    </cs:spPr>
+  </cs:gridlineMinor>
+  <cs:hiLoLine>
+    <cs:lnRef idx="0"/>
+    <cs:fillRef idx="0"/>
+    <cs:effectRef idx="0"/>
+    <cs:fontRef idx="minor">
+      <a:schemeClr val="tx1"/>
+    </cs:fontRef>
+    <cs:spPr>
+      <a:ln w="9525" cap="flat" cmpd="sng" algn="ctr">
+        <a:solidFill>
+          <a:schemeClr val="tx1">
+            <a:lumMod val="50000"/>
+            <a:lumOff val="50000"/>
+          </a:schemeClr>
+        </a:solidFill>
+        <a:round/>
+      </a:ln>
+    </cs:spPr>
+  </cs:hiLoLine>
+  <cs:leaderLine>
+    <cs:lnRef idx="0"/>
+    <cs:fillRef idx="0"/>
+    <cs:effectRef idx="0"/>
+    <cs:fontRef idx="minor">
+      <a:schemeClr val="tx1"/>
+    </cs:fontRef>
+    <cs:spPr>
+      <a:ln w="9525" cap="flat" cmpd="sng" algn="ctr">
+        <a:solidFill>
+          <a:schemeClr val="tx1">
+            <a:lumMod val="35000"/>
+            <a:lumOff val="65000"/>
+          </a:schemeClr>
+        </a:solidFill>
+        <a:round/>
+      </a:ln>
+    </cs:spPr>
+  </cs:leaderLine>
+  <cs:legend>
+    <cs:lnRef idx="0"/>
+    <cs:fillRef idx="0"/>
+    <cs:effectRef idx="0"/>
+    <cs:fontRef idx="minor">
+      <a:schemeClr val="tx1">
+        <a:lumMod val="65000"/>
+        <a:lumOff val="35000"/>
+      </a:schemeClr>
+    </cs:fontRef>
+    <cs:defRPr sz="1197" kern="1200"/>
+  </cs:legend>
+  <cs:plotArea mods="allowNoFillOverride allowNoLineOverride">
+    <cs:lnRef idx="0"/>
+    <cs:fillRef idx="0"/>
+    <cs:effectRef idx="0"/>
+    <cs:fontRef idx="minor">
+      <a:schemeClr val="tx1"/>
+    </cs:fontRef>
+  </cs:plotArea>
+  <cs:plotArea3D mods="allowNoFillOverride allowNoLineOverride">
+    <cs:lnRef idx="0"/>
+    <cs:fillRef idx="0"/>
+    <cs:effectRef idx="0"/>
+    <cs:fontRef idx="minor">
+      <a:schemeClr val="tx1"/>
+    </cs:fontRef>
+  </cs:plotArea3D>
+  <cs:seriesAxis>
+    <cs:lnRef idx="0"/>
+    <cs:fillRef idx="0"/>
+    <cs:effectRef idx="0"/>
+    <cs:fontRef idx="minor">
+      <a:schemeClr val="tx1">
+        <a:lumMod val="65000"/>
+        <a:lumOff val="35000"/>
+      </a:schemeClr>
+    </cs:fontRef>
+    <cs:defRPr sz="1197" kern="1200"/>
+  </cs:seriesAxis>
+  <cs:seriesLine>
+    <cs:lnRef idx="0"/>
+    <cs:fillRef idx="0"/>
+    <cs:effectRef idx="0"/>
+    <cs:fontRef idx="minor">
+      <a:schemeClr val="tx1"/>
+    </cs:fontRef>
+    <cs:spPr>
+      <a:ln w="9525" cap="flat" cmpd="sng" algn="ctr">
+        <a:solidFill>
+          <a:schemeClr val="tx1">
+            <a:lumMod val="35000"/>
+            <a:lumOff val="65000"/>
+          </a:schemeClr>
+        </a:solidFill>
+        <a:round/>
+      </a:ln>
+    </cs:spPr>
+  </cs:seriesLine>
+  <cs:title>
+    <cs:lnRef idx="0"/>
+    <cs:fillRef idx="0"/>
+    <cs:effectRef idx="0"/>
+    <cs:fontRef idx="minor">
+      <a:schemeClr val="tx1">
+        <a:lumMod val="65000"/>
+        <a:lumOff val="35000"/>
+      </a:schemeClr>
+    </cs:fontRef>
+    <cs:defRPr sz="1862" b="0" kern="1200" spc="0" baseline="0"/>
+  </cs:title>
+  <cs:trendline>
+    <cs:lnRef idx="0">
+      <cs:styleClr val="auto"/>
+    </cs:lnRef>
+    <cs:fillRef idx="0"/>
+    <cs:effectRef idx="0"/>
+    <cs:fontRef idx="minor">
+      <a:schemeClr val="tx1"/>
+    </cs:fontRef>
+    <cs:spPr>
+      <a:ln w="19050" cap="rnd">
+        <a:solidFill>
+          <a:schemeClr val="phClr"/>
+        </a:solidFill>
+        <a:prstDash val="sysDot"/>
+      </a:ln>
+    </cs:spPr>
+  </cs:trendline>
+  <cs:trendlineLabel>
+    <cs:lnRef idx="0"/>
+    <cs:fillRef idx="0"/>
+    <cs:effectRef idx="0"/>
+    <cs:fontRef idx="minor">
+      <a:schemeClr val="tx1">
+        <a:lumMod val="65000"/>
+        <a:lumOff val="35000"/>
+      </a:schemeClr>
+    </cs:fontRef>
+    <cs:defRPr sz="1197" kern="1200"/>
+  </cs:trendlineLabel>
+  <cs:upBar>
+    <cs:lnRef idx="0"/>
+    <cs:fillRef idx="0"/>
+    <cs:effectRef idx="0"/>
+    <cs:fontRef idx="minor">
+      <a:schemeClr val="tx1"/>
+    </cs:fontRef>
+    <cs:spPr>
+      <a:solidFill>
+        <a:schemeClr val="lt1"/>
+      </a:solidFill>
+      <a:ln w="9525" cap="flat" cmpd="sng" algn="ctr">
+        <a:solidFill>
+          <a:schemeClr val="tx1">
+            <a:lumMod val="65000"/>
+            <a:lumOff val="35000"/>
+          </a:schemeClr>
+        </a:solidFill>
+        <a:round/>
+      </a:ln>
+    </cs:spPr>
+  </cs:upBar>
+  <cs:valueAxis>
+    <cs:lnRef idx="0"/>
+    <cs:fillRef idx="0"/>
+    <cs:effectRef idx="0"/>
+    <cs:fontRef idx="minor">
+      <a:schemeClr val="tx1">
+        <a:lumMod val="65000"/>
+        <a:lumOff val="35000"/>
+      </a:schemeClr>
+    </cs:fontRef>
+    <cs:defRPr sz="1197" kern="1200"/>
+  </cs:valueAxis>
+  <cs:wall>
+    <cs:lnRef idx="0"/>
+    <cs:fillRef idx="0"/>
+    <cs:effectRef idx="0"/>
+    <cs:fontRef idx="minor">
+      <a:schemeClr val="tx1"/>
+    </cs:fontRef>
+    <cs:spPr>
+      <a:noFill/>
+      <a:ln>
+        <a:noFill/>
+      </a:ln>
+    </cs:spPr>
+  </cs:wall>
+</cs:chartStyle>
+</file>
+
+<file path=ppt/charts/style4.xml><?xml version="1.0" encoding="utf-8"?>
+<cs:chartStyle xmlns:cs="http://schemas.microsoft.com/office/drawing/2012/chartStyle" xmlns:a="http://schemas.openxmlformats.org/drawingml/2006/main" id="276">
+  <cs:axisTitle>
+    <cs:lnRef idx="0"/>
+    <cs:fillRef idx="0"/>
+    <cs:effectRef idx="0"/>
+    <cs:fontRef idx="minor">
+      <a:schemeClr val="tx1">
+        <a:lumMod val="65000"/>
+        <a:lumOff val="35000"/>
+      </a:schemeClr>
+    </cs:fontRef>
+    <cs:defRPr sz="1330" kern="1200"/>
+  </cs:axisTitle>
+  <cs:categoryAxis>
+    <cs:lnRef idx="0"/>
+    <cs:fillRef idx="0"/>
+    <cs:effectRef idx="0"/>
+    <cs:fontRef idx="minor">
+      <a:schemeClr val="tx1">
+        <a:lumMod val="65000"/>
+        <a:lumOff val="35000"/>
+      </a:schemeClr>
+    </cs:fontRef>
+    <cs:spPr>
+      <a:ln w="9525" cap="flat" cmpd="sng" algn="ctr">
+        <a:solidFill>
+          <a:schemeClr val="tx1">
+            <a:lumMod val="15000"/>
+            <a:lumOff val="85000"/>
+          </a:schemeClr>
+        </a:solidFill>
+        <a:round/>
+      </a:ln>
+    </cs:spPr>
+    <cs:defRPr sz="1197" kern="1200"/>
+  </cs:categoryAxis>
+  <cs:chartArea mods="allowNoFillOverride allowNoLineOverride">
+    <cs:lnRef idx="0"/>
+    <cs:fillRef idx="0"/>
+    <cs:effectRef idx="0"/>
+    <cs:fontRef idx="minor">
+      <a:schemeClr val="tx1"/>
+    </cs:fontRef>
+    <cs:spPr>
+      <a:solidFill>
+        <a:schemeClr val="bg1"/>
+      </a:solidFill>
+      <a:ln w="9525" cap="flat" cmpd="sng" algn="ctr">
+        <a:solidFill>
+          <a:schemeClr val="tx1">
+            <a:lumMod val="15000"/>
+            <a:lumOff val="85000"/>
+          </a:schemeClr>
+        </a:solidFill>
+        <a:round/>
+      </a:ln>
+    </cs:spPr>
+    <cs:defRPr sz="1330" kern="1200"/>
+  </cs:chartArea>
+  <cs:dataLabel>
+    <cs:lnRef idx="0"/>
+    <cs:fillRef idx="0"/>
+    <cs:effectRef idx="0"/>
+    <cs:fontRef idx="minor">
+      <a:schemeClr val="tx1">
+        <a:lumMod val="75000"/>
+        <a:lumOff val="25000"/>
+      </a:schemeClr>
+    </cs:fontRef>
+    <cs:defRPr sz="1197" kern="1200"/>
+  </cs:dataLabel>
+  <cs:dataLabelCallout>
+    <cs:lnRef idx="0"/>
+    <cs:fillRef idx="0"/>
+    <cs:effectRef idx="0"/>
+    <cs:fontRef idx="minor">
+      <a:schemeClr val="dk1">
+        <a:lumMod val="65000"/>
+        <a:lumOff val="35000"/>
+      </a:schemeClr>
+    </cs:fontRef>
+    <cs:spPr>
+      <a:solidFill>
+        <a:schemeClr val="lt1"/>
+      </a:solidFill>
+      <a:ln>
+        <a:solidFill>
+          <a:schemeClr val="dk1">
+            <a:lumMod val="25000"/>
+            <a:lumOff val="75000"/>
+          </a:schemeClr>
+        </a:solidFill>
+      </a:ln>
+    </cs:spPr>
+    <cs:defRPr sz="1197" kern="1200"/>
+    <cs:bodyPr rot="0" spcFirstLastPara="1" vertOverflow="clip" horzOverflow="clip" vert="horz" wrap="square" lIns="36576" tIns="18288" rIns="36576" bIns="18288" anchor="ctr" anchorCtr="1">
+      <a:spAutoFit/>
+    </cs:bodyPr>
+  </cs:dataLabelCallout>
+  <cs:dataPoint>
+    <cs:lnRef idx="0"/>
+    <cs:fillRef idx="1">
+      <cs:styleClr val="auto"/>
+    </cs:fillRef>
+    <cs:effectRef idx="0"/>
+    <cs:fontRef idx="minor">
+      <a:schemeClr val="tx1"/>
+    </cs:fontRef>
+  </cs:dataPoint>
+  <cs:dataPoint3D>
+    <cs:lnRef idx="0"/>
+    <cs:fillRef idx="1">
+      <cs:styleClr val="auto"/>
+    </cs:fillRef>
+    <cs:effectRef idx="0"/>
+    <cs:fontRef idx="minor">
+      <a:schemeClr val="tx1"/>
+    </cs:fontRef>
+  </cs:dataPoint3D>
+  <cs:dataPointLine>
+    <cs:lnRef idx="0">
+      <cs:styleClr val="auto"/>
+    </cs:lnRef>
+    <cs:fillRef idx="1"/>
+    <cs:effectRef idx="0"/>
+    <cs:fontRef idx="minor">
+      <a:schemeClr val="tx1"/>
+    </cs:fontRef>
+    <cs:spPr>
+      <a:ln w="28575" cap="rnd">
+        <a:solidFill>
+          <a:schemeClr val="phClr"/>
+        </a:solidFill>
+        <a:round/>
+      </a:ln>
+    </cs:spPr>
+  </cs:dataPointLine>
+  <cs:dataPointMarker>
+    <cs:lnRef idx="0">
+      <cs:styleClr val="auto"/>
+    </cs:lnRef>
+    <cs:fillRef idx="1">
+      <cs:styleClr val="auto"/>
+    </cs:fillRef>
+    <cs:effectRef idx="0"/>
+    <cs:fontRef idx="minor">
+      <a:schemeClr val="tx1"/>
+    </cs:fontRef>
+    <cs:spPr>
+      <a:ln w="9525">
+        <a:solidFill>
+          <a:schemeClr val="phClr"/>
+        </a:solidFill>
+      </a:ln>
+    </cs:spPr>
+  </cs:dataPointMarker>
+  <cs:dataPointMarkerLayout symbol="circle" size="5"/>
+  <cs:dataPointWireframe>
+    <cs:lnRef idx="0">
+      <cs:styleClr val="auto"/>
+    </cs:lnRef>
+    <cs:fillRef idx="1"/>
+    <cs:effectRef idx="0"/>
+    <cs:fontRef idx="minor">
+      <a:schemeClr val="tx1"/>
+    </cs:fontRef>
+    <cs:spPr>
+      <a:ln w="9525" cap="rnd">
+        <a:solidFill>
+          <a:schemeClr val="phClr"/>
+        </a:solidFill>
+        <a:round/>
+      </a:ln>
+    </cs:spPr>
+  </cs:dataPointWireframe>
+  <cs:dataTable>
+    <cs:lnRef idx="0"/>
+    <cs:fillRef idx="0"/>
+    <cs:effectRef idx="0"/>
+    <cs:fontRef idx="minor">
+      <a:schemeClr val="tx1">
+        <a:lumMod val="65000"/>
+        <a:lumOff val="35000"/>
+      </a:schemeClr>
+    </cs:fontRef>
+    <cs:spPr>
+      <a:noFill/>
+      <a:ln w="9525" cap="flat" cmpd="sng" algn="ctr">
+        <a:solidFill>
+          <a:schemeClr val="tx1">
+            <a:lumMod val="15000"/>
+            <a:lumOff val="85000"/>
+          </a:schemeClr>
+        </a:solidFill>
+        <a:round/>
+      </a:ln>
+    </cs:spPr>
+    <cs:defRPr sz="1197" kern="1200"/>
+  </cs:dataTable>
+  <cs:downBar>
+    <cs:lnRef idx="0"/>
+    <cs:fillRef idx="0"/>
+    <cs:effectRef idx="0"/>
+    <cs:fontRef idx="minor">
+      <a:schemeClr val="tx1"/>
+    </cs:fontRef>
+    <cs:spPr>
+      <a:solidFill>
+        <a:schemeClr val="dk1">
+          <a:lumMod val="75000"/>
+          <a:lumOff val="25000"/>
+        </a:schemeClr>
+      </a:solidFill>
+      <a:ln w="9525" cap="flat" cmpd="sng" algn="ctr">
+        <a:solidFill>
+          <a:schemeClr val="tx1">
+            <a:lumMod val="65000"/>
+            <a:lumOff val="35000"/>
+          </a:schemeClr>
+        </a:solidFill>
+        <a:round/>
+      </a:ln>
+    </cs:spPr>
+  </cs:downBar>
+  <cs:dropLine>
+    <cs:lnRef idx="0"/>
+    <cs:fillRef idx="0"/>
+    <cs:effectRef idx="0"/>
+    <cs:fontRef idx="minor">
+      <a:schemeClr val="tx1"/>
+    </cs:fontRef>
+    <cs:spPr>
+      <a:ln w="9525" cap="flat" cmpd="sng" algn="ctr">
+        <a:solidFill>
+          <a:schemeClr val="tx1">
+            <a:lumMod val="35000"/>
+            <a:lumOff val="65000"/>
+          </a:schemeClr>
+        </a:solidFill>
+        <a:round/>
+      </a:ln>
+    </cs:spPr>
+  </cs:dropLine>
+  <cs:errorBar>
+    <cs:lnRef idx="0"/>
+    <cs:fillRef idx="0"/>
+    <cs:effectRef idx="0"/>
+    <cs:fontRef idx="minor">
+      <a:schemeClr val="tx1"/>
+    </cs:fontRef>
+    <cs:spPr>
+      <a:ln w="9525" cap="flat" cmpd="sng" algn="ctr">
+        <a:solidFill>
+          <a:schemeClr val="tx1">
+            <a:lumMod val="65000"/>
+            <a:lumOff val="35000"/>
+          </a:schemeClr>
+        </a:solidFill>
+        <a:round/>
+      </a:ln>
+    </cs:spPr>
+  </cs:errorBar>
+  <cs:floor>
+    <cs:lnRef idx="0"/>
+    <cs:fillRef idx="0"/>
+    <cs:effectRef idx="0"/>
+    <cs:fontRef idx="minor">
+      <a:schemeClr val="tx1"/>
+    </cs:fontRef>
+    <cs:spPr>
+      <a:ln w="9525" cap="flat" cmpd="sng" algn="ctr">
+        <a:solidFill>
+          <a:schemeClr val="tx1">
+            <a:lumMod val="15000"/>
+            <a:lumOff val="85000"/>
+          </a:schemeClr>
+        </a:solidFill>
+        <a:round/>
+      </a:ln>
+    </cs:spPr>
+  </cs:floor>
+  <cs:gridlineMajor>
+    <cs:lnRef idx="0"/>
+    <cs:fillRef idx="0"/>
+    <cs:effectRef idx="0"/>
+    <cs:fontRef idx="minor">
+      <a:schemeClr val="tx1"/>
+    </cs:fontRef>
+    <cs:spPr>
+      <a:ln w="9525" cap="flat" cmpd="sng" algn="ctr">
+        <a:solidFill>
+          <a:schemeClr val="tx1">
+            <a:lumMod val="15000"/>
+            <a:lumOff val="85000"/>
+          </a:schemeClr>
+        </a:solidFill>
+        <a:round/>
+      </a:ln>
+    </cs:spPr>
+  </cs:gridlineMajor>
+  <cs:gridlineMinor>
+    <cs:lnRef idx="0"/>
+    <cs:fillRef idx="0"/>
+    <cs:effectRef idx="0"/>
+    <cs:fontRef idx="minor">
+      <a:schemeClr val="tx1"/>
+    </cs:fontRef>
+    <cs:spPr>
+      <a:ln w="9525" cap="flat" cmpd="sng" algn="ctr">
+        <a:solidFill>
+          <a:schemeClr val="tx1">
+            <a:lumMod val="5000"/>
+            <a:lumOff val="95000"/>
+          </a:schemeClr>
+        </a:solidFill>
+        <a:round/>
+      </a:ln>
+    </cs:spPr>
+  </cs:gridlineMinor>
+  <cs:hiLoLine>
+    <cs:lnRef idx="0"/>
+    <cs:fillRef idx="0"/>
+    <cs:effectRef idx="0"/>
+    <cs:fontRef idx="minor">
+      <a:schemeClr val="tx1"/>
+    </cs:fontRef>
+    <cs:spPr>
+      <a:ln w="9525" cap="flat" cmpd="sng" algn="ctr">
+        <a:solidFill>
+          <a:schemeClr val="tx1">
+            <a:lumMod val="50000"/>
+            <a:lumOff val="50000"/>
+          </a:schemeClr>
+        </a:solidFill>
+        <a:round/>
+      </a:ln>
+    </cs:spPr>
+  </cs:hiLoLine>
+  <cs:leaderLine>
+    <cs:lnRef idx="0"/>
+    <cs:fillRef idx="0"/>
+    <cs:effectRef idx="0"/>
+    <cs:fontRef idx="minor">
+      <a:schemeClr val="tx1"/>
+    </cs:fontRef>
+    <cs:spPr>
+      <a:ln w="9525" cap="flat" cmpd="sng" algn="ctr">
+        <a:solidFill>
+          <a:schemeClr val="tx1">
+            <a:lumMod val="35000"/>
+            <a:lumOff val="65000"/>
+          </a:schemeClr>
+        </a:solidFill>
+        <a:round/>
+      </a:ln>
+    </cs:spPr>
+  </cs:leaderLine>
+  <cs:legend>
+    <cs:lnRef idx="0"/>
+    <cs:fillRef idx="0"/>
+    <cs:effectRef idx="0"/>
+    <cs:fontRef idx="minor">
+      <a:schemeClr val="tx1">
+        <a:lumMod val="65000"/>
+        <a:lumOff val="35000"/>
+      </a:schemeClr>
+    </cs:fontRef>
+    <cs:defRPr sz="1197" kern="1200"/>
+  </cs:legend>
+  <cs:plotArea mods="allowNoFillOverride allowNoLineOverride">
+    <cs:lnRef idx="0"/>
+    <cs:fillRef idx="0"/>
+    <cs:effectRef idx="0"/>
+    <cs:fontRef idx="minor">
+      <a:schemeClr val="tx1"/>
+    </cs:fontRef>
+  </cs:plotArea>
+  <cs:plotArea3D mods="allowNoFillOverride allowNoLineOverride">
+    <cs:lnRef idx="0"/>
+    <cs:fillRef idx="0"/>
+    <cs:effectRef idx="0"/>
+    <cs:fontRef idx="minor">
+      <a:schemeClr val="tx1"/>
+    </cs:fontRef>
+  </cs:plotArea3D>
+  <cs:seriesAxis>
+    <cs:lnRef idx="0"/>
+    <cs:fillRef idx="0"/>
+    <cs:effectRef idx="0"/>
+    <cs:fontRef idx="minor">
+      <a:schemeClr val="tx1">
+        <a:lumMod val="65000"/>
+        <a:lumOff val="35000"/>
+      </a:schemeClr>
+    </cs:fontRef>
+    <cs:spPr>
+      <a:ln w="9525" cap="flat" cmpd="sng" algn="ctr">
+        <a:solidFill>
+          <a:schemeClr val="tx1">
+            <a:lumMod val="15000"/>
+            <a:lumOff val="85000"/>
+          </a:schemeClr>
+        </a:solidFill>
+        <a:round/>
+      </a:ln>
+    </cs:spPr>
+    <cs:defRPr sz="1197" kern="1200"/>
+  </cs:seriesAxis>
+  <cs:seriesLine>
+    <cs:lnRef idx="0"/>
+    <cs:fillRef idx="0"/>
+    <cs:effectRef idx="0"/>
+    <cs:fontRef idx="minor">
+      <a:schemeClr val="tx1"/>
+    </cs:fontRef>
+    <cs:spPr>
+      <a:ln w="9525" cap="flat" cmpd="sng" algn="ctr">
+        <a:solidFill>
+          <a:schemeClr val="tx1">
+            <a:lumMod val="35000"/>
+            <a:lumOff val="65000"/>
+          </a:schemeClr>
+        </a:solidFill>
+        <a:round/>
+      </a:ln>
+    </cs:spPr>
+  </cs:seriesLine>
+  <cs:title>
+    <cs:lnRef idx="0"/>
+    <cs:fillRef idx="0"/>
+    <cs:effectRef idx="0"/>
+    <cs:fontRef idx="minor">
+      <a:schemeClr val="tx1">
+        <a:lumMod val="65000"/>
+        <a:lumOff val="35000"/>
+      </a:schemeClr>
+    </cs:fontRef>
+    <cs:defRPr sz="1862" b="0" kern="1200" spc="0" baseline="0"/>
+  </cs:title>
+  <cs:trendline>
+    <cs:lnRef idx="0">
+      <cs:styleClr val="auto"/>
+    </cs:lnRef>
+    <cs:fillRef idx="0"/>
+    <cs:effectRef idx="0"/>
+    <cs:fontRef idx="minor">
+      <a:schemeClr val="tx1"/>
+    </cs:fontRef>
+    <cs:spPr>
+      <a:ln w="19050" cap="rnd">
+        <a:solidFill>
+          <a:schemeClr val="phClr"/>
+        </a:solidFill>
+        <a:prstDash val="sysDot"/>
+      </a:ln>
+    </cs:spPr>
+  </cs:trendline>
+  <cs:trendlineLabel>
+    <cs:lnRef idx="0"/>
+    <cs:fillRef idx="0"/>
+    <cs:effectRef idx="0"/>
+    <cs:fontRef idx="minor">
+      <a:schemeClr val="tx1">
+        <a:lumMod val="65000"/>
+        <a:lumOff val="35000"/>
+      </a:schemeClr>
+    </cs:fontRef>
+    <cs:defRPr sz="1197" kern="1200"/>
+  </cs:trendlineLabel>
+  <cs:upBar>
+    <cs:lnRef idx="0"/>
+    <cs:fillRef idx="0"/>
+    <cs:effectRef idx="0"/>
+    <cs:fontRef idx="minor">
+      <a:schemeClr val="tx1"/>
+    </cs:fontRef>
+    <cs:spPr>
+      <a:solidFill>
+        <a:schemeClr val="lt1"/>
+      </a:solidFill>
+      <a:ln w="9525" cap="flat" cmpd="sng" algn="ctr">
+        <a:solidFill>
+          <a:schemeClr val="tx1">
+            <a:lumMod val="65000"/>
+            <a:lumOff val="35000"/>
+          </a:schemeClr>
+        </a:solidFill>
+        <a:round/>
+      </a:ln>
+    </cs:spPr>
+  </cs:upBar>
+  <cs:valueAxis>
+    <cs:lnRef idx="0"/>
+    <cs:fillRef idx="0"/>
+    <cs:effectRef idx="0"/>
+    <cs:fontRef idx="minor">
+      <a:schemeClr val="tx1">
+        <a:lumMod val="65000"/>
+        <a:lumOff val="35000"/>
+      </a:schemeClr>
+    </cs:fontRef>
+    <cs:defRPr sz="1197" kern="1200"/>
+  </cs:valueAxis>
+  <cs:wall>
+    <cs:lnRef idx="0"/>
+    <cs:fillRef idx="0"/>
+    <cs:effectRef idx="0"/>
+    <cs:fontRef idx="minor">
+      <a:schemeClr val="tx1"/>
+    </cs:fontRef>
+    <cs:spPr>
+      <a:noFill/>
+      <a:ln>
+        <a:noFill/>
+      </a:ln>
+    </cs:spPr>
+  </cs:wall>
+</cs:chartStyle>
+</file>
+
+<file path=ppt/charts/style5.xml><?xml version="1.0" encoding="utf-8"?>
+<cs:chartStyle xmlns:cs="http://schemas.microsoft.com/office/drawing/2012/chartStyle" xmlns:a="http://schemas.openxmlformats.org/drawingml/2006/main" id="227">
+  <cs:axisTitle>
+    <cs:lnRef idx="0"/>
+    <cs:fillRef idx="0"/>
+    <cs:effectRef idx="0"/>
+    <cs:fontRef idx="minor">
+      <a:schemeClr val="tx1">
+        <a:lumMod val="65000"/>
+        <a:lumOff val="35000"/>
+      </a:schemeClr>
+    </cs:fontRef>
+    <cs:defRPr sz="1330" kern="1200"/>
+  </cs:axisTitle>
+  <cs:categoryAxis>
+    <cs:lnRef idx="0"/>
+    <cs:fillRef idx="0"/>
+    <cs:effectRef idx="0"/>
+    <cs:fontRef idx="minor">
+      <a:schemeClr val="tx1">
+        <a:lumMod val="65000"/>
+        <a:lumOff val="35000"/>
+      </a:schemeClr>
+    </cs:fontRef>
+    <cs:spPr>
+      <a:ln w="9525" cap="flat" cmpd="sng" algn="ctr">
+        <a:solidFill>
+          <a:schemeClr val="tx1">
+            <a:lumMod val="15000"/>
+            <a:lumOff val="85000"/>
+          </a:schemeClr>
+        </a:solidFill>
+        <a:round/>
+      </a:ln>
+    </cs:spPr>
+    <cs:defRPr sz="1197" kern="1200"/>
+  </cs:categoryAxis>
+  <cs:chartArea mods="allowNoFillOverride allowNoLineOverride">
+    <cs:lnRef idx="0"/>
+    <cs:fillRef idx="0"/>
+    <cs:effectRef idx="0"/>
+    <cs:fontRef idx="minor">
+      <a:schemeClr val="tx1"/>
+    </cs:fontRef>
+    <cs:spPr>
+      <a:solidFill>
+        <a:schemeClr val="bg1"/>
+      </a:solidFill>
+      <a:ln w="9525" cap="flat" cmpd="sng" algn="ctr">
+        <a:solidFill>
+          <a:schemeClr val="tx1">
+            <a:lumMod val="15000"/>
+            <a:lumOff val="85000"/>
+          </a:schemeClr>
+        </a:solidFill>
+        <a:round/>
+      </a:ln>
+    </cs:spPr>
+    <cs:defRPr sz="1330" kern="1200"/>
+  </cs:chartArea>
+  <cs:dataLabel>
+    <cs:lnRef idx="0"/>
+    <cs:fillRef idx="0"/>
+    <cs:effectRef idx="0"/>
+    <cs:fontRef idx="minor">
+      <a:schemeClr val="tx1">
+        <a:lumMod val="75000"/>
+        <a:lumOff val="25000"/>
+      </a:schemeClr>
+    </cs:fontRef>
+    <cs:defRPr sz="1197" kern="1200"/>
+  </cs:dataLabel>
+  <cs:dataLabelCallout>
+    <cs:lnRef idx="0"/>
+    <cs:fillRef idx="0"/>
+    <cs:effectRef idx="0"/>
+    <cs:fontRef idx="minor">
+      <a:schemeClr val="dk1">
+        <a:lumMod val="65000"/>
+        <a:lumOff val="35000"/>
+      </a:schemeClr>
+    </cs:fontRef>
+    <cs:spPr>
+      <a:solidFill>
+        <a:schemeClr val="lt1"/>
+      </a:solidFill>
+      <a:ln>
+        <a:solidFill>
+          <a:schemeClr val="dk1">
+            <a:lumMod val="25000"/>
+            <a:lumOff val="75000"/>
+          </a:schemeClr>
+        </a:solidFill>
+      </a:ln>
+    </cs:spPr>
+    <cs:defRPr sz="1197" kern="1200"/>
+    <cs:bodyPr rot="0" spcFirstLastPara="1" vertOverflow="clip" horzOverflow="clip" vert="horz" wrap="square" lIns="36576" tIns="18288" rIns="36576" bIns="18288" anchor="ctr" anchorCtr="1">
+      <a:spAutoFit/>
+    </cs:bodyPr>
+  </cs:dataLabelCallout>
+  <cs:dataPoint>
+    <cs:lnRef idx="0"/>
+    <cs:fillRef idx="1">
+      <cs:styleClr val="auto"/>
+    </cs:fillRef>
+    <cs:effectRef idx="0"/>
+    <cs:fontRef idx="minor">
+      <a:schemeClr val="tx1"/>
+    </cs:fontRef>
+    <cs:spPr>
+      <a:solidFill>
+        <a:schemeClr val="phClr"/>
+      </a:solidFill>
+    </cs:spPr>
+  </cs:dataPoint>
+  <cs:dataPoint3D>
+    <cs:lnRef idx="0"/>
+    <cs:fillRef idx="1">
+      <cs:styleClr val="auto"/>
+    </cs:fillRef>
+    <cs:effectRef idx="0"/>
+    <cs:fontRef idx="minor">
+      <a:schemeClr val="tx1"/>
+    </cs:fontRef>
+    <cs:spPr>
+      <a:solidFill>
+        <a:schemeClr val="phClr"/>
+      </a:solidFill>
+    </cs:spPr>
+  </cs:dataPoint3D>
+  <cs:dataPointLine>
+    <cs:lnRef idx="0">
+      <cs:styleClr val="auto"/>
+    </cs:lnRef>
+    <cs:fillRef idx="1"/>
+    <cs:effectRef idx="0"/>
+    <cs:fontRef idx="minor">
+      <a:schemeClr val="tx1"/>
+    </cs:fontRef>
+    <cs:spPr>
+      <a:ln w="28575" cap="rnd">
+        <a:solidFill>
+          <a:schemeClr val="phClr"/>
+        </a:solidFill>
+        <a:round/>
+      </a:ln>
+    </cs:spPr>
+  </cs:dataPointLine>
+  <cs:dataPointMarker>
+    <cs:lnRef idx="0">
+      <cs:styleClr val="auto"/>
+    </cs:lnRef>
+    <cs:fillRef idx="1">
+      <cs:styleClr val="auto"/>
+    </cs:fillRef>
+    <cs:effectRef idx="0"/>
+    <cs:fontRef idx="minor">
+      <a:schemeClr val="tx1"/>
+    </cs:fontRef>
+    <cs:spPr>
+      <a:solidFill>
+        <a:schemeClr val="phClr"/>
+      </a:solidFill>
+      <a:ln w="9525">
+        <a:solidFill>
+          <a:schemeClr val="phClr"/>
+        </a:solidFill>
+      </a:ln>
+    </cs:spPr>
+  </cs:dataPointMarker>
+  <cs:dataPointMarkerLayout symbol="circle" size="5"/>
+  <cs:dataPointWireframe>
+    <cs:lnRef idx="0">
+      <cs:styleClr val="auto"/>
+    </cs:lnRef>
+    <cs:fillRef idx="1"/>
+    <cs:effectRef idx="0"/>
+    <cs:fontRef idx="minor">
+      <a:schemeClr val="tx1"/>
+    </cs:fontRef>
+    <cs:spPr>
+      <a:ln w="9525" cap="rnd">
+        <a:solidFill>
+          <a:schemeClr val="phClr"/>
+        </a:solidFill>
+        <a:round/>
+      </a:ln>
+    </cs:spPr>
+  </cs:dataPointWireframe>
+  <cs:dataTable>
+    <cs:lnRef idx="0"/>
+    <cs:fillRef idx="0"/>
+    <cs:effectRef idx="0"/>
+    <cs:fontRef idx="minor">
+      <a:schemeClr val="tx1">
+        <a:lumMod val="65000"/>
+        <a:lumOff val="35000"/>
+      </a:schemeClr>
+    </cs:fontRef>
+    <cs:spPr>
+      <a:noFill/>
+      <a:ln w="9525" cap="flat" cmpd="sng" algn="ctr">
+        <a:solidFill>
+          <a:schemeClr val="tx1">
+            <a:lumMod val="15000"/>
+            <a:lumOff val="85000"/>
+          </a:schemeClr>
+        </a:solidFill>
+        <a:round/>
+      </a:ln>
+    </cs:spPr>
+    <cs:defRPr sz="1197" kern="1200"/>
+  </cs:dataTable>
+  <cs:downBar>
+    <cs:lnRef idx="0"/>
+    <cs:fillRef idx="0"/>
+    <cs:effectRef idx="0"/>
+    <cs:fontRef idx="minor">
+      <a:schemeClr val="dk1"/>
+    </cs:fontRef>
+    <cs:spPr>
+      <a:solidFill>
+        <a:schemeClr val="dk1">
+          <a:lumMod val="65000"/>
+          <a:lumOff val="35000"/>
+        </a:schemeClr>
+      </a:solidFill>
+      <a:ln w="9525">
+        <a:solidFill>
+          <a:schemeClr val="tx1">
+            <a:lumMod val="65000"/>
+            <a:lumOff val="35000"/>
+          </a:schemeClr>
+        </a:solidFill>
+      </a:ln>
+    </cs:spPr>
+  </cs:downBar>
+  <cs:dropLine>
+    <cs:lnRef idx="0"/>
+    <cs:fillRef idx="0"/>
+    <cs:effectRef idx="0"/>
+    <cs:fontRef idx="minor">
+      <a:schemeClr val="tx1"/>
+    </cs:fontRef>
+    <cs:spPr>
+      <a:ln w="9525" cap="flat" cmpd="sng" algn="ctr">
+        <a:solidFill>
+          <a:schemeClr val="tx1">
+            <a:lumMod val="35000"/>
+            <a:lumOff val="65000"/>
+          </a:schemeClr>
+        </a:solidFill>
+        <a:round/>
+      </a:ln>
+    </cs:spPr>
+  </cs:dropLine>
+  <cs:errorBar>
+    <cs:lnRef idx="0"/>
+    <cs:fillRef idx="0"/>
+    <cs:effectRef idx="0"/>
+    <cs:fontRef idx="minor">
+      <a:schemeClr val="tx1"/>
+    </cs:fontRef>
+    <cs:spPr>
+      <a:ln w="9525" cap="flat" cmpd="sng" algn="ctr">
+        <a:solidFill>
+          <a:schemeClr val="tx1">
+            <a:lumMod val="65000"/>
+            <a:lumOff val="35000"/>
+          </a:schemeClr>
+        </a:solidFill>
+        <a:round/>
+      </a:ln>
+    </cs:spPr>
+  </cs:errorBar>
+  <cs:floor>
+    <cs:lnRef idx="0"/>
+    <cs:fillRef idx="0"/>
+    <cs:effectRef idx="0"/>
+    <cs:fontRef idx="minor">
+      <a:schemeClr val="tx1"/>
+    </cs:fontRef>
+    <cs:spPr>
+      <a:noFill/>
+      <a:ln>
+        <a:noFill/>
+      </a:ln>
+    </cs:spPr>
+  </cs:floor>
+  <cs:gridlineMajor>
+    <cs:lnRef idx="0"/>
+    <cs:fillRef idx="0"/>
+    <cs:effectRef idx="0"/>
+    <cs:fontRef idx="minor">
+      <a:schemeClr val="tx1"/>
+    </cs:fontRef>
+    <cs:spPr>
+      <a:ln w="9525" cap="flat" cmpd="sng" algn="ctr">
+        <a:solidFill>
+          <a:schemeClr val="tx1">
+            <a:lumMod val="15000"/>
+            <a:lumOff val="85000"/>
+          </a:schemeClr>
+        </a:solidFill>
+        <a:round/>
+      </a:ln>
+    </cs:spPr>
+  </cs:gridlineMajor>
+  <cs:gridlineMinor>
+    <cs:lnRef idx="0"/>
+    <cs:fillRef idx="0"/>
+    <cs:effectRef idx="0"/>
+    <cs:fontRef idx="minor">
+      <a:schemeClr val="tx1"/>
+    </cs:fontRef>
+    <cs:spPr>
+      <a:ln w="9525" cap="flat" cmpd="sng" algn="ctr">
+        <a:solidFill>
+          <a:schemeClr val="tx1">
+            <a:lumMod val="5000"/>
+            <a:lumOff val="95000"/>
+          </a:schemeClr>
+        </a:solidFill>
+        <a:round/>
+      </a:ln>
+    </cs:spPr>
+  </cs:gridlineMinor>
+  <cs:hiLoLine>
+    <cs:lnRef idx="0"/>
+    <cs:fillRef idx="0"/>
+    <cs:effectRef idx="0"/>
+    <cs:fontRef idx="minor">
+      <a:schemeClr val="tx1"/>
+    </cs:fontRef>
+    <cs:spPr>
+      <a:ln w="9525" cap="flat" cmpd="sng" algn="ctr">
+        <a:solidFill>
+          <a:schemeClr val="tx1">
+            <a:lumMod val="75000"/>
+            <a:lumOff val="25000"/>
+          </a:schemeClr>
+        </a:solidFill>
+        <a:round/>
+      </a:ln>
+    </cs:spPr>
+  </cs:hiLoLine>
+  <cs:leaderLine>
+    <cs:lnRef idx="0"/>
+    <cs:fillRef idx="0"/>
+    <cs:effectRef idx="0"/>
+    <cs:fontRef idx="minor">
+      <a:schemeClr val="tx1"/>
+    </cs:fontRef>
+    <cs:spPr>
+      <a:ln w="9525" cap="flat" cmpd="sng" algn="ctr">
+        <a:solidFill>
+          <a:schemeClr val="tx1">
+            <a:lumMod val="35000"/>
+            <a:lumOff val="65000"/>
+          </a:schemeClr>
+        </a:solidFill>
+        <a:round/>
+      </a:ln>
+    </cs:spPr>
+  </cs:leaderLine>
+  <cs:legend>
+    <cs:lnRef idx="0"/>
+    <cs:fillRef idx="0"/>
+    <cs:effectRef idx="0"/>
+    <cs:fontRef idx="minor">
+      <a:schemeClr val="tx1">
+        <a:lumMod val="65000"/>
+        <a:lumOff val="35000"/>
+      </a:schemeClr>
+    </cs:fontRef>
+    <cs:defRPr sz="1197" kern="1200"/>
+  </cs:legend>
+  <cs:plotArea mods="allowNoFillOverride allowNoLineOverride">
+    <cs:lnRef idx="0"/>
+    <cs:fillRef idx="0"/>
+    <cs:effectRef idx="0"/>
+    <cs:fontRef idx="minor">
+      <a:schemeClr val="tx1"/>
+    </cs:fontRef>
+  </cs:plotArea>
+  <cs:plotArea3D mods="allowNoFillOverride allowNoLineOverride">
+    <cs:lnRef idx="0"/>
+    <cs:fillRef idx="0"/>
+    <cs:effectRef idx="0"/>
+    <cs:fontRef idx="minor">
+      <a:schemeClr val="tx1"/>
+    </cs:fontRef>
+  </cs:plotArea3D>
+  <cs:seriesAxis>
+    <cs:lnRef idx="0"/>
+    <cs:fillRef idx="0"/>
+    <cs:effectRef idx="0"/>
+    <cs:fontRef idx="minor">
+      <a:schemeClr val="tx1">
+        <a:lumMod val="65000"/>
+        <a:lumOff val="35000"/>
+      </a:schemeClr>
+    </cs:fontRef>
+    <cs:defRPr sz="1197" kern="1200"/>
+  </cs:seriesAxis>
+  <cs:seriesLine>
+    <cs:lnRef idx="0"/>
+    <cs:fillRef idx="0"/>
+    <cs:effectRef idx="0"/>
+    <cs:fontRef idx="minor">
+      <a:schemeClr val="tx1"/>
+    </cs:fontRef>
+    <cs:spPr>
+      <a:ln w="9525" cap="flat" cmpd="sng" algn="ctr">
+        <a:solidFill>
+          <a:schemeClr val="tx1">
+            <a:lumMod val="35000"/>
+            <a:lumOff val="65000"/>
+          </a:schemeClr>
+        </a:solidFill>
+        <a:round/>
+      </a:ln>
+    </cs:spPr>
+  </cs:seriesLine>
+  <cs:title>
+    <cs:lnRef idx="0"/>
+    <cs:fillRef idx="0"/>
+    <cs:effectRef idx="0"/>
+    <cs:fontRef idx="minor">
+      <a:schemeClr val="tx1">
+        <a:lumMod val="65000"/>
+        <a:lumOff val="35000"/>
+      </a:schemeClr>
+    </cs:fontRef>
+    <cs:defRPr sz="1862" b="0" kern="1200" spc="0" baseline="0"/>
+  </cs:title>
+  <cs:trendline>
+    <cs:lnRef idx="0">
+      <cs:styleClr val="auto"/>
+    </cs:lnRef>
+    <cs:fillRef idx="0"/>
+    <cs:effectRef idx="0"/>
+    <cs:fontRef idx="minor">
+      <a:schemeClr val="tx1"/>
+    </cs:fontRef>
+    <cs:spPr>
+      <a:ln w="19050" cap="rnd">
+        <a:solidFill>
+          <a:schemeClr val="phClr"/>
+        </a:solidFill>
+        <a:prstDash val="sysDot"/>
+      </a:ln>
+    </cs:spPr>
+  </cs:trendline>
+  <cs:trendlineLabel>
+    <cs:lnRef idx="0"/>
+    <cs:fillRef idx="0"/>
+    <cs:effectRef idx="0"/>
+    <cs:fontRef idx="minor">
+      <a:schemeClr val="tx1">
+        <a:lumMod val="65000"/>
+        <a:lumOff val="35000"/>
+      </a:schemeClr>
+    </cs:fontRef>
+    <cs:defRPr sz="1197" kern="1200"/>
+  </cs:trendlineLabel>
+  <cs:upBar>
+    <cs:lnRef idx="0"/>
+    <cs:fillRef idx="0"/>
+    <cs:effectRef idx="0"/>
+    <cs:fontRef idx="minor">
+      <a:schemeClr val="dk1"/>
+    </cs:fontRef>
+    <cs:spPr>
+      <a:solidFill>
+        <a:schemeClr val="lt1"/>
+      </a:solidFill>
+      <a:ln w="9525">
+        <a:solidFill>
+          <a:schemeClr val="tx1">
+            <a:lumMod val="15000"/>
+            <a:lumOff val="85000"/>
+          </a:schemeClr>
+        </a:solidFill>
+      </a:ln>
+    </cs:spPr>
+  </cs:upBar>
+  <cs:valueAxis>
+    <cs:lnRef idx="0"/>
+    <cs:fillRef idx="0"/>
+    <cs:effectRef idx="0"/>
+    <cs:fontRef idx="minor">
+      <a:schemeClr val="tx1">
+        <a:lumMod val="65000"/>
+        <a:lumOff val="35000"/>
+      </a:schemeClr>
+    </cs:fontRef>
+    <cs:defRPr sz="1197" kern="1200"/>
+  </cs:valueAxis>
+  <cs:wall>
+    <cs:lnRef idx="0"/>
+    <cs:fillRef idx="0"/>
+    <cs:effectRef idx="0"/>
+    <cs:fontRef idx="minor">
+      <a:schemeClr val="tx1"/>
+    </cs:fontRef>
+    <cs:spPr>
+      <a:noFill/>
+      <a:ln>
+        <a:noFill/>
+      </a:ln>
+    </cs:spPr>
+  </cs:wall>
+</cs:chartStyle>
+</file>
+
+<file path=ppt/charts/style6.xml><?xml version="1.0" encoding="utf-8"?>
+<cs:chartStyle xmlns:cs="http://schemas.microsoft.com/office/drawing/2012/chartStyle" xmlns:a="http://schemas.openxmlformats.org/drawingml/2006/main" id="251">
+  <cs:axisTitle>
+    <cs:lnRef idx="0"/>
+    <cs:fillRef idx="0"/>
+    <cs:effectRef idx="0"/>
+    <cs:fontRef idx="minor">
+      <a:schemeClr val="tx1">
+        <a:lumMod val="65000"/>
+        <a:lumOff val="35000"/>
+      </a:schemeClr>
+    </cs:fontRef>
+    <cs:defRPr sz="1330" kern="1200"/>
+  </cs:axisTitle>
+  <cs:categoryAxis>
+    <cs:lnRef idx="0"/>
+    <cs:fillRef idx="0"/>
+    <cs:effectRef idx="0"/>
+    <cs:fontRef idx="minor">
+      <a:schemeClr val="tx1">
+        <a:lumMod val="65000"/>
+        <a:lumOff val="35000"/>
+      </a:schemeClr>
+    </cs:fontRef>
+    <cs:spPr>
+      <a:ln w="9525" cap="flat" cmpd="sng" algn="ctr">
+        <a:solidFill>
+          <a:schemeClr val="tx1">
+            <a:lumMod val="15000"/>
+            <a:lumOff val="85000"/>
+          </a:schemeClr>
+        </a:solidFill>
+        <a:round/>
+      </a:ln>
+    </cs:spPr>
+    <cs:defRPr sz="1197" kern="1200"/>
+  </cs:categoryAxis>
+  <cs:chartArea mods="allowNoFillOverride allowNoLineOverride">
+    <cs:lnRef idx="0"/>
+    <cs:fillRef idx="0"/>
+    <cs:effectRef idx="0"/>
+    <cs:fontRef idx="minor">
+      <a:schemeClr val="tx1"/>
+    </cs:fontRef>
+    <cs:spPr>
+      <a:solidFill>
+        <a:schemeClr val="bg1"/>
+      </a:solidFill>
+      <a:ln w="9525" cap="flat" cmpd="sng" algn="ctr">
+        <a:solidFill>
+          <a:schemeClr val="tx1">
+            <a:lumMod val="15000"/>
+            <a:lumOff val="85000"/>
+          </a:schemeClr>
+        </a:solidFill>
+        <a:round/>
+      </a:ln>
+    </cs:spPr>
+    <cs:defRPr sz="1197" kern="1200"/>
+  </cs:chartArea>
+  <cs:dataLabel>
+    <cs:lnRef idx="0"/>
+    <cs:fillRef idx="0"/>
+    <cs:effectRef idx="0"/>
+    <cs:fontRef idx="minor">
+      <a:schemeClr val="tx1">
+        <a:lumMod val="75000"/>
+        <a:lumOff val="25000"/>
+      </a:schemeClr>
+    </cs:fontRef>
+    <cs:defRPr sz="1197" kern="1200"/>
+  </cs:dataLabel>
+  <cs:dataLabelCallout>
+    <cs:lnRef idx="0"/>
+    <cs:fillRef idx="0"/>
+    <cs:effectRef idx="0"/>
+    <cs:fontRef idx="minor">
+      <a:schemeClr val="dk1">
+        <a:lumMod val="65000"/>
+        <a:lumOff val="35000"/>
+      </a:schemeClr>
+    </cs:fontRef>
+    <cs:spPr>
+      <a:solidFill>
+        <a:schemeClr val="lt1"/>
+      </a:solidFill>
+      <a:ln>
+        <a:solidFill>
+          <a:schemeClr val="dk1">
+            <a:lumMod val="25000"/>
+            <a:lumOff val="75000"/>
+          </a:schemeClr>
+        </a:solidFill>
+      </a:ln>
+    </cs:spPr>
+    <cs:defRPr sz="1197" kern="1200"/>
+    <cs:bodyPr rot="0" spcFirstLastPara="1" vertOverflow="clip" horzOverflow="clip" vert="horz" wrap="square" lIns="36576" tIns="18288" rIns="36576" bIns="18288" anchor="ctr" anchorCtr="1">
+      <a:spAutoFit/>
+    </cs:bodyPr>
+  </cs:dataLabelCallout>
+  <cs:dataPoint>
+    <cs:lnRef idx="0"/>
+    <cs:fillRef idx="1">
+      <cs:styleClr val="auto"/>
+    </cs:fillRef>
+    <cs:effectRef idx="0"/>
+    <cs:fontRef idx="minor">
+      <a:schemeClr val="tx1"/>
+    </cs:fontRef>
+    <cs:spPr>
+      <a:ln w="19050">
+        <a:solidFill>
+          <a:schemeClr val="lt1"/>
+        </a:solidFill>
+      </a:ln>
+    </cs:spPr>
+  </cs:dataPoint>
+  <cs:dataPoint3D>
+    <cs:lnRef idx="0"/>
+    <cs:fillRef idx="1">
+      <cs:styleClr val="auto"/>
+    </cs:fillRef>
+    <cs:effectRef idx="0"/>
+    <cs:fontRef idx="minor">
+      <a:schemeClr val="tx1"/>
+    </cs:fontRef>
+    <cs:spPr>
+      <a:ln w="25400">
+        <a:solidFill>
+          <a:schemeClr val="lt1"/>
+        </a:solidFill>
+      </a:ln>
+    </cs:spPr>
+  </cs:dataPoint3D>
+  <cs:dataPointLine>
+    <cs:lnRef idx="0">
+      <cs:styleClr val="auto"/>
+    </cs:lnRef>
+    <cs:fillRef idx="0"/>
+    <cs:effectRef idx="0"/>
+    <cs:fontRef idx="minor">
+      <a:schemeClr val="tx1"/>
+    </cs:fontRef>
+    <cs:spPr>
+      <a:ln w="28575" cap="rnd">
+        <a:solidFill>
+          <a:schemeClr val="phClr"/>
+        </a:solidFill>
+        <a:round/>
+      </a:ln>
+    </cs:spPr>
+  </cs:dataPointLine>
+  <cs:dataPointMarker>
+    <cs:lnRef idx="0">
+      <cs:styleClr val="auto"/>
+    </cs:lnRef>
+    <cs:fillRef idx="1">
+      <cs:styleClr val="auto"/>
+    </cs:fillRef>
+    <cs:effectRef idx="0"/>
+    <cs:fontRef idx="minor">
+      <a:schemeClr val="tx1"/>
+    </cs:fontRef>
+    <cs:spPr>
+      <a:ln w="9525">
+        <a:solidFill>
+          <a:schemeClr val="phClr"/>
+        </a:solidFill>
+      </a:ln>
+    </cs:spPr>
+  </cs:dataPointMarker>
+  <cs:dataPointMarkerLayout symbol="circle" size="5"/>
+  <cs:dataPointWireframe>
+    <cs:lnRef idx="0">
+      <cs:styleClr val="auto"/>
+    </cs:lnRef>
+    <cs:fillRef idx="0"/>
+    <cs:effectRef idx="0"/>
+    <cs:fontRef idx="minor">
+      <a:schemeClr val="tx1"/>
+    </cs:fontRef>
+    <cs:spPr>
+      <a:ln w="9525" cap="rnd">
+        <a:solidFill>
+          <a:schemeClr val="phClr"/>
+        </a:solidFill>
+        <a:round/>
+      </a:ln>
+    </cs:spPr>
+  </cs:dataPointWireframe>
+  <cs:dataTable>
+    <cs:lnRef idx="0"/>
+    <cs:fillRef idx="0"/>
+    <cs:effectRef idx="0"/>
+    <cs:fontRef idx="minor">
+      <a:schemeClr val="tx1">
+        <a:lumMod val="65000"/>
+        <a:lumOff val="35000"/>
+      </a:schemeClr>
+    </cs:fontRef>
+    <cs:spPr>
+      <a:noFill/>
+      <a:ln w="9525" cap="flat" cmpd="sng" algn="ctr">
+        <a:solidFill>
+          <a:schemeClr val="tx1">
+            <a:lumMod val="15000"/>
+            <a:lumOff val="85000"/>
+          </a:schemeClr>
+        </a:solidFill>
+        <a:round/>
+      </a:ln>
+    </cs:spPr>
+    <cs:defRPr sz="1197" kern="1200"/>
+  </cs:dataTable>
+  <cs:downBar>
+    <cs:lnRef idx="0"/>
+    <cs:fillRef idx="0"/>
+    <cs:effectRef idx="0"/>
+    <cs:fontRef idx="minor">
+      <a:schemeClr val="tx1"/>
+    </cs:fontRef>
+    <cs:spPr>
+      <a:solidFill>
+        <a:schemeClr val="dk1">
+          <a:lumMod val="75000"/>
+          <a:lumOff val="25000"/>
+        </a:schemeClr>
+      </a:solidFill>
+      <a:ln w="9525" cap="flat" cmpd="sng" algn="ctr">
+        <a:solidFill>
+          <a:schemeClr val="tx1">
+            <a:lumMod val="65000"/>
+            <a:lumOff val="35000"/>
+          </a:schemeClr>
+        </a:solidFill>
+        <a:round/>
+      </a:ln>
+    </cs:spPr>
+  </cs:downBar>
+  <cs:dropLine>
+    <cs:lnRef idx="0"/>
+    <cs:fillRef idx="0"/>
+    <cs:effectRef idx="0"/>
+    <cs:fontRef idx="minor">
+      <a:schemeClr val="tx1"/>
+    </cs:fontRef>
+    <cs:spPr>
+      <a:ln w="9525" cap="flat" cmpd="sng" algn="ctr">
+        <a:solidFill>
+          <a:schemeClr val="tx1">
+            <a:lumMod val="35000"/>
+            <a:lumOff val="65000"/>
+          </a:schemeClr>
+        </a:solidFill>
+        <a:round/>
+      </a:ln>
+    </cs:spPr>
+  </cs:dropLine>
+  <cs:errorBar>
+    <cs:lnRef idx="0"/>
+    <cs:fillRef idx="0"/>
+    <cs:effectRef idx="0"/>
+    <cs:fontRef idx="minor">
+      <a:schemeClr val="tx1"/>
+    </cs:fontRef>
+    <cs:spPr>
+      <a:ln w="9525" cap="flat" cmpd="sng" algn="ctr">
+        <a:solidFill>
+          <a:schemeClr val="tx1">
+            <a:lumMod val="65000"/>
+            <a:lumOff val="35000"/>
+          </a:schemeClr>
+        </a:solidFill>
+        <a:round/>
+      </a:ln>
+    </cs:spPr>
+  </cs:errorBar>
+  <cs:floor>
+    <cs:lnRef idx="0"/>
+    <cs:fillRef idx="0"/>
+    <cs:effectRef idx="0"/>
+    <cs:fontRef idx="minor">
+      <a:schemeClr val="tx1"/>
+    </cs:fontRef>
+    <cs:spPr>
+      <a:noFill/>
+      <a:ln>
+        <a:noFill/>
+      </a:ln>
+    </cs:spPr>
+  </cs:floor>
+  <cs:gridlineMajor>
+    <cs:lnRef idx="0"/>
+    <cs:fillRef idx="0"/>
+    <cs:effectRef idx="0"/>
+    <cs:fontRef idx="minor">
+      <a:schemeClr val="tx1"/>
+    </cs:fontRef>
+    <cs:spPr>
+      <a:ln w="9525" cap="flat" cmpd="sng" algn="ctr">
+        <a:solidFill>
+          <a:schemeClr val="tx1">
+            <a:lumMod val="15000"/>
+            <a:lumOff val="85000"/>
+          </a:schemeClr>
+        </a:solidFill>
+        <a:round/>
+      </a:ln>
+    </cs:spPr>
+  </cs:gridlineMajor>
+  <cs:gridlineMinor>
+    <cs:lnRef idx="0"/>
+    <cs:fillRef idx="0"/>
+    <cs:effectRef idx="0"/>
+    <cs:fontRef idx="minor">
+      <a:schemeClr val="tx1"/>
+    </cs:fontRef>
+    <cs:spPr>
+      <a:ln w="9525" cap="flat" cmpd="sng" algn="ctr">
+        <a:solidFill>
+          <a:schemeClr val="tx1">
+            <a:lumMod val="5000"/>
+            <a:lumOff val="95000"/>
+          </a:schemeClr>
+        </a:solidFill>
+        <a:round/>
+      </a:ln>
+    </cs:spPr>
+  </cs:gridlineMinor>
+  <cs:hiLoLine>
+    <cs:lnRef idx="0"/>
+    <cs:fillRef idx="0"/>
+    <cs:effectRef idx="0"/>
+    <cs:fontRef idx="minor">
+      <a:schemeClr val="tx1"/>
+    </cs:fontRef>
+    <cs:spPr>
+      <a:ln w="9525" cap="flat" cmpd="sng" algn="ctr">
+        <a:solidFill>
+          <a:schemeClr val="tx1">
+            <a:lumMod val="50000"/>
+            <a:lumOff val="50000"/>
+          </a:schemeClr>
+        </a:solidFill>
+        <a:round/>
+      </a:ln>
+    </cs:spPr>
+  </cs:hiLoLine>
+  <cs:leaderLine>
+    <cs:lnRef idx="0"/>
+    <cs:fillRef idx="0"/>
+    <cs:effectRef idx="0"/>
+    <cs:fontRef idx="minor">
+      <a:schemeClr val="tx1"/>
+    </cs:fontRef>
+    <cs:spPr>
+      <a:ln w="9525" cap="flat" cmpd="sng" algn="ctr">
+        <a:solidFill>
+          <a:schemeClr val="tx1">
+            <a:lumMod val="35000"/>
+            <a:lumOff val="65000"/>
+          </a:schemeClr>
+        </a:solidFill>
+        <a:round/>
+      </a:ln>
+    </cs:spPr>
+  </cs:leaderLine>
+  <cs:legend>
+    <cs:lnRef idx="0"/>
+    <cs:fillRef idx="0"/>
+    <cs:effectRef idx="0"/>
+    <cs:fontRef idx="minor">
+      <a:schemeClr val="tx1">
+        <a:lumMod val="65000"/>
+        <a:lumOff val="35000"/>
+      </a:schemeClr>
+    </cs:fontRef>
+    <cs:defRPr sz="1197" kern="1200"/>
+  </cs:legend>
+  <cs:plotArea mods="allowNoFillOverride allowNoLineOverride">
+    <cs:lnRef idx="0"/>
+    <cs:fillRef idx="0"/>
+    <cs:effectRef idx="0"/>
+    <cs:fontRef idx="minor">
+      <a:schemeClr val="tx1"/>
+    </cs:fontRef>
+  </cs:plotArea>
+  <cs:plotArea3D mods="allowNoFillOverride allowNoLineOverride">
+    <cs:lnRef idx="0"/>
+    <cs:fillRef idx="0"/>
+    <cs:effectRef idx="0"/>
+    <cs:fontRef idx="minor">
+      <a:schemeClr val="tx1"/>
+    </cs:fontRef>
+  </cs:plotArea3D>
+  <cs:seriesAxis>
+    <cs:lnRef idx="0"/>
+    <cs:fillRef idx="0"/>
+    <cs:effectRef idx="0"/>
+    <cs:fontRef idx="minor">
+      <a:schemeClr val="tx1">
+        <a:lumMod val="65000"/>
+        <a:lumOff val="35000"/>
+      </a:schemeClr>
+    </cs:fontRef>
+    <cs:defRPr sz="1197" kern="1200"/>
+  </cs:seriesAxis>
+  <cs:seriesLine>
+    <cs:lnRef idx="0"/>
+    <cs:fillRef idx="0"/>
+    <cs:effectRef idx="0"/>
+    <cs:fontRef idx="minor">
+      <a:schemeClr val="tx1"/>
+    </cs:fontRef>
+    <cs:spPr>
+      <a:ln w="9525" cap="flat" cmpd="sng" algn="ctr">
+        <a:solidFill>
+          <a:schemeClr val="tx1">
+            <a:lumMod val="35000"/>
+            <a:lumOff val="65000"/>
+          </a:schemeClr>
+        </a:solidFill>
+        <a:round/>
+      </a:ln>
+    </cs:spPr>
+  </cs:seriesLine>
+  <cs:title>
+    <cs:lnRef idx="0"/>
+    <cs:fillRef idx="0"/>
+    <cs:effectRef idx="0"/>
+    <cs:fontRef idx="minor">
+      <a:schemeClr val="tx1">
+        <a:lumMod val="65000"/>
+        <a:lumOff val="35000"/>
+      </a:schemeClr>
+    </cs:fontRef>
+    <cs:defRPr sz="1862" b="0" kern="1200" spc="0" baseline="0"/>
+  </cs:title>
+  <cs:trendline>
+    <cs:lnRef idx="0">
+      <cs:styleClr val="auto"/>
+    </cs:lnRef>
+    <cs:fillRef idx="0"/>
+    <cs:effectRef idx="0"/>
+    <cs:fontRef idx="minor">
+      <a:schemeClr val="tx1"/>
+    </cs:fontRef>
+    <cs:spPr>
+      <a:ln w="19050" cap="rnd">
+        <a:solidFill>
+          <a:schemeClr val="phClr"/>
+        </a:solidFill>
+        <a:prstDash val="sysDot"/>
+      </a:ln>
+    </cs:spPr>
+  </cs:trendline>
+  <cs:trendlineLabel>
+    <cs:lnRef idx="0"/>
+    <cs:fillRef idx="0"/>
+    <cs:effectRef idx="0"/>
+    <cs:fontRef idx="minor">
+      <a:schemeClr val="tx1">
+        <a:lumMod val="65000"/>
+        <a:lumOff val="35000"/>
+      </a:schemeClr>
+    </cs:fontRef>
+    <cs:defRPr sz="1197" kern="1200"/>
+  </cs:trendlineLabel>
+  <cs:upBar>
+    <cs:lnRef idx="0"/>
+    <cs:fillRef idx="0"/>
+    <cs:effectRef idx="0"/>
+    <cs:fontRef idx="minor">
+      <a:schemeClr val="tx1"/>
+    </cs:fontRef>
+    <cs:spPr>
+      <a:solidFill>
+        <a:schemeClr val="lt1"/>
+      </a:solidFill>
+      <a:ln w="9525" cap="flat" cmpd="sng" algn="ctr">
+        <a:solidFill>
+          <a:schemeClr val="tx1">
+            <a:lumMod val="65000"/>
+            <a:lumOff val="35000"/>
+          </a:schemeClr>
+        </a:solidFill>
+        <a:round/>
+      </a:ln>
+    </cs:spPr>
+  </cs:upBar>
+  <cs:valueAxis>
+    <cs:lnRef idx="0"/>
+    <cs:fillRef idx="0"/>
+    <cs:effectRef idx="0"/>
+    <cs:fontRef idx="minor">
+      <a:schemeClr val="tx1">
+        <a:lumMod val="65000"/>
+        <a:lumOff val="35000"/>
+      </a:schemeClr>
+    </cs:fontRef>
+    <cs:defRPr sz="1197" kern="1200"/>
+  </cs:valueAxis>
+  <cs:wall>
+    <cs:lnRef idx="0"/>
+    <cs:fillRef idx="0"/>
+    <cs:effectRef idx="0"/>
+    <cs:fontRef idx="minor">
+      <a:schemeClr val="tx1"/>
+    </cs:fontRef>
+    <cs:spPr>
+      <a:noFill/>
+      <a:ln>
+        <a:noFill/>
+      </a:ln>
+    </cs:spPr>
+  </cs:wall>
+</cs:chartStyle>
+</file>
+
+<file path=ppt/charts/style7.xml><?xml version="1.0" encoding="utf-8"?>
+<cs:chartStyle xmlns:cs="http://schemas.microsoft.com/office/drawing/2012/chartStyle" xmlns:a="http://schemas.openxmlformats.org/drawingml/2006/main" id="251">
+  <cs:axisTitle>
+    <cs:lnRef idx="0"/>
+    <cs:fillRef idx="0"/>
+    <cs:effectRef idx="0"/>
+    <cs:fontRef idx="minor">
+      <a:schemeClr val="tx1">
+        <a:lumMod val="65000"/>
+        <a:lumOff val="35000"/>
+      </a:schemeClr>
+    </cs:fontRef>
+    <cs:defRPr sz="1330" kern="1200"/>
+  </cs:axisTitle>
+  <cs:categoryAxis>
+    <cs:lnRef idx="0"/>
+    <cs:fillRef idx="0"/>
+    <cs:effectRef idx="0"/>
+    <cs:fontRef idx="minor">
+      <a:schemeClr val="tx1">
+        <a:lumMod val="65000"/>
+        <a:lumOff val="35000"/>
+      </a:schemeClr>
+    </cs:fontRef>
+    <cs:spPr>
+      <a:ln w="9525" cap="flat" cmpd="sng" algn="ctr">
+        <a:solidFill>
+          <a:schemeClr val="tx1">
+            <a:lumMod val="15000"/>
+            <a:lumOff val="85000"/>
+          </a:schemeClr>
+        </a:solidFill>
+        <a:round/>
+      </a:ln>
+    </cs:spPr>
+    <cs:defRPr sz="1197" kern="1200"/>
+  </cs:categoryAxis>
+  <cs:chartArea mods="allowNoFillOverride allowNoLineOverride">
+    <cs:lnRef idx="0"/>
+    <cs:fillRef idx="0"/>
+    <cs:effectRef idx="0"/>
+    <cs:fontRef idx="minor">
+      <a:schemeClr val="tx1"/>
+    </cs:fontRef>
+    <cs:spPr>
+      <a:solidFill>
+        <a:schemeClr val="bg1"/>
+      </a:solidFill>
+      <a:ln w="9525" cap="flat" cmpd="sng" algn="ctr">
+        <a:solidFill>
+          <a:schemeClr val="tx1">
+            <a:lumMod val="15000"/>
+            <a:lumOff val="85000"/>
+          </a:schemeClr>
+        </a:solidFill>
+        <a:round/>
+      </a:ln>
+    </cs:spPr>
+    <cs:defRPr sz="1197" kern="1200"/>
+  </cs:chartArea>
+  <cs:dataLabel>
+    <cs:lnRef idx="0"/>
+    <cs:fillRef idx="0"/>
+    <cs:effectRef idx="0"/>
+    <cs:fontRef idx="minor">
+      <a:schemeClr val="tx1">
+        <a:lumMod val="75000"/>
+        <a:lumOff val="25000"/>
+      </a:schemeClr>
+    </cs:fontRef>
+    <cs:defRPr sz="1197" kern="1200"/>
+  </cs:dataLabel>
+  <cs:dataLabelCallout>
+    <cs:lnRef idx="0"/>
+    <cs:fillRef idx="0"/>
+    <cs:effectRef idx="0"/>
+    <cs:fontRef idx="minor">
+      <a:schemeClr val="dk1">
+        <a:lumMod val="65000"/>
+        <a:lumOff val="35000"/>
+      </a:schemeClr>
+    </cs:fontRef>
+    <cs:spPr>
+      <a:solidFill>
+        <a:schemeClr val="lt1"/>
+      </a:solidFill>
+      <a:ln>
+        <a:solidFill>
+          <a:schemeClr val="dk1">
+            <a:lumMod val="25000"/>
+            <a:lumOff val="75000"/>
+          </a:schemeClr>
+        </a:solidFill>
+      </a:ln>
+    </cs:spPr>
+    <cs:defRPr sz="1197" kern="1200"/>
+    <cs:bodyPr rot="0" spcFirstLastPara="1" vertOverflow="clip" horzOverflow="clip" vert="horz" wrap="square" lIns="36576" tIns="18288" rIns="36576" bIns="18288" anchor="ctr" anchorCtr="1">
+      <a:spAutoFit/>
+    </cs:bodyPr>
+  </cs:dataLabelCallout>
+  <cs:dataPoint>
+    <cs:lnRef idx="0"/>
+    <cs:fillRef idx="1">
+      <cs:styleClr val="auto"/>
+    </cs:fillRef>
+    <cs:effectRef idx="0"/>
+    <cs:fontRef idx="minor">
+      <a:schemeClr val="tx1"/>
+    </cs:fontRef>
+    <cs:spPr>
+      <a:ln w="19050">
+        <a:solidFill>
+          <a:schemeClr val="lt1"/>
+        </a:solidFill>
+      </a:ln>
+    </cs:spPr>
+  </cs:dataPoint>
+  <cs:dataPoint3D>
+    <cs:lnRef idx="0"/>
+    <cs:fillRef idx="1">
+      <cs:styleClr val="auto"/>
+    </cs:fillRef>
+    <cs:effectRef idx="0"/>
+    <cs:fontRef idx="minor">
+      <a:schemeClr val="tx1"/>
+    </cs:fontRef>
+    <cs:spPr>
+      <a:ln w="25400">
+        <a:solidFill>
+          <a:schemeClr val="lt1"/>
+        </a:solidFill>
+      </a:ln>
+    </cs:spPr>
+  </cs:dataPoint3D>
+  <cs:dataPointLine>
+    <cs:lnRef idx="0">
+      <cs:styleClr val="auto"/>
+    </cs:lnRef>
+    <cs:fillRef idx="0"/>
+    <cs:effectRef idx="0"/>
+    <cs:fontRef idx="minor">
+      <a:schemeClr val="tx1"/>
+    </cs:fontRef>
+    <cs:spPr>
+      <a:ln w="28575" cap="rnd">
+        <a:solidFill>
+          <a:schemeClr val="phClr"/>
+        </a:solidFill>
+        <a:round/>
+      </a:ln>
+    </cs:spPr>
+  </cs:dataPointLine>
+  <cs:dataPointMarker>
+    <cs:lnRef idx="0">
+      <cs:styleClr val="auto"/>
+    </cs:lnRef>
+    <cs:fillRef idx="1">
+      <cs:styleClr val="auto"/>
+    </cs:fillRef>
+    <cs:effectRef idx="0"/>
+    <cs:fontRef idx="minor">
+      <a:schemeClr val="tx1"/>
+    </cs:fontRef>
+    <cs:spPr>
+      <a:ln w="9525">
+        <a:solidFill>
+          <a:schemeClr val="phClr"/>
+        </a:solidFill>
+      </a:ln>
+    </cs:spPr>
+  </cs:dataPointMarker>
+  <cs:dataPointMarkerLayout symbol="circle" size="5"/>
+  <cs:dataPointWireframe>
+    <cs:lnRef idx="0">
+      <cs:styleClr val="auto"/>
+    </cs:lnRef>
+    <cs:fillRef idx="0"/>
+    <cs:effectRef idx="0"/>
+    <cs:fontRef idx="minor">
+      <a:schemeClr val="tx1"/>
+    </cs:fontRef>
+    <cs:spPr>
+      <a:ln w="9525" cap="rnd">
+        <a:solidFill>
+          <a:schemeClr val="phClr"/>
+        </a:solidFill>
+        <a:round/>
+      </a:ln>
+    </cs:spPr>
+  </cs:dataPointWireframe>
+  <cs:dataTable>
+    <cs:lnRef idx="0"/>
+    <cs:fillRef idx="0"/>
+    <cs:effectRef idx="0"/>
+    <cs:fontRef idx="minor">
+      <a:schemeClr val="tx1">
+        <a:lumMod val="65000"/>
+        <a:lumOff val="35000"/>
+      </a:schemeClr>
+    </cs:fontRef>
+    <cs:spPr>
+      <a:noFill/>
+      <a:ln w="9525" cap="flat" cmpd="sng" algn="ctr">
+        <a:solidFill>
+          <a:schemeClr val="tx1">
+            <a:lumMod val="15000"/>
+            <a:lumOff val="85000"/>
+          </a:schemeClr>
+        </a:solidFill>
+        <a:round/>
+      </a:ln>
+    </cs:spPr>
+    <cs:defRPr sz="1197" kern="1200"/>
+  </cs:dataTable>
+  <cs:downBar>
+    <cs:lnRef idx="0"/>
+    <cs:fillRef idx="0"/>
+    <cs:effectRef idx="0"/>
+    <cs:fontRef idx="minor">
+      <a:schemeClr val="tx1"/>
+    </cs:fontRef>
+    <cs:spPr>
+      <a:solidFill>
+        <a:schemeClr val="dk1">
+          <a:lumMod val="75000"/>
+          <a:lumOff val="25000"/>
+        </a:schemeClr>
+      </a:solidFill>
+      <a:ln w="9525" cap="flat" cmpd="sng" algn="ctr">
+        <a:solidFill>
+          <a:schemeClr val="tx1">
+            <a:lumMod val="65000"/>
+            <a:lumOff val="35000"/>
+          </a:schemeClr>
+        </a:solidFill>
+        <a:round/>
+      </a:ln>
+    </cs:spPr>
+  </cs:downBar>
+  <cs:dropLine>
+    <cs:lnRef idx="0"/>
+    <cs:fillRef idx="0"/>
+    <cs:effectRef idx="0"/>
+    <cs:fontRef idx="minor">
+      <a:schemeClr val="tx1"/>
+    </cs:fontRef>
+    <cs:spPr>
+      <a:ln w="9525" cap="flat" cmpd="sng" algn="ctr">
+        <a:solidFill>
+          <a:schemeClr val="tx1">
+            <a:lumMod val="35000"/>
+            <a:lumOff val="65000"/>
+          </a:schemeClr>
+        </a:solidFill>
+        <a:round/>
+      </a:ln>
+    </cs:spPr>
+  </cs:dropLine>
+  <cs:errorBar>
+    <cs:lnRef idx="0"/>
+    <cs:fillRef idx="0"/>
+    <cs:effectRef idx="0"/>
+    <cs:fontRef idx="minor">
+      <a:schemeClr val="tx1"/>
+    </cs:fontRef>
+    <cs:spPr>
+      <a:ln w="9525" cap="flat" cmpd="sng" algn="ctr">
+        <a:solidFill>
+          <a:schemeClr val="tx1">
+            <a:lumMod val="65000"/>
+            <a:lumOff val="35000"/>
+          </a:schemeClr>
+        </a:solidFill>
+        <a:round/>
+      </a:ln>
+    </cs:spPr>
+  </cs:errorBar>
+  <cs:floor>
+    <cs:lnRef idx="0"/>
+    <cs:fillRef idx="0"/>
+    <cs:effectRef idx="0"/>
+    <cs:fontRef idx="minor">
+      <a:schemeClr val="tx1"/>
+    </cs:fontRef>
+    <cs:spPr>
+      <a:noFill/>
+      <a:ln>
+        <a:noFill/>
+      </a:ln>
+    </cs:spPr>
+  </cs:floor>
+  <cs:gridlineMajor>
+    <cs:lnRef idx="0"/>
+    <cs:fillRef idx="0"/>
+    <cs:effectRef idx="0"/>
+    <cs:fontRef idx="minor">
+      <a:schemeClr val="tx1"/>
+    </cs:fontRef>
+    <cs:spPr>
+      <a:ln w="9525" cap="flat" cmpd="sng" algn="ctr">
+        <a:solidFill>
+          <a:schemeClr val="tx1">
+            <a:lumMod val="15000"/>
+            <a:lumOff val="85000"/>
+          </a:schemeClr>
+        </a:solidFill>
+        <a:round/>
+      </a:ln>
+    </cs:spPr>
+  </cs:gridlineMajor>
+  <cs:gridlineMinor>
+    <cs:lnRef idx="0"/>
+    <cs:fillRef idx="0"/>
+    <cs:effectRef idx="0"/>
+    <cs:fontRef idx="minor">
+      <a:schemeClr val="tx1"/>
+    </cs:fontRef>
+    <cs:spPr>
+      <a:ln w="9525" cap="flat" cmpd="sng" algn="ctr">
+        <a:solidFill>
+          <a:schemeClr val="tx1">
+            <a:lumMod val="5000"/>
+            <a:lumOff val="95000"/>
+          </a:schemeClr>
+        </a:solidFill>
+        <a:round/>
+      </a:ln>
+    </cs:spPr>
+  </cs:gridlineMinor>
+  <cs:hiLoLine>
+    <cs:lnRef idx="0"/>
+    <cs:fillRef idx="0"/>
+    <cs:effectRef idx="0"/>
+    <cs:fontRef idx="minor">
+      <a:schemeClr val="tx1"/>
+    </cs:fontRef>
+    <cs:spPr>
+      <a:ln w="9525" cap="flat" cmpd="sng" algn="ctr">
+        <a:solidFill>
+          <a:schemeClr val="tx1">
+            <a:lumMod val="50000"/>
+            <a:lumOff val="50000"/>
+          </a:schemeClr>
+        </a:solidFill>
+        <a:round/>
+      </a:ln>
+    </cs:spPr>
+  </cs:hiLoLine>
+  <cs:leaderLine>
+    <cs:lnRef idx="0"/>
+    <cs:fillRef idx="0"/>
+    <cs:effectRef idx="0"/>
+    <cs:fontRef idx="minor">
+      <a:schemeClr val="tx1"/>
+    </cs:fontRef>
+    <cs:spPr>
+      <a:ln w="9525" cap="flat" cmpd="sng" algn="ctr">
+        <a:solidFill>
+          <a:schemeClr val="tx1">
+            <a:lumMod val="35000"/>
+            <a:lumOff val="65000"/>
+          </a:schemeClr>
+        </a:solidFill>
+        <a:round/>
+      </a:ln>
+    </cs:spPr>
+  </cs:leaderLine>
+  <cs:legend>
+    <cs:lnRef idx="0"/>
+    <cs:fillRef idx="0"/>
+    <cs:effectRef idx="0"/>
+    <cs:fontRef idx="minor">
+      <a:schemeClr val="tx1">
+        <a:lumMod val="65000"/>
+        <a:lumOff val="35000"/>
+      </a:schemeClr>
+    </cs:fontRef>
+    <cs:defRPr sz="1197" kern="1200"/>
+  </cs:legend>
+  <cs:plotArea mods="allowNoFillOverride allowNoLineOverride">
+    <cs:lnRef idx="0"/>
+    <cs:fillRef idx="0"/>
+    <cs:effectRef idx="0"/>
+    <cs:fontRef idx="minor">
+      <a:schemeClr val="tx1"/>
+    </cs:fontRef>
+  </cs:plotArea>
+  <cs:plotArea3D mods="allowNoFillOverride allowNoLineOverride">
+    <cs:lnRef idx="0"/>
+    <cs:fillRef idx="0"/>
+    <cs:effectRef idx="0"/>
+    <cs:fontRef idx="minor">
+      <a:schemeClr val="tx1"/>
+    </cs:fontRef>
+  </cs:plotArea3D>
+  <cs:seriesAxis>
+    <cs:lnRef idx="0"/>
+    <cs:fillRef idx="0"/>
+    <cs:effectRef idx="0"/>
+    <cs:fontRef idx="minor">
+      <a:schemeClr val="tx1">
+        <a:lumMod val="65000"/>
+        <a:lumOff val="35000"/>
+      </a:schemeClr>
+    </cs:fontRef>
+    <cs:defRPr sz="1197" kern="1200"/>
+  </cs:seriesAxis>
+  <cs:seriesLine>
+    <cs:lnRef idx="0"/>
+    <cs:fillRef idx="0"/>
+    <cs:effectRef idx="0"/>
+    <cs:fontRef idx="minor">
+      <a:schemeClr val="tx1"/>
+    </cs:fontRef>
+    <cs:spPr>
+      <a:ln w="9525" cap="flat" cmpd="sng" algn="ctr">
+        <a:solidFill>
+          <a:schemeClr val="tx1">
+            <a:lumMod val="35000"/>
+            <a:lumOff val="65000"/>
+          </a:schemeClr>
+        </a:solidFill>
+        <a:round/>
+      </a:ln>
+    </cs:spPr>
+  </cs:seriesLine>
+  <cs:title>
+    <cs:lnRef idx="0"/>
+    <cs:fillRef idx="0"/>
+    <cs:effectRef idx="0"/>
+    <cs:fontRef idx="minor">
+      <a:schemeClr val="tx1">
+        <a:lumMod val="65000"/>
+        <a:lumOff val="35000"/>
+      </a:schemeClr>
+    </cs:fontRef>
+    <cs:defRPr sz="1862" b="0" kern="1200" spc="0" baseline="0"/>
+  </cs:title>
+  <cs:trendline>
+    <cs:lnRef idx="0">
+      <cs:styleClr val="auto"/>
+    </cs:lnRef>
+    <cs:fillRef idx="0"/>
+    <cs:effectRef idx="0"/>
+    <cs:fontRef idx="minor">
+      <a:schemeClr val="tx1"/>
+    </cs:fontRef>
+    <cs:spPr>
+      <a:ln w="19050" cap="rnd">
+        <a:solidFill>
+          <a:schemeClr val="phClr"/>
+        </a:solidFill>
+        <a:prstDash val="sysDot"/>
+      </a:ln>
+    </cs:spPr>
+  </cs:trendline>
+  <cs:trendlineLabel>
+    <cs:lnRef idx="0"/>
+    <cs:fillRef idx="0"/>
+    <cs:effectRef idx="0"/>
+    <cs:fontRef idx="minor">
+      <a:schemeClr val="tx1">
+        <a:lumMod val="65000"/>
+        <a:lumOff val="35000"/>
+      </a:schemeClr>
+    </cs:fontRef>
+    <cs:defRPr sz="1197" kern="1200"/>
+  </cs:trendlineLabel>
+  <cs:upBar>
+    <cs:lnRef idx="0"/>
+    <cs:fillRef idx="0"/>
+    <cs:effectRef idx="0"/>
+    <cs:fontRef idx="minor">
+      <a:schemeClr val="tx1"/>
+    </cs:fontRef>
+    <cs:spPr>
+      <a:solidFill>
+        <a:schemeClr val="lt1"/>
+      </a:solidFill>
+      <a:ln w="9525" cap="flat" cmpd="sng" algn="ctr">
+        <a:solidFill>
+          <a:schemeClr val="tx1">
+            <a:lumMod val="65000"/>
+            <a:lumOff val="35000"/>
+          </a:schemeClr>
+        </a:solidFill>
+        <a:round/>
+      </a:ln>
+    </cs:spPr>
+  </cs:upBar>
+  <cs:valueAxis>
+    <cs:lnRef idx="0"/>
+    <cs:fillRef idx="0"/>
+    <cs:effectRef idx="0"/>
+    <cs:fontRef idx="minor">
+      <a:schemeClr val="tx1">
+        <a:lumMod val="65000"/>
+        <a:lumOff val="35000"/>
+      </a:schemeClr>
+    </cs:fontRef>
+    <cs:defRPr sz="1197" kern="1200"/>
+  </cs:valueAxis>
+  <cs:wall>
+    <cs:lnRef idx="0"/>
+    <cs:fillRef idx="0"/>
+    <cs:effectRef idx="0"/>
+    <cs:fontRef idx="minor">
+      <a:schemeClr val="tx1"/>
+    </cs:fontRef>
+    <cs:spPr>
+      <a:noFill/>
+      <a:ln>
+        <a:noFill/>
+      </a:ln>
+    </cs:spPr>
+  </cs:wall>
+</cs:chartStyle>
+</file>
+
+<file path=ppt/charts/style8.xml><?xml version="1.0" encoding="utf-8"?>
+<cs:chartStyle xmlns:cs="http://schemas.microsoft.com/office/drawing/2012/chartStyle" xmlns:a="http://schemas.openxmlformats.org/drawingml/2006/main" id="317">
+  <cs:axisTitle>
+    <cs:lnRef idx="0"/>
+    <cs:fillRef idx="0"/>
+    <cs:effectRef idx="0"/>
+    <cs:fontRef idx="minor">
+      <a:schemeClr val="tx1">
+        <a:lumMod val="65000"/>
+        <a:lumOff val="35000"/>
+      </a:schemeClr>
+    </cs:fontRef>
+    <cs:defRPr sz="1330" kern="1200"/>
+  </cs:axisTitle>
+  <cs:categoryAxis>
+    <cs:lnRef idx="0"/>
+    <cs:fillRef idx="0"/>
+    <cs:effectRef idx="0"/>
+    <cs:fontRef idx="minor">
+      <a:schemeClr val="tx1">
+        <a:lumMod val="65000"/>
+        <a:lumOff val="35000"/>
+      </a:schemeClr>
+    </cs:fontRef>
+    <cs:spPr>
+      <a:ln w="9525" cap="flat" cmpd="sng" algn="ctr">
+        <a:solidFill>
+          <a:schemeClr val="tx1">
+            <a:lumMod val="15000"/>
+            <a:lumOff val="85000"/>
+          </a:schemeClr>
+        </a:solidFill>
+        <a:round/>
+      </a:ln>
+    </cs:spPr>
+    <cs:defRPr sz="1197" kern="1200"/>
+  </cs:categoryAxis>
+  <cs:chartArea mods="allowNoFillOverride allowNoLineOverride">
+    <cs:lnRef idx="0"/>
+    <cs:fillRef idx="0"/>
+    <cs:effectRef idx="0"/>
+    <cs:fontRef idx="minor">
+      <a:schemeClr val="tx1"/>
+    </cs:fontRef>
+    <cs:spPr>
+      <a:solidFill>
+        <a:schemeClr val="bg1"/>
+      </a:solidFill>
+      <a:ln w="9525" cap="flat" cmpd="sng" algn="ctr">
+        <a:solidFill>
+          <a:schemeClr val="tx1">
+            <a:lumMod val="15000"/>
+            <a:lumOff val="85000"/>
+          </a:schemeClr>
+        </a:solidFill>
+        <a:round/>
+      </a:ln>
+    </cs:spPr>
+    <cs:defRPr sz="1330" kern="1200"/>
+  </cs:chartArea>
+  <cs:dataLabel>
+    <cs:lnRef idx="0"/>
+    <cs:fillRef idx="0"/>
+    <cs:effectRef idx="0"/>
+    <cs:fontRef idx="minor">
+      <a:schemeClr val="tx1">
+        <a:lumMod val="75000"/>
+        <a:lumOff val="25000"/>
+      </a:schemeClr>
+    </cs:fontRef>
+    <cs:defRPr sz="1197" kern="1200"/>
+  </cs:dataLabel>
+  <cs:dataLabelCallout>
+    <cs:lnRef idx="0"/>
+    <cs:fillRef idx="0"/>
+    <cs:effectRef idx="0"/>
+    <cs:fontRef idx="minor">
+      <a:schemeClr val="dk1">
+        <a:lumMod val="65000"/>
+        <a:lumOff val="35000"/>
+      </a:schemeClr>
+    </cs:fontRef>
+    <cs:spPr>
+      <a:solidFill>
+        <a:schemeClr val="lt1"/>
+      </a:solidFill>
+      <a:ln>
+        <a:solidFill>
+          <a:schemeClr val="dk1">
+            <a:lumMod val="25000"/>
+            <a:lumOff val="75000"/>
+          </a:schemeClr>
+        </a:solidFill>
+      </a:ln>
+    </cs:spPr>
+    <cs:defRPr sz="1197" kern="1200"/>
+    <cs:bodyPr rot="0" spcFirstLastPara="1" vertOverflow="clip" horzOverflow="clip" vert="horz" wrap="square" lIns="36576" tIns="18288" rIns="36576" bIns="18288" anchor="ctr" anchorCtr="1">
+      <a:spAutoFit/>
+    </cs:bodyPr>
+  </cs:dataLabelCallout>
+  <cs:dataPoint>
+    <cs:lnRef idx="0"/>
+    <cs:fillRef idx="1">
+      <cs:styleClr val="auto"/>
+    </cs:fillRef>
+    <cs:effectRef idx="0"/>
+    <cs:fontRef idx="minor">
+      <a:schemeClr val="tx1"/>
+    </cs:fontRef>
+  </cs:dataPoint>
+  <cs:dataPoint3D>
+    <cs:lnRef idx="0"/>
+    <cs:fillRef idx="1">
+      <cs:styleClr val="auto"/>
+    </cs:fillRef>
+    <cs:effectRef idx="0"/>
+    <cs:fontRef idx="minor">
+      <a:schemeClr val="tx1"/>
+    </cs:fontRef>
+  </cs:dataPoint3D>
+  <cs:dataPointLine>
+    <cs:lnRef idx="0">
+      <cs:styleClr val="auto"/>
+    </cs:lnRef>
+    <cs:fillRef idx="1"/>
+    <cs:effectRef idx="0"/>
+    <cs:fontRef idx="minor">
+      <a:schemeClr val="tx1"/>
+    </cs:fontRef>
+    <cs:spPr>
+      <a:ln w="28575" cap="rnd">
+        <a:solidFill>
+          <a:schemeClr val="phClr"/>
+        </a:solidFill>
+        <a:round/>
+      </a:ln>
+    </cs:spPr>
+  </cs:dataPointLine>
+  <cs:dataPointMarker>
+    <cs:lnRef idx="0">
+      <cs:styleClr val="auto"/>
+    </cs:lnRef>
+    <cs:fillRef idx="1">
+      <cs:styleClr val="auto"/>
+    </cs:fillRef>
+    <cs:effectRef idx="0"/>
+    <cs:fontRef idx="minor">
+      <a:schemeClr val="tx1"/>
+    </cs:fontRef>
+    <cs:spPr>
+      <a:ln w="9525">
+        <a:solidFill>
+          <a:schemeClr val="phClr"/>
+        </a:solidFill>
+      </a:ln>
+    </cs:spPr>
+  </cs:dataPointMarker>
+  <cs:dataPointMarkerLayout symbol="circle" size="5"/>
+  <cs:dataPointWireframe>
+    <cs:lnRef idx="0">
+      <cs:styleClr val="auto"/>
+    </cs:lnRef>
+    <cs:fillRef idx="1"/>
+    <cs:effectRef idx="0"/>
+    <cs:fontRef idx="minor">
+      <a:schemeClr val="tx1"/>
+    </cs:fontRef>
+    <cs:spPr>
+      <a:ln w="9525" cap="rnd">
+        <a:solidFill>
+          <a:schemeClr val="phClr"/>
+        </a:solidFill>
+        <a:round/>
+      </a:ln>
+    </cs:spPr>
+  </cs:dataPointWireframe>
+  <cs:dataTable>
+    <cs:lnRef idx="0"/>
+    <cs:fillRef idx="0"/>
+    <cs:effectRef idx="0"/>
+    <cs:fontRef idx="minor">
+      <a:schemeClr val="tx1">
+        <a:lumMod val="65000"/>
+        <a:lumOff val="35000"/>
+      </a:schemeClr>
+    </cs:fontRef>
+    <cs:spPr>
+      <a:noFill/>
+      <a:ln w="9525" cap="flat" cmpd="sng" algn="ctr">
+        <a:solidFill>
+          <a:schemeClr val="tx1">
+            <a:lumMod val="15000"/>
+            <a:lumOff val="85000"/>
+          </a:schemeClr>
+        </a:solidFill>
+        <a:round/>
+      </a:ln>
+    </cs:spPr>
+    <cs:defRPr sz="1197" kern="1200"/>
+  </cs:dataTable>
+  <cs:downBar>
+    <cs:lnRef idx="0"/>
+    <cs:fillRef idx="0"/>
+    <cs:effectRef idx="0"/>
+    <cs:fontRef idx="minor">
+      <a:schemeClr val="tx1"/>
+    </cs:fontRef>
+    <cs:spPr>
+      <a:solidFill>
+        <a:schemeClr val="dk1">
+          <a:lumMod val="75000"/>
+          <a:lumOff val="25000"/>
+        </a:schemeClr>
+      </a:solidFill>
+      <a:ln w="9525" cap="flat" cmpd="sng" algn="ctr">
+        <a:solidFill>
+          <a:schemeClr val="tx1">
+            <a:lumMod val="65000"/>
+            <a:lumOff val="35000"/>
+          </a:schemeClr>
+        </a:solidFill>
+        <a:round/>
+      </a:ln>
+    </cs:spPr>
+  </cs:downBar>
+  <cs:dropLine>
+    <cs:lnRef idx="0"/>
+    <cs:fillRef idx="0"/>
+    <cs:effectRef idx="0"/>
+    <cs:fontRef idx="minor">
+      <a:schemeClr val="tx1"/>
+    </cs:fontRef>
+    <cs:spPr>
+      <a:ln w="9525" cap="flat" cmpd="sng" algn="ctr">
+        <a:solidFill>
+          <a:schemeClr val="tx1">
+            <a:lumMod val="35000"/>
+            <a:lumOff val="65000"/>
+          </a:schemeClr>
+        </a:solidFill>
+        <a:round/>
+      </a:ln>
+    </cs:spPr>
+  </cs:dropLine>
+  <cs:errorBar>
+    <cs:lnRef idx="0"/>
+    <cs:fillRef idx="0"/>
+    <cs:effectRef idx="0"/>
+    <cs:fontRef idx="minor">
+      <a:schemeClr val="tx1"/>
+    </cs:fontRef>
+    <cs:spPr>
+      <a:ln w="9525" cap="flat" cmpd="sng" algn="ctr">
+        <a:solidFill>
+          <a:schemeClr val="tx1">
+            <a:lumMod val="65000"/>
+            <a:lumOff val="35000"/>
+          </a:schemeClr>
+        </a:solidFill>
+        <a:round/>
+      </a:ln>
+    </cs:spPr>
+  </cs:errorBar>
+  <cs:floor>
+    <cs:lnRef idx="0"/>
+    <cs:fillRef idx="0"/>
+    <cs:effectRef idx="0"/>
+    <cs:fontRef idx="minor">
+      <a:schemeClr val="tx1"/>
+    </cs:fontRef>
+    <cs:spPr>
+      <a:noFill/>
+      <a:ln>
+        <a:noFill/>
+      </a:ln>
+    </cs:spPr>
+  </cs:floor>
+  <cs:gridlineMajor>
+    <cs:lnRef idx="0"/>
+    <cs:fillRef idx="0"/>
+    <cs:effectRef idx="0"/>
+    <cs:fontRef idx="minor">
+      <a:schemeClr val="tx1"/>
+    </cs:fontRef>
+    <cs:spPr>
+      <a:ln w="9525" cap="flat" cmpd="sng" algn="ctr">
+        <a:solidFill>
+          <a:schemeClr val="tx1">
+            <a:lumMod val="15000"/>
+            <a:lumOff val="85000"/>
+          </a:schemeClr>
+        </a:solidFill>
+        <a:round/>
+      </a:ln>
+    </cs:spPr>
+  </cs:gridlineMajor>
+  <cs:gridlineMinor>
+    <cs:lnRef idx="0"/>
+    <cs:fillRef idx="0"/>
+    <cs:effectRef idx="0"/>
+    <cs:fontRef idx="minor">
+      <a:schemeClr val="tx1"/>
+    </cs:fontRef>
+    <cs:spPr>
+      <a:ln w="9525" cap="flat" cmpd="sng" algn="ctr">
+        <a:solidFill>
+          <a:schemeClr val="tx1">
+            <a:lumMod val="5000"/>
+            <a:lumOff val="95000"/>
+          </a:schemeClr>
+        </a:solidFill>
+        <a:round/>
+      </a:ln>
+    </cs:spPr>
+  </cs:gridlineMinor>
+  <cs:hiLoLine>
+    <cs:lnRef idx="0"/>
+    <cs:fillRef idx="0"/>
+    <cs:effectRef idx="0"/>
+    <cs:fontRef idx="minor">
+      <a:schemeClr val="tx1"/>
+    </cs:fontRef>
+    <cs:spPr>
+      <a:ln w="9525" cap="flat" cmpd="sng" algn="ctr">
+        <a:solidFill>
+          <a:schemeClr val="tx1">
+            <a:lumMod val="50000"/>
+            <a:lumOff val="50000"/>
+          </a:schemeClr>
+        </a:solidFill>
+        <a:round/>
+      </a:ln>
+    </cs:spPr>
+  </cs:hiLoLine>
+  <cs:leaderLine>
+    <cs:lnRef idx="0"/>
+    <cs:fillRef idx="0"/>
+    <cs:effectRef idx="0"/>
+    <cs:fontRef idx="minor">
+      <a:schemeClr val="tx1"/>
+    </cs:fontRef>
+    <cs:spPr>
+      <a:ln w="9525" cap="flat" cmpd="sng" algn="ctr">
+        <a:solidFill>
+          <a:schemeClr val="tx1">
+            <a:lumMod val="35000"/>
+            <a:lumOff val="65000"/>
+          </a:schemeClr>
+        </a:solidFill>
+        <a:round/>
+      </a:ln>
+    </cs:spPr>
+  </cs:leaderLine>
+  <cs:legend>
+    <cs:lnRef idx="0"/>
+    <cs:fillRef idx="0"/>
+    <cs:effectRef idx="0"/>
+    <cs:fontRef idx="minor">
+      <a:schemeClr val="tx1">
+        <a:lumMod val="65000"/>
+        <a:lumOff val="35000"/>
+      </a:schemeClr>
+    </cs:fontRef>
+    <cs:defRPr sz="1197" kern="1200"/>
+  </cs:legend>
+  <cs:plotArea mods="allowNoFillOverride allowNoLineOverride">
+    <cs:lnRef idx="0"/>
+    <cs:fillRef idx="0"/>
+    <cs:effectRef idx="0"/>
+    <cs:fontRef idx="minor">
+      <a:schemeClr val="tx1"/>
+    </cs:fontRef>
+  </cs:plotArea>
+  <cs:plotArea3D mods="allowNoFillOverride allowNoLineOverride">
+    <cs:lnRef idx="0"/>
+    <cs:fillRef idx="0"/>
+    <cs:effectRef idx="0"/>
+    <cs:fontRef idx="minor">
+      <a:schemeClr val="tx1"/>
+    </cs:fontRef>
+  </cs:plotArea3D>
+  <cs:seriesAxis>
+    <cs:lnRef idx="0"/>
+    <cs:fillRef idx="0"/>
+    <cs:effectRef idx="0"/>
+    <cs:fontRef idx="minor">
+      <a:schemeClr val="tx1">
+        <a:lumMod val="65000"/>
+        <a:lumOff val="35000"/>
+      </a:schemeClr>
+    </cs:fontRef>
+    <cs:defRPr sz="1197" kern="1200"/>
+  </cs:seriesAxis>
+  <cs:seriesLine>
+    <cs:lnRef idx="0"/>
+    <cs:fillRef idx="0"/>
+    <cs:effectRef idx="0"/>
+    <cs:fontRef idx="minor">
+      <a:schemeClr val="tx1"/>
+    </cs:fontRef>
+    <cs:spPr>
+      <a:ln w="9525" cap="flat" cmpd="sng" algn="ctr">
+        <a:solidFill>
+          <a:schemeClr val="tx1">
+            <a:lumMod val="35000"/>
+            <a:lumOff val="65000"/>
+          </a:schemeClr>
+        </a:solidFill>
+        <a:round/>
+      </a:ln>
+    </cs:spPr>
+  </cs:seriesLine>
+  <cs:title>
+    <cs:lnRef idx="0"/>
+    <cs:fillRef idx="0"/>
+    <cs:effectRef idx="0"/>
+    <cs:fontRef idx="minor">
+      <a:schemeClr val="tx1">
+        <a:lumMod val="65000"/>
+        <a:lumOff val="35000"/>
+      </a:schemeClr>
+    </cs:fontRef>
+    <cs:defRPr sz="1862" b="0" kern="1200" spc="0" baseline="0"/>
+  </cs:title>
+  <cs:trendline>
+    <cs:lnRef idx="0">
+      <cs:styleClr val="auto"/>
+    </cs:lnRef>
+    <cs:fillRef idx="0"/>
+    <cs:effectRef idx="0"/>
+    <cs:fontRef idx="minor">
+      <a:schemeClr val="tx1"/>
+    </cs:fontRef>
+    <cs:spPr>
+      <a:ln w="19050" cap="rnd">
+        <a:solidFill>
+          <a:schemeClr val="phClr"/>
+        </a:solidFill>
+        <a:prstDash val="sysDot"/>
+      </a:ln>
+    </cs:spPr>
+  </cs:trendline>
+  <cs:trendlineLabel>
+    <cs:lnRef idx="0"/>
+    <cs:fillRef idx="0"/>
+    <cs:effectRef idx="0"/>
+    <cs:fontRef idx="minor">
+      <a:schemeClr val="tx1">
+        <a:lumMod val="65000"/>
+        <a:lumOff val="35000"/>
+      </a:schemeClr>
+    </cs:fontRef>
+    <cs:defRPr sz="1197" kern="1200"/>
+  </cs:trendlineLabel>
+  <cs:upBar>
+    <cs:lnRef idx="0"/>
+    <cs:fillRef idx="0"/>
+    <cs:effectRef idx="0"/>
+    <cs:fontRef idx="minor">
+      <a:schemeClr val="tx1"/>
+    </cs:fontRef>
+    <cs:spPr>
+      <a:solidFill>
+        <a:schemeClr val="lt1"/>
+      </a:solidFill>
+      <a:ln w="9525" cap="flat" cmpd="sng" algn="ctr">
+        <a:solidFill>
+          <a:schemeClr val="tx1">
+            <a:lumMod val="65000"/>
+            <a:lumOff val="35000"/>
+          </a:schemeClr>
+        </a:solidFill>
+        <a:round/>
+      </a:ln>
+    </cs:spPr>
+  </cs:upBar>
+  <cs:valueAxis>
+    <cs:lnRef idx="0"/>
+    <cs:fillRef idx="0"/>
+    <cs:effectRef idx="0"/>
+    <cs:fontRef idx="minor">
+      <a:schemeClr val="tx1">
+        <a:lumMod val="65000"/>
+        <a:lumOff val="35000"/>
+      </a:schemeClr>
+    </cs:fontRef>
+    <cs:defRPr sz="1197" kern="1200"/>
+  </cs:valueAxis>
+  <cs:wall>
+    <cs:lnRef idx="0"/>
+    <cs:fillRef idx="0"/>
+    <cs:effectRef idx="0"/>
+    <cs:fontRef idx="minor">
+      <a:schemeClr val="tx1"/>
+    </cs:fontRef>
+    <cs:spPr>
+      <a:noFill/>
+      <a:ln>
+        <a:noFill/>
+      </a:ln>
+    </cs:spPr>
+  </cs:wall>
+</cs:chartStyle>
+</file>
+
+<file path=ppt/charts/style9.xml><?xml version="1.0" encoding="utf-8"?>
+<cs:chartStyle xmlns:cs="http://schemas.microsoft.com/office/drawing/2012/chartStyle" xmlns:a="http://schemas.openxmlformats.org/drawingml/2006/main" id="322">
+  <cs:axisTitle>
+    <cs:lnRef idx="0"/>
+    <cs:fillRef idx="0"/>
+    <cs:effectRef idx="0"/>
+    <cs:fontRef idx="minor">
+      <a:schemeClr val="tx1">
+        <a:lumMod val="65000"/>
+        <a:lumOff val="35000"/>
+      </a:schemeClr>
+    </cs:fontRef>
+    <cs:defRPr sz="1330" kern="1200"/>
+  </cs:axisTitle>
+  <cs:categoryAxis>
+    <cs:lnRef idx="0"/>
+    <cs:fillRef idx="0"/>
+    <cs:effectRef idx="0"/>
+    <cs:fontRef idx="minor">
+      <a:schemeClr val="tx1">
+        <a:lumMod val="65000"/>
+        <a:lumOff val="35000"/>
+      </a:schemeClr>
+    </cs:fontRef>
+    <cs:spPr>
+      <a:ln w="9525" cap="flat" cmpd="sng" algn="ctr">
+        <a:solidFill>
+          <a:schemeClr val="tx1">
+            <a:lumMod val="15000"/>
+            <a:lumOff val="85000"/>
+          </a:schemeClr>
+        </a:solidFill>
+        <a:round/>
+      </a:ln>
+    </cs:spPr>
+    <cs:defRPr sz="1197" kern="1200"/>
+  </cs:categoryAxis>
+  <cs:chartArea mods="allowNoFillOverride allowNoLineOverride">
+    <cs:lnRef idx="0"/>
+    <cs:fillRef idx="0"/>
+    <cs:effectRef idx="0"/>
+    <cs:fontRef idx="minor">
+      <a:schemeClr val="tx1"/>
+    </cs:fontRef>
+    <cs:spPr>
+      <a:solidFill>
+        <a:schemeClr val="bg1"/>
+      </a:solidFill>
+      <a:ln w="9525" cap="flat" cmpd="sng" algn="ctr">
+        <a:solidFill>
+          <a:schemeClr val="tx1">
+            <a:lumMod val="15000"/>
+            <a:lumOff val="85000"/>
+          </a:schemeClr>
+        </a:solidFill>
+        <a:round/>
+      </a:ln>
+    </cs:spPr>
+    <cs:defRPr sz="1330" kern="1200"/>
+  </cs:chartArea>
+  <cs:dataLabel>
+    <cs:lnRef idx="0"/>
+    <cs:fillRef idx="0"/>
+    <cs:effectRef idx="0"/>
+    <cs:fontRef idx="minor">
+      <a:schemeClr val="tx1">
+        <a:lumMod val="75000"/>
+        <a:lumOff val="25000"/>
+      </a:schemeClr>
+    </cs:fontRef>
+    <cs:defRPr sz="1197" kern="1200"/>
+  </cs:dataLabel>
+  <cs:dataLabelCallout>
+    <cs:lnRef idx="0"/>
+    <cs:fillRef idx="0"/>
+    <cs:effectRef idx="0"/>
+    <cs:fontRef idx="minor">
+      <a:schemeClr val="dk1">
+        <a:lumMod val="65000"/>
+        <a:lumOff val="35000"/>
+      </a:schemeClr>
+    </cs:fontRef>
+    <cs:spPr>
+      <a:solidFill>
+        <a:schemeClr val="lt1"/>
+      </a:solidFill>
+      <a:ln>
+        <a:solidFill>
+          <a:schemeClr val="dk1">
+            <a:lumMod val="25000"/>
+            <a:lumOff val="75000"/>
+          </a:schemeClr>
+        </a:solidFill>
+      </a:ln>
+    </cs:spPr>
+    <cs:defRPr sz="1197" kern="1200"/>
+    <cs:bodyPr rot="0" spcFirstLastPara="1" vertOverflow="clip" horzOverflow="clip" vert="horz" wrap="square" lIns="36576" tIns="18288" rIns="36576" bIns="18288" anchor="ctr" anchorCtr="1">
+      <a:spAutoFit/>
+    </cs:bodyPr>
+  </cs:dataLabelCallout>
+  <cs:dataPoint>
+    <cs:lnRef idx="0"/>
+    <cs:fillRef idx="1">
+      <cs:styleClr val="auto"/>
+    </cs:fillRef>
+    <cs:effectRef idx="0"/>
+    <cs:fontRef idx="minor">
+      <a:schemeClr val="tx1"/>
+    </cs:fontRef>
+  </cs:dataPoint>
+  <cs:dataPoint3D>
+    <cs:lnRef idx="0"/>
+    <cs:fillRef idx="1">
+      <cs:styleClr val="auto"/>
+    </cs:fillRef>
+    <cs:effectRef idx="0"/>
+    <cs:fontRef idx="minor">
+      <a:schemeClr val="tx1"/>
+    </cs:fontRef>
+  </cs:dataPoint3D>
+  <cs:dataPointLine>
+    <cs:lnRef idx="0">
+      <cs:styleClr val="auto"/>
+    </cs:lnRef>
+    <cs:fillRef idx="1"/>
+    <cs:effectRef idx="0"/>
+    <cs:fontRef idx="minor">
+      <a:schemeClr val="tx1"/>
+    </cs:fontRef>
+    <cs:spPr>
+      <a:ln w="28575" cap="rnd">
+        <a:solidFill>
+          <a:schemeClr val="phClr"/>
+        </a:solidFill>
+        <a:round/>
+      </a:ln>
+    </cs:spPr>
+  </cs:dataPointLine>
+  <cs:dataPointMarker>
+    <cs:lnRef idx="0">
+      <cs:styleClr val="auto"/>
+    </cs:lnRef>
+    <cs:fillRef idx="1">
+      <cs:styleClr val="auto"/>
+    </cs:fillRef>
+    <cs:effectRef idx="0"/>
+    <cs:fontRef idx="minor">
+      <a:schemeClr val="tx1"/>
+    </cs:fontRef>
+    <cs:spPr>
+      <a:ln w="9525">
+        <a:solidFill>
+          <a:schemeClr val="phClr"/>
+        </a:solidFill>
+      </a:ln>
+    </cs:spPr>
+  </cs:dataPointMarker>
+  <cs:dataPointMarkerLayout symbol="circle" size="5"/>
+  <cs:dataPointWireframe>
+    <cs:lnRef idx="0">
+      <cs:styleClr val="auto"/>
+    </cs:lnRef>
+    <cs:fillRef idx="1"/>
+    <cs:effectRef idx="0"/>
+    <cs:fontRef idx="minor">
+      <a:schemeClr val="tx1"/>
+    </cs:fontRef>
+    <cs:spPr>
+      <a:ln w="9525" cap="rnd">
+        <a:solidFill>
+          <a:schemeClr val="phClr"/>
+        </a:solidFill>
+        <a:round/>
+      </a:ln>
+    </cs:spPr>
+  </cs:dataPointWireframe>
+  <cs:dataTable>
+    <cs:lnRef idx="0"/>
+    <cs:fillRef idx="0"/>
+    <cs:effectRef idx="0"/>
+    <cs:fontRef idx="minor">
+      <a:schemeClr val="tx1">
+        <a:lumMod val="65000"/>
+        <a:lumOff val="35000"/>
+      </a:schemeClr>
+    </cs:fontRef>
+    <cs:spPr>
+      <a:noFill/>
+      <a:ln w="9525" cap="flat" cmpd="sng" algn="ctr">
+        <a:solidFill>
+          <a:schemeClr val="tx1">
+            <a:lumMod val="15000"/>
+            <a:lumOff val="85000"/>
+          </a:schemeClr>
+        </a:solidFill>
+        <a:round/>
+      </a:ln>
+    </cs:spPr>
+    <cs:defRPr sz="1197" kern="1200"/>
+  </cs:dataTable>
+  <cs:downBar>
+    <cs:lnRef idx="0"/>
+    <cs:fillRef idx="0"/>
+    <cs:effectRef idx="0"/>
+    <cs:fontRef idx="minor">
+      <a:schemeClr val="tx1"/>
+    </cs:fontRef>
+    <cs:spPr>
+      <a:solidFill>
+        <a:schemeClr val="dk1">
+          <a:lumMod val="75000"/>
+          <a:lumOff val="25000"/>
+        </a:schemeClr>
+      </a:solidFill>
+      <a:ln w="9525" cap="flat" cmpd="sng" algn="ctr">
+        <a:solidFill>
+          <a:schemeClr val="tx1">
+            <a:lumMod val="65000"/>
+            <a:lumOff val="35000"/>
+          </a:schemeClr>
+        </a:solidFill>
+        <a:round/>
+      </a:ln>
+    </cs:spPr>
+  </cs:downBar>
+  <cs:dropLine>
+    <cs:lnRef idx="0"/>
+    <cs:fillRef idx="0"/>
+    <cs:effectRef idx="0"/>
+    <cs:fontRef idx="minor">
+      <a:schemeClr val="tx1"/>
+    </cs:fontRef>
+    <cs:spPr>
+      <a:ln w="9525" cap="flat" cmpd="sng" algn="ctr">
+        <a:solidFill>
+          <a:schemeClr val="tx1">
+            <a:lumMod val="35000"/>
+            <a:lumOff val="65000"/>
+          </a:schemeClr>
+        </a:solidFill>
+        <a:round/>
+      </a:ln>
+    </cs:spPr>
+  </cs:dropLine>
+  <cs:errorBar>
+    <cs:lnRef idx="0"/>
+    <cs:fillRef idx="0"/>
+    <cs:effectRef idx="0"/>
+    <cs:fontRef idx="minor">
+      <a:schemeClr val="tx1"/>
+    </cs:fontRef>
+    <cs:spPr>
+      <a:ln w="9525" cap="flat" cmpd="sng" algn="ctr">
+        <a:solidFill>
+          <a:schemeClr val="tx1">
+            <a:lumMod val="65000"/>
+            <a:lumOff val="35000"/>
+          </a:schemeClr>
+        </a:solidFill>
+        <a:round/>
+      </a:ln>
+    </cs:spPr>
+  </cs:errorBar>
+  <cs:floor>
+    <cs:lnRef idx="0"/>
+    <cs:fillRef idx="0"/>
+    <cs:effectRef idx="0"/>
+    <cs:fontRef idx="minor">
+      <a:schemeClr val="tx1"/>
+    </cs:fontRef>
+    <cs:spPr>
+      <a:noFill/>
+      <a:ln>
+        <a:noFill/>
+      </a:ln>
+    </cs:spPr>
+  </cs:floor>
+  <cs:gridlineMajor>
+    <cs:lnRef idx="0"/>
+    <cs:fillRef idx="0"/>
+    <cs:effectRef idx="0"/>
+    <cs:fontRef idx="minor">
+      <a:schemeClr val="tx1"/>
+    </cs:fontRef>
+    <cs:spPr>
+      <a:ln w="9525" cap="flat" cmpd="sng" algn="ctr">
+        <a:solidFill>
+          <a:schemeClr val="tx1">
+            <a:lumMod val="15000"/>
+            <a:lumOff val="85000"/>
+          </a:schemeClr>
+        </a:solidFill>
+        <a:round/>
+      </a:ln>
+    </cs:spPr>
+  </cs:gridlineMajor>
+  <cs:gridlineMinor>
+    <cs:lnRef idx="0"/>
+    <cs:fillRef idx="0"/>
+    <cs:effectRef idx="0"/>
+    <cs:fontRef idx="minor">
+      <a:schemeClr val="tx1"/>
+    </cs:fontRef>
+    <cs:spPr>
+      <a:ln w="9525" cap="flat" cmpd="sng" algn="ctr">
+        <a:solidFill>
+          <a:schemeClr val="tx1">
+            <a:lumMod val="5000"/>
+            <a:lumOff val="95000"/>
+          </a:schemeClr>
+        </a:solidFill>
+        <a:round/>
+      </a:ln>
+    </cs:spPr>
+  </cs:gridlineMinor>
+  <cs:hiLoLine>
+    <cs:lnRef idx="0"/>
+    <cs:fillRef idx="0"/>
+    <cs:effectRef idx="0"/>
+    <cs:fontRef idx="minor">
+      <a:schemeClr val="tx1"/>
+    </cs:fontRef>
+    <cs:spPr>
+      <a:ln w="9525" cap="flat" cmpd="sng" algn="ctr">
+        <a:solidFill>
+          <a:schemeClr val="tx1">
+            <a:lumMod val="75000"/>
+            <a:lumOff val="25000"/>
+          </a:schemeClr>
+        </a:solidFill>
+        <a:round/>
+      </a:ln>
+    </cs:spPr>
+  </cs:hiLoLine>
+  <cs:leaderLine>
+    <cs:lnRef idx="0"/>
+    <cs:fillRef idx="0"/>
+    <cs:effectRef idx="0"/>
+    <cs:fontRef idx="minor">
+      <a:schemeClr val="tx1"/>
+    </cs:fontRef>
+    <cs:spPr>
+      <a:ln w="9525" cap="flat" cmpd="sng" algn="ctr">
+        <a:solidFill>
+          <a:schemeClr val="tx1">
+            <a:lumMod val="35000"/>
+            <a:lumOff val="65000"/>
+          </a:schemeClr>
+        </a:solidFill>
+        <a:round/>
+      </a:ln>
+    </cs:spPr>
+  </cs:leaderLine>
+  <cs:legend>
+    <cs:lnRef idx="0"/>
+    <cs:fillRef idx="0"/>
+    <cs:effectRef idx="0"/>
+    <cs:fontRef idx="minor">
+      <a:schemeClr val="tx1">
+        <a:lumMod val="65000"/>
+        <a:lumOff val="35000"/>
+      </a:schemeClr>
+    </cs:fontRef>
+    <cs:defRPr sz="1197" kern="1200"/>
+  </cs:legend>
+  <cs:plotArea mods="allowNoFillOverride allowNoLineOverride">
+    <cs:lnRef idx="0"/>
+    <cs:fillRef idx="0"/>
+    <cs:effectRef idx="0"/>
+    <cs:fontRef idx="minor">
+      <a:schemeClr val="tx1"/>
+    </cs:fontRef>
+  </cs:plotArea>
+  <cs:plotArea3D mods="allowNoFillOverride allowNoLineOverride">
+    <cs:lnRef idx="0"/>
+    <cs:fillRef idx="0"/>
+    <cs:effectRef idx="0"/>
+    <cs:fontRef idx="minor">
+      <a:schemeClr val="tx1"/>
+    </cs:fontRef>
+  </cs:plotArea3D>
+  <cs:seriesAxis>
+    <cs:lnRef idx="0"/>
+    <cs:fillRef idx="0"/>
+    <cs:effectRef idx="0"/>
+    <cs:fontRef idx="minor">
+      <a:schemeClr val="tx1">
+        <a:lumMod val="65000"/>
+        <a:lumOff val="35000"/>
+      </a:schemeClr>
+    </cs:fontRef>
+    <cs:spPr>
+      <a:ln w="9525" cap="flat" cmpd="sng" algn="ctr">
+        <a:solidFill>
+          <a:schemeClr val="tx1">
+            <a:lumMod val="15000"/>
+            <a:lumOff val="85000"/>
+          </a:schemeClr>
+        </a:solidFill>
+        <a:round/>
+      </a:ln>
+    </cs:spPr>
+    <cs:defRPr sz="1197" kern="1200"/>
+  </cs:seriesAxis>
+  <cs:seriesLine>
+    <cs:lnRef idx="0"/>
+    <cs:fillRef idx="0"/>
+    <cs:effectRef idx="0"/>
+    <cs:fontRef idx="minor">
+      <a:schemeClr val="tx1"/>
+    </cs:fontRef>
+    <cs:spPr>
+      <a:ln w="9525" cap="flat" cmpd="sng" algn="ctr">
+        <a:solidFill>
+          <a:schemeClr val="tx1">
+            <a:lumMod val="35000"/>
+            <a:lumOff val="65000"/>
+          </a:schemeClr>
+        </a:solidFill>
+        <a:round/>
+      </a:ln>
+    </cs:spPr>
+  </cs:seriesLine>
+  <cs:title>
+    <cs:lnRef idx="0"/>
+    <cs:fillRef idx="0"/>
+    <cs:effectRef idx="0"/>
+    <cs:fontRef idx="minor">
+      <a:schemeClr val="tx1">
+        <a:lumMod val="65000"/>
+        <a:lumOff val="35000"/>
+      </a:schemeClr>
+    </cs:fontRef>
+    <cs:defRPr sz="1862" b="0" kern="1200" spc="0" baseline="0"/>
+  </cs:title>
+  <cs:trendline>
+    <cs:lnRef idx="0">
+      <cs:styleClr val="auto"/>
+    </cs:lnRef>
+    <cs:fillRef idx="0"/>
+    <cs:effectRef idx="0"/>
+    <cs:fontRef idx="minor">
+      <a:schemeClr val="tx1"/>
+    </cs:fontRef>
+    <cs:spPr>
+      <a:ln w="19050" cap="rnd">
+        <a:solidFill>
+          <a:schemeClr val="phClr"/>
+        </a:solidFill>
+        <a:prstDash val="sysDot"/>
+      </a:ln>
+    </cs:spPr>
+  </cs:trendline>
+  <cs:trendlineLabel>
+    <cs:lnRef idx="0"/>
+    <cs:fillRef idx="0"/>
+    <cs:effectRef idx="0"/>
+    <cs:fontRef idx="minor">
+      <a:schemeClr val="tx1">
+        <a:lumMod val="65000"/>
+        <a:lumOff val="35000"/>
+      </a:schemeClr>
+    </cs:fontRef>
+    <cs:defRPr sz="1197" kern="1200"/>
+  </cs:trendlineLabel>
+  <cs:upBar>
+    <cs:lnRef idx="0"/>
+    <cs:fillRef idx="0"/>
+    <cs:effectRef idx="0"/>
+    <cs:fontRef idx="minor">
+      <a:schemeClr val="tx1"/>
+    </cs:fontRef>
+    <cs:spPr>
+      <a:solidFill>
+        <a:schemeClr val="lt1"/>
+      </a:solidFill>
+      <a:ln w="9525" cap="flat" cmpd="sng" algn="ctr">
+        <a:solidFill>
+          <a:schemeClr val="tx1">
+            <a:lumMod val="65000"/>
+            <a:lumOff val="35000"/>
+          </a:schemeClr>
+        </a:solidFill>
+        <a:round/>
       </a:ln>
     </cs:spPr>
   </cs:upBar>
@@ -1187,7 +10563,7 @@
           <a:p>
             <a:fld id="{00202286-A9FB-ED43-A3D2-0EC1A1169186}" type="datetimeFigureOut">
               <a:rPr kumimoji="1" lang="ko-KR" altLang="en-US" smtClean="0"/>
-              <a:t>2020. 7. 9.</a:t>
+              <a:t>2020. 7. 10.</a:t>
             </a:fld>
             <a:endParaRPr kumimoji="1" lang="ko-KR" altLang="en-US"/>
           </a:p>
@@ -1652,6 +11028,466 @@
           <a:chExt cx="0" cy="0"/>
         </a:xfrm>
       </p:grpSpPr>
+      <p:graphicFrame>
+        <p:nvGraphicFramePr>
+          <p:cNvPr id="2" name="bar_mix_chart">
+            <a:extLst>
+              <a:ext uri="{FF2B5EF4-FFF2-40B4-BE49-F238E27FC236}">
+                <a16:creationId xmlns:a16="http://schemas.microsoft.com/office/drawing/2014/main" id="{0CC8CE41-F385-1F4A-B8A2-2D741C131491}"/>
+              </a:ext>
+            </a:extLst>
+          </p:cNvPr>
+          <p:cNvGraphicFramePr/>
+          <p:nvPr>
+            <p:extLst>
+              <p:ext uri="{D42A27DB-BD31-4B8C-83A1-F6EECF244321}">
+                <p14:modId xmlns:p14="http://schemas.microsoft.com/office/powerpoint/2010/main" val="291753059"/>
+              </p:ext>
+            </p:extLst>
+          </p:nvPr>
+        </p:nvGraphicFramePr>
+        <p:xfrm>
+          <a:off x="346076" y="1243013"/>
+          <a:ext cx="5392738" cy="3595159"/>
+        </p:xfrm>
+        <a:graphic>
+          <a:graphicData uri="http://schemas.openxmlformats.org/drawingml/2006/chart">
+            <c:chart xmlns:c="http://schemas.openxmlformats.org/drawingml/2006/chart" xmlns:r="http://schemas.openxmlformats.org/officeDocument/2006/relationships" r:id="rId2"/>
+          </a:graphicData>
+        </a:graphic>
+      </p:graphicFrame>
+      <p:graphicFrame>
+        <p:nvGraphicFramePr>
+          <p:cNvPr id="4" name="bar_100_chart">
+            <a:extLst>
+              <a:ext uri="{FF2B5EF4-FFF2-40B4-BE49-F238E27FC236}">
+                <a16:creationId xmlns:a16="http://schemas.microsoft.com/office/drawing/2014/main" id="{789E23F0-D2A0-EE42-ACBE-1669226CD3D7}"/>
+              </a:ext>
+            </a:extLst>
+          </p:cNvPr>
+          <p:cNvGraphicFramePr/>
+          <p:nvPr>
+            <p:extLst>
+              <p:ext uri="{D42A27DB-BD31-4B8C-83A1-F6EECF244321}">
+                <p14:modId xmlns:p14="http://schemas.microsoft.com/office/powerpoint/2010/main" val="2174119526"/>
+              </p:ext>
+            </p:extLst>
+          </p:nvPr>
+        </p:nvGraphicFramePr>
+        <p:xfrm>
+          <a:off x="6186489" y="1243013"/>
+          <a:ext cx="5516562" cy="3595159"/>
+        </p:xfrm>
+        <a:graphic>
+          <a:graphicData uri="http://schemas.openxmlformats.org/drawingml/2006/chart">
+            <c:chart xmlns:c="http://schemas.openxmlformats.org/drawingml/2006/chart" xmlns:r="http://schemas.openxmlformats.org/officeDocument/2006/relationships" r:id="rId3"/>
+          </a:graphicData>
+        </a:graphic>
+      </p:graphicFrame>
+    </p:spTree>
+    <p:extLst>
+      <p:ext uri="{BB962C8B-B14F-4D97-AF65-F5344CB8AC3E}">
+        <p14:creationId xmlns:p14="http://schemas.microsoft.com/office/powerpoint/2010/main" val="156566513"/>
+      </p:ext>
+    </p:extLst>
+  </p:cSld>
+  <p:clrMapOvr>
+    <a:masterClrMapping/>
+  </p:clrMapOvr>
+</p:sld>
+</file>
+
+<file path=ppt/slides/slide3.xml><?xml version="1.0" encoding="utf-8"?>
+<p:sld xmlns:a="http://schemas.openxmlformats.org/drawingml/2006/main" xmlns:r="http://schemas.openxmlformats.org/officeDocument/2006/relationships" xmlns:p="http://schemas.openxmlformats.org/presentationml/2006/main">
+  <p:cSld>
+    <p:spTree>
+      <p:nvGrpSpPr>
+        <p:cNvPr id="1" name=""/>
+        <p:cNvGrpSpPr/>
+        <p:nvPr/>
+      </p:nvGrpSpPr>
+      <p:grpSpPr>
+        <a:xfrm>
+          <a:off x="0" y="0"/>
+          <a:ext cx="0" cy="0"/>
+          <a:chOff x="0" y="0"/>
+          <a:chExt cx="0" cy="0"/>
+        </a:xfrm>
+      </p:grpSpPr>
+      <p:graphicFrame>
+        <p:nvGraphicFramePr>
+          <p:cNvPr id="4" name="area_chart">
+            <a:extLst>
+              <a:ext uri="{FF2B5EF4-FFF2-40B4-BE49-F238E27FC236}">
+                <a16:creationId xmlns:a16="http://schemas.microsoft.com/office/drawing/2014/main" id="{CE647CD7-62FC-BB44-AB05-12F3657E849B}"/>
+              </a:ext>
+            </a:extLst>
+          </p:cNvPr>
+          <p:cNvGraphicFramePr/>
+          <p:nvPr>
+            <p:extLst>
+              <p:ext uri="{D42A27DB-BD31-4B8C-83A1-F6EECF244321}">
+                <p14:modId xmlns:p14="http://schemas.microsoft.com/office/powerpoint/2010/main" val="181138822"/>
+              </p:ext>
+            </p:extLst>
+          </p:nvPr>
+        </p:nvGraphicFramePr>
+        <p:xfrm>
+          <a:off x="146050" y="1539875"/>
+          <a:ext cx="5526087" cy="3684058"/>
+        </p:xfrm>
+        <a:graphic>
+          <a:graphicData uri="http://schemas.openxmlformats.org/drawingml/2006/chart">
+            <c:chart xmlns:c="http://schemas.openxmlformats.org/drawingml/2006/chart" xmlns:r="http://schemas.openxmlformats.org/officeDocument/2006/relationships" r:id="rId2"/>
+          </a:graphicData>
+        </a:graphic>
+      </p:graphicFrame>
+      <p:graphicFrame>
+        <p:nvGraphicFramePr>
+          <p:cNvPr id="5" name="line_chart">
+            <a:extLst>
+              <a:ext uri="{FF2B5EF4-FFF2-40B4-BE49-F238E27FC236}">
+                <a16:creationId xmlns:a16="http://schemas.microsoft.com/office/drawing/2014/main" id="{A935008C-0B75-9C45-B9C4-30F25226583A}"/>
+              </a:ext>
+            </a:extLst>
+          </p:cNvPr>
+          <p:cNvGraphicFramePr/>
+          <p:nvPr>
+            <p:extLst>
+              <p:ext uri="{D42A27DB-BD31-4B8C-83A1-F6EECF244321}">
+                <p14:modId xmlns:p14="http://schemas.microsoft.com/office/powerpoint/2010/main" val="1838554713"/>
+              </p:ext>
+            </p:extLst>
+          </p:nvPr>
+        </p:nvGraphicFramePr>
+        <p:xfrm>
+          <a:off x="6272213" y="1539875"/>
+          <a:ext cx="5534025" cy="3237971"/>
+        </p:xfrm>
+        <a:graphic>
+          <a:graphicData uri="http://schemas.openxmlformats.org/drawingml/2006/chart">
+            <c:chart xmlns:c="http://schemas.openxmlformats.org/drawingml/2006/chart" xmlns:r="http://schemas.openxmlformats.org/officeDocument/2006/relationships" r:id="rId3"/>
+          </a:graphicData>
+        </a:graphic>
+      </p:graphicFrame>
+    </p:spTree>
+    <p:extLst>
+      <p:ext uri="{BB962C8B-B14F-4D97-AF65-F5344CB8AC3E}">
+        <p14:creationId xmlns:p14="http://schemas.microsoft.com/office/powerpoint/2010/main" val="4087615647"/>
+      </p:ext>
+    </p:extLst>
+  </p:cSld>
+  <p:clrMapOvr>
+    <a:masterClrMapping/>
+  </p:clrMapOvr>
+</p:sld>
+</file>
+
+<file path=ppt/slides/slide4.xml><?xml version="1.0" encoding="utf-8"?>
+<p:sld xmlns:a="http://schemas.openxmlformats.org/drawingml/2006/main" xmlns:r="http://schemas.openxmlformats.org/officeDocument/2006/relationships" xmlns:p="http://schemas.openxmlformats.org/presentationml/2006/main">
+  <p:cSld>
+    <p:spTree>
+      <p:nvGrpSpPr>
+        <p:cNvPr id="1" name=""/>
+        <p:cNvGrpSpPr/>
+        <p:nvPr/>
+      </p:nvGrpSpPr>
+      <p:grpSpPr>
+        <a:xfrm>
+          <a:off x="0" y="0"/>
+          <a:ext cx="0" cy="0"/>
+          <a:chOff x="0" y="0"/>
+          <a:chExt cx="0" cy="0"/>
+        </a:xfrm>
+      </p:grpSpPr>
+      <p:graphicFrame>
+        <p:nvGraphicFramePr>
+          <p:cNvPr id="5" name="circle_chart">
+            <a:extLst>
+              <a:ext uri="{FF2B5EF4-FFF2-40B4-BE49-F238E27FC236}">
+                <a16:creationId xmlns:a16="http://schemas.microsoft.com/office/drawing/2014/main" id="{1109B73C-6839-F347-A549-5EA621FB951E}"/>
+              </a:ext>
+            </a:extLst>
+          </p:cNvPr>
+          <p:cNvGraphicFramePr/>
+          <p:nvPr>
+            <p:extLst>
+              <p:ext uri="{D42A27DB-BD31-4B8C-83A1-F6EECF244321}">
+                <p14:modId xmlns:p14="http://schemas.microsoft.com/office/powerpoint/2010/main" val="329507255"/>
+              </p:ext>
+            </p:extLst>
+          </p:nvPr>
+        </p:nvGraphicFramePr>
+        <p:xfrm>
+          <a:off x="357187" y="1671638"/>
+          <a:ext cx="5654675" cy="3666595"/>
+        </p:xfrm>
+        <a:graphic>
+          <a:graphicData uri="http://schemas.openxmlformats.org/drawingml/2006/chart">
+            <c:chart xmlns:c="http://schemas.openxmlformats.org/drawingml/2006/chart" xmlns:r="http://schemas.openxmlformats.org/officeDocument/2006/relationships" r:id="rId2"/>
+          </a:graphicData>
+        </a:graphic>
+      </p:graphicFrame>
+      <p:graphicFrame>
+        <p:nvGraphicFramePr>
+          <p:cNvPr id="6" name="donut_chart">
+            <a:extLst>
+              <a:ext uri="{FF2B5EF4-FFF2-40B4-BE49-F238E27FC236}">
+                <a16:creationId xmlns:a16="http://schemas.microsoft.com/office/drawing/2014/main" id="{D4B43DFC-69B0-3940-B908-F7EBF43BE5BC}"/>
+              </a:ext>
+            </a:extLst>
+          </p:cNvPr>
+          <p:cNvGraphicFramePr/>
+          <p:nvPr>
+            <p:extLst>
+              <p:ext uri="{D42A27DB-BD31-4B8C-83A1-F6EECF244321}">
+                <p14:modId xmlns:p14="http://schemas.microsoft.com/office/powerpoint/2010/main" val="2619787912"/>
+              </p:ext>
+            </p:extLst>
+          </p:nvPr>
+        </p:nvGraphicFramePr>
+        <p:xfrm>
+          <a:off x="6011862" y="1485900"/>
+          <a:ext cx="5845175" cy="3852333"/>
+        </p:xfrm>
+        <a:graphic>
+          <a:graphicData uri="http://schemas.openxmlformats.org/drawingml/2006/chart">
+            <c:chart xmlns:c="http://schemas.openxmlformats.org/drawingml/2006/chart" xmlns:r="http://schemas.openxmlformats.org/officeDocument/2006/relationships" r:id="rId3"/>
+          </a:graphicData>
+        </a:graphic>
+      </p:graphicFrame>
+    </p:spTree>
+    <p:extLst>
+      <p:ext uri="{BB962C8B-B14F-4D97-AF65-F5344CB8AC3E}">
+        <p14:creationId xmlns:p14="http://schemas.microsoft.com/office/powerpoint/2010/main" val="3254031445"/>
+      </p:ext>
+    </p:extLst>
+  </p:cSld>
+  <p:clrMapOvr>
+    <a:masterClrMapping/>
+  </p:clrMapOvr>
+</p:sld>
+</file>
+
+<file path=ppt/slides/slide5.xml><?xml version="1.0" encoding="utf-8"?>
+<p:sld xmlns:a="http://schemas.openxmlformats.org/drawingml/2006/main" xmlns:r="http://schemas.openxmlformats.org/officeDocument/2006/relationships" xmlns:p="http://schemas.openxmlformats.org/presentationml/2006/main">
+  <p:cSld>
+    <p:spTree>
+      <p:nvGrpSpPr>
+        <p:cNvPr id="1" name=""/>
+        <p:cNvGrpSpPr/>
+        <p:nvPr/>
+      </p:nvGrpSpPr>
+      <p:grpSpPr>
+        <a:xfrm>
+          <a:off x="0" y="0"/>
+          <a:ext cx="0" cy="0"/>
+          <a:chOff x="0" y="0"/>
+          <a:chExt cx="0" cy="0"/>
+        </a:xfrm>
+      </p:grpSpPr>
+      <p:graphicFrame>
+        <p:nvGraphicFramePr>
+          <p:cNvPr id="6" name="radar_chart">
+            <a:extLst>
+              <a:ext uri="{FF2B5EF4-FFF2-40B4-BE49-F238E27FC236}">
+                <a16:creationId xmlns:a16="http://schemas.microsoft.com/office/drawing/2014/main" id="{0F5FBDA2-185C-D541-B371-DECDA2668FF6}"/>
+              </a:ext>
+            </a:extLst>
+          </p:cNvPr>
+          <p:cNvGraphicFramePr/>
+          <p:nvPr>
+            <p:extLst>
+              <p:ext uri="{D42A27DB-BD31-4B8C-83A1-F6EECF244321}">
+                <p14:modId xmlns:p14="http://schemas.microsoft.com/office/powerpoint/2010/main" val="1169428454"/>
+              </p:ext>
+            </p:extLst>
+          </p:nvPr>
+        </p:nvGraphicFramePr>
+        <p:xfrm>
+          <a:off x="2032000" y="719666"/>
+          <a:ext cx="8128000" cy="5418667"/>
+        </p:xfrm>
+        <a:graphic>
+          <a:graphicData uri="http://schemas.openxmlformats.org/drawingml/2006/chart">
+            <c:chart xmlns:c="http://schemas.openxmlformats.org/drawingml/2006/chart" xmlns:r="http://schemas.openxmlformats.org/officeDocument/2006/relationships" r:id="rId2"/>
+          </a:graphicData>
+        </a:graphic>
+      </p:graphicFrame>
+    </p:spTree>
+    <p:extLst>
+      <p:ext uri="{BB962C8B-B14F-4D97-AF65-F5344CB8AC3E}">
+        <p14:creationId xmlns:p14="http://schemas.microsoft.com/office/powerpoint/2010/main" val="1158772728"/>
+      </p:ext>
+    </p:extLst>
+  </p:cSld>
+  <p:clrMapOvr>
+    <a:masterClrMapping/>
+  </p:clrMapOvr>
+</p:sld>
+</file>
+
+<file path=ppt/slides/slide6.xml><?xml version="1.0" encoding="utf-8"?>
+<p:sld xmlns:a="http://schemas.openxmlformats.org/drawingml/2006/main" xmlns:r="http://schemas.openxmlformats.org/officeDocument/2006/relationships" xmlns:p="http://schemas.openxmlformats.org/presentationml/2006/main">
+  <p:cSld>
+    <p:spTree>
+      <p:nvGrpSpPr>
+        <p:cNvPr id="1" name=""/>
+        <p:cNvGrpSpPr/>
+        <p:nvPr/>
+      </p:nvGrpSpPr>
+      <p:grpSpPr>
+        <a:xfrm>
+          <a:off x="0" y="0"/>
+          <a:ext cx="0" cy="0"/>
+          <a:chOff x="0" y="0"/>
+          <a:chExt cx="0" cy="0"/>
+        </a:xfrm>
+      </p:grpSpPr>
+      <p:graphicFrame>
+        <p:nvGraphicFramePr>
+          <p:cNvPr id="2" name="combo_chart">
+            <a:extLst>
+              <a:ext uri="{FF2B5EF4-FFF2-40B4-BE49-F238E27FC236}">
+                <a16:creationId xmlns:a16="http://schemas.microsoft.com/office/drawing/2014/main" id="{0F432319-B3A8-1A48-80B0-712EF056517F}"/>
+              </a:ext>
+            </a:extLst>
+          </p:cNvPr>
+          <p:cNvGraphicFramePr/>
+          <p:nvPr>
+            <p:extLst>
+              <p:ext uri="{D42A27DB-BD31-4B8C-83A1-F6EECF244321}">
+                <p14:modId xmlns:p14="http://schemas.microsoft.com/office/powerpoint/2010/main" val="102418171"/>
+              </p:ext>
+            </p:extLst>
+          </p:nvPr>
+        </p:nvGraphicFramePr>
+        <p:xfrm>
+          <a:off x="2032000" y="719666"/>
+          <a:ext cx="8128000" cy="5418667"/>
+        </p:xfrm>
+        <a:graphic>
+          <a:graphicData uri="http://schemas.openxmlformats.org/drawingml/2006/chart">
+            <c:chart xmlns:c="http://schemas.openxmlformats.org/drawingml/2006/chart" xmlns:r="http://schemas.openxmlformats.org/officeDocument/2006/relationships" r:id="rId2"/>
+          </a:graphicData>
+        </a:graphic>
+      </p:graphicFrame>
+    </p:spTree>
+    <p:extLst>
+      <p:ext uri="{BB962C8B-B14F-4D97-AF65-F5344CB8AC3E}">
+        <p14:creationId xmlns:p14="http://schemas.microsoft.com/office/powerpoint/2010/main" val="3232057406"/>
+      </p:ext>
+    </p:extLst>
+  </p:cSld>
+  <p:clrMapOvr>
+    <a:masterClrMapping/>
+  </p:clrMapOvr>
+</p:sld>
+</file>
+
+<file path=ppt/slides/slide7.xml><?xml version="1.0" encoding="utf-8"?>
+<p:sld xmlns:a="http://schemas.openxmlformats.org/drawingml/2006/main" xmlns:r="http://schemas.openxmlformats.org/officeDocument/2006/relationships" xmlns:p="http://schemas.openxmlformats.org/presentationml/2006/main">
+  <p:cSld>
+    <p:spTree>
+      <p:nvGrpSpPr>
+        <p:cNvPr id="1" name=""/>
+        <p:cNvGrpSpPr/>
+        <p:nvPr/>
+      </p:nvGrpSpPr>
+      <p:grpSpPr>
+        <a:xfrm>
+          <a:off x="0" y="0"/>
+          <a:ext cx="0" cy="0"/>
+          <a:chOff x="0" y="0"/>
+          <a:chExt cx="0" cy="0"/>
+        </a:xfrm>
+      </p:grpSpPr>
+      <p:graphicFrame>
+        <p:nvGraphicFramePr>
+          <p:cNvPr id="2" name="xy_chart">
+            <a:extLst>
+              <a:ext uri="{FF2B5EF4-FFF2-40B4-BE49-F238E27FC236}">
+                <a16:creationId xmlns:a16="http://schemas.microsoft.com/office/drawing/2014/main" id="{93617376-35CC-B44F-984D-E1A64F7ECEB1}"/>
+              </a:ext>
+            </a:extLst>
+          </p:cNvPr>
+          <p:cNvGraphicFramePr/>
+          <p:nvPr>
+            <p:extLst>
+              <p:ext uri="{D42A27DB-BD31-4B8C-83A1-F6EECF244321}">
+                <p14:modId xmlns:p14="http://schemas.microsoft.com/office/powerpoint/2010/main" val="2076738455"/>
+              </p:ext>
+            </p:extLst>
+          </p:nvPr>
+        </p:nvGraphicFramePr>
+        <p:xfrm>
+          <a:off x="2032000" y="719666"/>
+          <a:ext cx="8128000" cy="5418667"/>
+        </p:xfrm>
+        <a:graphic>
+          <a:graphicData uri="http://schemas.openxmlformats.org/drawingml/2006/chart">
+            <c:chart xmlns:c="http://schemas.openxmlformats.org/drawingml/2006/chart" xmlns:r="http://schemas.openxmlformats.org/officeDocument/2006/relationships" r:id="rId2"/>
+          </a:graphicData>
+        </a:graphic>
+      </p:graphicFrame>
+    </p:spTree>
+    <p:extLst>
+      <p:ext uri="{BB962C8B-B14F-4D97-AF65-F5344CB8AC3E}">
+        <p14:creationId xmlns:p14="http://schemas.microsoft.com/office/powerpoint/2010/main" val="3583920440"/>
+      </p:ext>
+    </p:extLst>
+  </p:cSld>
+  <p:clrMapOvr>
+    <a:masterClrMapping/>
+  </p:clrMapOvr>
+</p:sld>
+</file>
+
+<file path=ppt/slides/slide8.xml><?xml version="1.0" encoding="utf-8"?>
+<p:sld xmlns:a="http://schemas.openxmlformats.org/drawingml/2006/main" xmlns:r="http://schemas.openxmlformats.org/officeDocument/2006/relationships" xmlns:p="http://schemas.openxmlformats.org/presentationml/2006/main">
+  <p:cSld>
+    <p:spTree>
+      <p:nvGrpSpPr>
+        <p:cNvPr id="1" name=""/>
+        <p:cNvGrpSpPr/>
+        <p:nvPr/>
+      </p:nvGrpSpPr>
+      <p:grpSpPr>
+        <a:xfrm>
+          <a:off x="0" y="0"/>
+          <a:ext cx="0" cy="0"/>
+          <a:chOff x="0" y="0"/>
+          <a:chExt cx="0" cy="0"/>
+        </a:xfrm>
+      </p:grpSpPr>
+      <p:graphicFrame>
+        <p:nvGraphicFramePr>
+          <p:cNvPr id="8" name="bubble_chart">
+            <a:extLst>
+              <a:ext uri="{FF2B5EF4-FFF2-40B4-BE49-F238E27FC236}">
+                <a16:creationId xmlns:a16="http://schemas.microsoft.com/office/drawing/2014/main" id="{00B66E67-66F6-5142-8460-025CD2BAC7BA}"/>
+              </a:ext>
+            </a:extLst>
+          </p:cNvPr>
+          <p:cNvGraphicFramePr/>
+          <p:nvPr>
+            <p:extLst>
+              <p:ext uri="{D42A27DB-BD31-4B8C-83A1-F6EECF244321}">
+                <p14:modId xmlns:p14="http://schemas.microsoft.com/office/powerpoint/2010/main" val="4024791195"/>
+              </p:ext>
+            </p:extLst>
+          </p:nvPr>
+        </p:nvGraphicFramePr>
+        <p:xfrm>
+          <a:off x="2032000" y="719666"/>
+          <a:ext cx="8128000" cy="5418667"/>
+        </p:xfrm>
+        <a:graphic>
+          <a:graphicData uri="http://schemas.openxmlformats.org/drawingml/2006/chart">
+            <c:chart xmlns:c="http://schemas.openxmlformats.org/drawingml/2006/chart" xmlns:r="http://schemas.openxmlformats.org/officeDocument/2006/relationships" r:id="rId2"/>
+          </a:graphicData>
+        </a:graphic>
+      </p:graphicFrame>
     </p:spTree>
     <p:extLst>
       <p:ext uri="{BB962C8B-B14F-4D97-AF65-F5344CB8AC3E}">
